--- a/세미 프로젝트 결과발표.pptx
+++ b/세미 프로젝트 결과발표.pptx
@@ -10,6 +10,9 @@
     <p:sldId id="258" r:id="rId4"/>
     <p:sldId id="259" r:id="rId5"/>
     <p:sldId id="260" r:id="rId6"/>
+    <p:sldId id="261" r:id="rId7"/>
+    <p:sldId id="262" r:id="rId8"/>
+    <p:sldId id="263" r:id="rId9"/>
   </p:sldIdLst>
   <p:sldSz cx="12192000" cy="6858000"/>
   <p:notesSz cx="6858000" cy="9144000"/>
@@ -108,6 +111,11 @@
       </a:defRPr>
     </a:lvl9pPr>
   </p:defaultTextStyle>
+  <p:extLst>
+    <p:ext uri="{EFAFB233-063F-42B5-8137-9DF3F51BA10A}">
+      <p15:sldGuideLst xmlns:p15="http://schemas.microsoft.com/office/powerpoint/2012/main"/>
+    </p:ext>
+  </p:extLst>
 </p:presentation>
 </file>
 
@@ -242,7 +250,7 @@
           <a:p>
             <a:fld id="{4CA821D1-6B4C-4FD5-8D7E-554B1C4726C0}" type="datetimeFigureOut">
               <a:rPr lang="ko-KR" altLang="en-US" smtClean="0"/>
-              <a:t>2020-02-14</a:t>
+              <a:t>2020-02-17</a:t>
             </a:fld>
             <a:endParaRPr lang="ko-KR" altLang="en-US"/>
           </a:p>
@@ -412,7 +420,7 @@
           <a:p>
             <a:fld id="{4CA821D1-6B4C-4FD5-8D7E-554B1C4726C0}" type="datetimeFigureOut">
               <a:rPr lang="ko-KR" altLang="en-US" smtClean="0"/>
-              <a:t>2020-02-14</a:t>
+              <a:t>2020-02-17</a:t>
             </a:fld>
             <a:endParaRPr lang="ko-KR" altLang="en-US"/>
           </a:p>
@@ -592,7 +600,7 @@
           <a:p>
             <a:fld id="{4CA821D1-6B4C-4FD5-8D7E-554B1C4726C0}" type="datetimeFigureOut">
               <a:rPr lang="ko-KR" altLang="en-US" smtClean="0"/>
-              <a:t>2020-02-14</a:t>
+              <a:t>2020-02-17</a:t>
             </a:fld>
             <a:endParaRPr lang="ko-KR" altLang="en-US"/>
           </a:p>
@@ -762,7 +770,7 @@
           <a:p>
             <a:fld id="{4CA821D1-6B4C-4FD5-8D7E-554B1C4726C0}" type="datetimeFigureOut">
               <a:rPr lang="ko-KR" altLang="en-US" smtClean="0"/>
-              <a:t>2020-02-14</a:t>
+              <a:t>2020-02-17</a:t>
             </a:fld>
             <a:endParaRPr lang="ko-KR" altLang="en-US"/>
           </a:p>
@@ -1008,7 +1016,7 @@
           <a:p>
             <a:fld id="{4CA821D1-6B4C-4FD5-8D7E-554B1C4726C0}" type="datetimeFigureOut">
               <a:rPr lang="ko-KR" altLang="en-US" smtClean="0"/>
-              <a:t>2020-02-14</a:t>
+              <a:t>2020-02-17</a:t>
             </a:fld>
             <a:endParaRPr lang="ko-KR" altLang="en-US"/>
           </a:p>
@@ -1240,7 +1248,7 @@
           <a:p>
             <a:fld id="{4CA821D1-6B4C-4FD5-8D7E-554B1C4726C0}" type="datetimeFigureOut">
               <a:rPr lang="ko-KR" altLang="en-US" smtClean="0"/>
-              <a:t>2020-02-14</a:t>
+              <a:t>2020-02-17</a:t>
             </a:fld>
             <a:endParaRPr lang="ko-KR" altLang="en-US"/>
           </a:p>
@@ -1607,7 +1615,7 @@
           <a:p>
             <a:fld id="{4CA821D1-6B4C-4FD5-8D7E-554B1C4726C0}" type="datetimeFigureOut">
               <a:rPr lang="ko-KR" altLang="en-US" smtClean="0"/>
-              <a:t>2020-02-14</a:t>
+              <a:t>2020-02-17</a:t>
             </a:fld>
             <a:endParaRPr lang="ko-KR" altLang="en-US"/>
           </a:p>
@@ -1725,7 +1733,7 @@
           <a:p>
             <a:fld id="{4CA821D1-6B4C-4FD5-8D7E-554B1C4726C0}" type="datetimeFigureOut">
               <a:rPr lang="ko-KR" altLang="en-US" smtClean="0"/>
-              <a:t>2020-02-14</a:t>
+              <a:t>2020-02-17</a:t>
             </a:fld>
             <a:endParaRPr lang="ko-KR" altLang="en-US"/>
           </a:p>
@@ -1820,7 +1828,7 @@
           <a:p>
             <a:fld id="{4CA821D1-6B4C-4FD5-8D7E-554B1C4726C0}" type="datetimeFigureOut">
               <a:rPr lang="ko-KR" altLang="en-US" smtClean="0"/>
-              <a:t>2020-02-14</a:t>
+              <a:t>2020-02-17</a:t>
             </a:fld>
             <a:endParaRPr lang="ko-KR" altLang="en-US"/>
           </a:p>
@@ -2097,7 +2105,7 @@
           <a:p>
             <a:fld id="{4CA821D1-6B4C-4FD5-8D7E-554B1C4726C0}" type="datetimeFigureOut">
               <a:rPr lang="ko-KR" altLang="en-US" smtClean="0"/>
-              <a:t>2020-02-14</a:t>
+              <a:t>2020-02-17</a:t>
             </a:fld>
             <a:endParaRPr lang="ko-KR" altLang="en-US"/>
           </a:p>
@@ -2350,7 +2358,7 @@
           <a:p>
             <a:fld id="{4CA821D1-6B4C-4FD5-8D7E-554B1C4726C0}" type="datetimeFigureOut">
               <a:rPr lang="ko-KR" altLang="en-US" smtClean="0"/>
-              <a:t>2020-02-14</a:t>
+              <a:t>2020-02-17</a:t>
             </a:fld>
             <a:endParaRPr lang="ko-KR" altLang="en-US"/>
           </a:p>
@@ -2563,7 +2571,7 @@
           <a:p>
             <a:fld id="{4CA821D1-6B4C-4FD5-8D7E-554B1C4726C0}" type="datetimeFigureOut">
               <a:rPr lang="ko-KR" altLang="en-US" smtClean="0"/>
-              <a:t>2020-02-14</a:t>
+              <a:t>2020-02-17</a:t>
             </a:fld>
             <a:endParaRPr lang="ko-KR" altLang="en-US"/>
           </a:p>
@@ -3038,6 +3046,60 @@
           </a:p>
         </p:txBody>
       </p:sp>
+      <p:sp>
+        <p:nvSpPr>
+          <p:cNvPr id="4" name="직사각형 3"/>
+          <p:cNvSpPr/>
+          <p:nvPr/>
+        </p:nvSpPr>
+        <p:spPr>
+          <a:xfrm>
+            <a:off x="-112734" y="6501008"/>
+            <a:ext cx="12450871" cy="488515"/>
+          </a:xfrm>
+          <a:prstGeom prst="rect">
+            <a:avLst/>
+          </a:prstGeom>
+          <a:solidFill>
+            <a:schemeClr val="accent4">
+              <a:lumMod val="60000"/>
+              <a:lumOff val="40000"/>
+            </a:schemeClr>
+          </a:solidFill>
+          <a:ln>
+            <a:solidFill>
+              <a:schemeClr val="accent4">
+                <a:lumMod val="40000"/>
+                <a:lumOff val="60000"/>
+              </a:schemeClr>
+            </a:solidFill>
+          </a:ln>
+        </p:spPr>
+        <p:style>
+          <a:lnRef idx="2">
+            <a:schemeClr val="accent1">
+              <a:shade val="50000"/>
+            </a:schemeClr>
+          </a:lnRef>
+          <a:fillRef idx="1">
+            <a:schemeClr val="accent1"/>
+          </a:fillRef>
+          <a:effectRef idx="0">
+            <a:schemeClr val="accent1"/>
+          </a:effectRef>
+          <a:fontRef idx="minor">
+            <a:schemeClr val="lt1"/>
+          </a:fontRef>
+        </p:style>
+        <p:txBody>
+          <a:bodyPr rtlCol="0" anchor="ctr"/>
+          <a:lstStyle/>
+          <a:p>
+            <a:pPr algn="ctr"/>
+            <a:endParaRPr lang="ko-KR" altLang="en-US"/>
+          </a:p>
+        </p:txBody>
+      </p:sp>
     </p:spTree>
     <p:extLst>
       <p:ext uri="{BB962C8B-B14F-4D97-AF65-F5344CB8AC3E}">
@@ -3048,6 +3110,13 @@
   <p:clrMapOvr>
     <a:masterClrMapping/>
   </p:clrMapOvr>
+  <p:timing>
+    <p:tnLst>
+      <p:par>
+        <p:cTn id="1" dur="indefinite" restart="never" nodeType="tmRoot"/>
+      </p:par>
+    </p:tnLst>
+  </p:timing>
 </p:sld>
 </file>
 
@@ -3134,6 +3203,60 @@
           </a:p>
         </p:txBody>
       </p:sp>
+      <p:sp>
+        <p:nvSpPr>
+          <p:cNvPr id="4" name="직사각형 3"/>
+          <p:cNvSpPr/>
+          <p:nvPr/>
+        </p:nvSpPr>
+        <p:spPr>
+          <a:xfrm>
+            <a:off x="-112734" y="6501008"/>
+            <a:ext cx="12450871" cy="488515"/>
+          </a:xfrm>
+          <a:prstGeom prst="rect">
+            <a:avLst/>
+          </a:prstGeom>
+          <a:solidFill>
+            <a:schemeClr val="accent4">
+              <a:lumMod val="60000"/>
+              <a:lumOff val="40000"/>
+            </a:schemeClr>
+          </a:solidFill>
+          <a:ln>
+            <a:solidFill>
+              <a:schemeClr val="accent4">
+                <a:lumMod val="40000"/>
+                <a:lumOff val="60000"/>
+              </a:schemeClr>
+            </a:solidFill>
+          </a:ln>
+        </p:spPr>
+        <p:style>
+          <a:lnRef idx="2">
+            <a:schemeClr val="accent1">
+              <a:shade val="50000"/>
+            </a:schemeClr>
+          </a:lnRef>
+          <a:fillRef idx="1">
+            <a:schemeClr val="accent1"/>
+          </a:fillRef>
+          <a:effectRef idx="0">
+            <a:schemeClr val="accent1"/>
+          </a:effectRef>
+          <a:fontRef idx="minor">
+            <a:schemeClr val="lt1"/>
+          </a:fontRef>
+        </p:style>
+        <p:txBody>
+          <a:bodyPr rtlCol="0" anchor="ctr"/>
+          <a:lstStyle/>
+          <a:p>
+            <a:pPr algn="ctr"/>
+            <a:endParaRPr lang="ko-KR" altLang="en-US"/>
+          </a:p>
+        </p:txBody>
+      </p:sp>
     </p:spTree>
     <p:extLst>
       <p:ext uri="{BB962C8B-B14F-4D97-AF65-F5344CB8AC3E}">
@@ -3144,6 +3267,13 @@
   <p:clrMapOvr>
     <a:masterClrMapping/>
   </p:clrMapOvr>
+  <p:timing>
+    <p:tnLst>
+      <p:par>
+        <p:cTn id="1" dur="indefinite" restart="never" nodeType="tmRoot"/>
+      </p:par>
+    </p:tnLst>
+  </p:timing>
 </p:sld>
 </file>
 
@@ -3580,6 +3710,60 @@
           </a:p>
         </p:txBody>
       </p:sp>
+      <p:sp>
+        <p:nvSpPr>
+          <p:cNvPr id="4" name="직사각형 3"/>
+          <p:cNvSpPr/>
+          <p:nvPr/>
+        </p:nvSpPr>
+        <p:spPr>
+          <a:xfrm>
+            <a:off x="-112734" y="6501008"/>
+            <a:ext cx="12450871" cy="488515"/>
+          </a:xfrm>
+          <a:prstGeom prst="rect">
+            <a:avLst/>
+          </a:prstGeom>
+          <a:solidFill>
+            <a:schemeClr val="accent4">
+              <a:lumMod val="60000"/>
+              <a:lumOff val="40000"/>
+            </a:schemeClr>
+          </a:solidFill>
+          <a:ln>
+            <a:solidFill>
+              <a:schemeClr val="accent4">
+                <a:lumMod val="40000"/>
+                <a:lumOff val="60000"/>
+              </a:schemeClr>
+            </a:solidFill>
+          </a:ln>
+        </p:spPr>
+        <p:style>
+          <a:lnRef idx="2">
+            <a:schemeClr val="accent1">
+              <a:shade val="50000"/>
+            </a:schemeClr>
+          </a:lnRef>
+          <a:fillRef idx="1">
+            <a:schemeClr val="accent1"/>
+          </a:fillRef>
+          <a:effectRef idx="0">
+            <a:schemeClr val="accent1"/>
+          </a:effectRef>
+          <a:fontRef idx="minor">
+            <a:schemeClr val="lt1"/>
+          </a:fontRef>
+        </p:style>
+        <p:txBody>
+          <a:bodyPr rtlCol="0" anchor="ctr"/>
+          <a:lstStyle/>
+          <a:p>
+            <a:pPr algn="ctr"/>
+            <a:endParaRPr lang="ko-KR" altLang="en-US"/>
+          </a:p>
+        </p:txBody>
+      </p:sp>
     </p:spTree>
     <p:extLst>
       <p:ext uri="{BB962C8B-B14F-4D97-AF65-F5344CB8AC3E}">
@@ -3590,6 +3774,13 @@
   <p:clrMapOvr>
     <a:masterClrMapping/>
   </p:clrMapOvr>
+  <p:timing>
+    <p:tnLst>
+      <p:par>
+        <p:cTn id="1" dur="indefinite" restart="never" nodeType="tmRoot"/>
+      </p:par>
+    </p:tnLst>
+  </p:timing>
 </p:sld>
 </file>
 
@@ -3704,6 +3895,60 @@
           </a:p>
         </p:txBody>
       </p:sp>
+      <p:sp>
+        <p:nvSpPr>
+          <p:cNvPr id="5" name="직사각형 4"/>
+          <p:cNvSpPr/>
+          <p:nvPr/>
+        </p:nvSpPr>
+        <p:spPr>
+          <a:xfrm>
+            <a:off x="-112734" y="6501008"/>
+            <a:ext cx="12450871" cy="488515"/>
+          </a:xfrm>
+          <a:prstGeom prst="rect">
+            <a:avLst/>
+          </a:prstGeom>
+          <a:solidFill>
+            <a:schemeClr val="accent4">
+              <a:lumMod val="60000"/>
+              <a:lumOff val="40000"/>
+            </a:schemeClr>
+          </a:solidFill>
+          <a:ln>
+            <a:solidFill>
+              <a:schemeClr val="accent4">
+                <a:lumMod val="40000"/>
+                <a:lumOff val="60000"/>
+              </a:schemeClr>
+            </a:solidFill>
+          </a:ln>
+        </p:spPr>
+        <p:style>
+          <a:lnRef idx="2">
+            <a:schemeClr val="accent1">
+              <a:shade val="50000"/>
+            </a:schemeClr>
+          </a:lnRef>
+          <a:fillRef idx="1">
+            <a:schemeClr val="accent1"/>
+          </a:fillRef>
+          <a:effectRef idx="0">
+            <a:schemeClr val="accent1"/>
+          </a:effectRef>
+          <a:fontRef idx="minor">
+            <a:schemeClr val="lt1"/>
+          </a:fontRef>
+        </p:style>
+        <p:txBody>
+          <a:bodyPr rtlCol="0" anchor="ctr"/>
+          <a:lstStyle/>
+          <a:p>
+            <a:pPr algn="ctr"/>
+            <a:endParaRPr lang="ko-KR" altLang="en-US"/>
+          </a:p>
+        </p:txBody>
+      </p:sp>
     </p:spTree>
     <p:extLst>
       <p:ext uri="{BB962C8B-B14F-4D97-AF65-F5344CB8AC3E}">
@@ -3714,6 +3959,13 @@
   <p:clrMapOvr>
     <a:masterClrMapping/>
   </p:clrMapOvr>
+  <p:timing>
+    <p:tnLst>
+      <p:par>
+        <p:cTn id="1" dur="indefinite" restart="never" nodeType="tmRoot"/>
+      </p:par>
+    </p:tnLst>
+  </p:timing>
 </p:sld>
 </file>
 
@@ -3780,10 +4032,922 @@
           </a:p>
         </p:txBody>
       </p:sp>
+      <p:sp>
+        <p:nvSpPr>
+          <p:cNvPr id="4" name="직사각형 3"/>
+          <p:cNvSpPr/>
+          <p:nvPr/>
+        </p:nvSpPr>
+        <p:spPr>
+          <a:xfrm>
+            <a:off x="-112734" y="6501008"/>
+            <a:ext cx="12450871" cy="488515"/>
+          </a:xfrm>
+          <a:prstGeom prst="rect">
+            <a:avLst/>
+          </a:prstGeom>
+          <a:solidFill>
+            <a:schemeClr val="accent4">
+              <a:lumMod val="60000"/>
+              <a:lumOff val="40000"/>
+            </a:schemeClr>
+          </a:solidFill>
+          <a:ln>
+            <a:solidFill>
+              <a:schemeClr val="accent4">
+                <a:lumMod val="40000"/>
+                <a:lumOff val="60000"/>
+              </a:schemeClr>
+            </a:solidFill>
+          </a:ln>
+        </p:spPr>
+        <p:style>
+          <a:lnRef idx="2">
+            <a:schemeClr val="accent1">
+              <a:shade val="50000"/>
+            </a:schemeClr>
+          </a:lnRef>
+          <a:fillRef idx="1">
+            <a:schemeClr val="accent1"/>
+          </a:fillRef>
+          <a:effectRef idx="0">
+            <a:schemeClr val="accent1"/>
+          </a:effectRef>
+          <a:fontRef idx="minor">
+            <a:schemeClr val="lt1"/>
+          </a:fontRef>
+        </p:style>
+        <p:txBody>
+          <a:bodyPr rtlCol="0" anchor="ctr"/>
+          <a:lstStyle/>
+          <a:p>
+            <a:pPr algn="ctr"/>
+            <a:endParaRPr lang="ko-KR" altLang="en-US"/>
+          </a:p>
+        </p:txBody>
+      </p:sp>
     </p:spTree>
     <p:extLst>
       <p:ext uri="{BB962C8B-B14F-4D97-AF65-F5344CB8AC3E}">
         <p14:creationId xmlns:p14="http://schemas.microsoft.com/office/powerpoint/2010/main" val="3863486442"/>
+      </p:ext>
+    </p:extLst>
+  </p:cSld>
+  <p:clrMapOvr>
+    <a:masterClrMapping/>
+  </p:clrMapOvr>
+  <p:timing>
+    <p:tnLst>
+      <p:par>
+        <p:cTn id="1" dur="indefinite" restart="never" nodeType="tmRoot"/>
+      </p:par>
+    </p:tnLst>
+  </p:timing>
+</p:sld>
+</file>
+
+<file path=ppt/slides/slide6.xml><?xml version="1.0" encoding="utf-8"?>
+<p:sld xmlns:a="http://schemas.openxmlformats.org/drawingml/2006/main" xmlns:r="http://schemas.openxmlformats.org/officeDocument/2006/relationships" xmlns:p="http://schemas.openxmlformats.org/presentationml/2006/main">
+  <p:cSld>
+    <p:spTree>
+      <p:nvGrpSpPr>
+        <p:cNvPr id="1" name=""/>
+        <p:cNvGrpSpPr/>
+        <p:nvPr/>
+      </p:nvGrpSpPr>
+      <p:grpSpPr>
+        <a:xfrm>
+          <a:off x="0" y="0"/>
+          <a:ext cx="0" cy="0"/>
+          <a:chOff x="0" y="0"/>
+          <a:chExt cx="0" cy="0"/>
+        </a:xfrm>
+      </p:grpSpPr>
+      <p:sp>
+        <p:nvSpPr>
+          <p:cNvPr id="2" name="제목 1"/>
+          <p:cNvSpPr>
+            <a:spLocks noGrp="1"/>
+          </p:cNvSpPr>
+          <p:nvPr>
+            <p:ph type="title"/>
+          </p:nvPr>
+        </p:nvSpPr>
+        <p:spPr/>
+        <p:txBody>
+          <a:bodyPr/>
+          <a:lstStyle/>
+          <a:p>
+            <a:r>
+              <a:rPr lang="en-US" altLang="ko-KR" dirty="0" smtClean="0"/>
+              <a:t>5.</a:t>
+            </a:r>
+            <a:r>
+              <a:rPr lang="ko-KR" altLang="en-US" dirty="0" err="1" smtClean="0"/>
+              <a:t>조원별</a:t>
+            </a:r>
+            <a:r>
+              <a:rPr lang="ko-KR" altLang="en-US" dirty="0" smtClean="0"/>
+              <a:t> 역할 분담</a:t>
+            </a:r>
+            <a:endParaRPr lang="ko-KR" altLang="en-US" dirty="0"/>
+          </a:p>
+        </p:txBody>
+      </p:sp>
+      <p:sp>
+        <p:nvSpPr>
+          <p:cNvPr id="3" name="내용 개체 틀 2"/>
+          <p:cNvSpPr>
+            <a:spLocks noGrp="1"/>
+          </p:cNvSpPr>
+          <p:nvPr>
+            <p:ph idx="1"/>
+          </p:nvPr>
+        </p:nvSpPr>
+        <p:spPr/>
+        <p:txBody>
+          <a:bodyPr/>
+          <a:lstStyle/>
+          <a:p>
+            <a:r>
+              <a:rPr lang="ko-KR" altLang="en-US" dirty="0"/>
+              <a:t>게시판</a:t>
+            </a:r>
+          </a:p>
+          <a:p>
+            <a:endParaRPr lang="ko-KR" altLang="en-US" dirty="0"/>
+          </a:p>
+          <a:p>
+            <a:r>
+              <a:rPr lang="en-US" altLang="ko-KR" dirty="0"/>
+              <a:t>- </a:t>
+            </a:r>
+            <a:r>
+              <a:rPr lang="ko-KR" altLang="en-US" dirty="0"/>
+              <a:t>게시판</a:t>
+            </a:r>
+            <a:r>
+              <a:rPr lang="en-US" altLang="ko-KR" dirty="0"/>
+              <a:t>1: </a:t>
+            </a:r>
+            <a:r>
+              <a:rPr lang="ko-KR" altLang="en-US" dirty="0"/>
+              <a:t>식단리뷰</a:t>
+            </a:r>
+            <a:r>
+              <a:rPr lang="en-US" altLang="ko-KR" dirty="0"/>
+              <a:t>-**</a:t>
+            </a:r>
+            <a:r>
+              <a:rPr lang="en-US" altLang="ko-KR" dirty="0" err="1"/>
+              <a:t>insertform</a:t>
+            </a:r>
+            <a:r>
+              <a:rPr lang="en-US" altLang="ko-KR" dirty="0"/>
+              <a:t>**(create),**detail**(read, </a:t>
+            </a:r>
+            <a:r>
+              <a:rPr lang="en-US" altLang="ko-KR" dirty="0" err="1"/>
+              <a:t>delete,update</a:t>
+            </a:r>
+            <a:r>
+              <a:rPr lang="en-US" altLang="ko-KR" dirty="0"/>
+              <a:t>),**list** `</a:t>
+            </a:r>
+            <a:r>
+              <a:rPr lang="en-US" altLang="ko-KR" dirty="0" err="1"/>
+              <a:t>jsp</a:t>
+            </a:r>
+            <a:r>
+              <a:rPr lang="en-US" altLang="ko-KR" dirty="0"/>
+              <a:t>`</a:t>
+            </a:r>
+          </a:p>
+          <a:p>
+            <a:r>
+              <a:rPr lang="en-US" altLang="ko-KR" dirty="0"/>
+              <a:t>- </a:t>
+            </a:r>
+            <a:r>
+              <a:rPr lang="ko-KR" altLang="en-US" dirty="0"/>
+              <a:t>게시판</a:t>
+            </a:r>
+            <a:r>
+              <a:rPr lang="en-US" altLang="ko-KR" dirty="0"/>
+              <a:t>2: </a:t>
+            </a:r>
+            <a:r>
+              <a:rPr lang="ko-KR" altLang="en-US" dirty="0"/>
+              <a:t>건의게시판 </a:t>
+            </a:r>
+            <a:r>
+              <a:rPr lang="en-US" altLang="ko-KR" dirty="0"/>
+              <a:t>--**</a:t>
+            </a:r>
+            <a:r>
+              <a:rPr lang="en-US" altLang="ko-KR" dirty="0" err="1"/>
+              <a:t>insertform</a:t>
+            </a:r>
+            <a:r>
+              <a:rPr lang="en-US" altLang="ko-KR" dirty="0"/>
+              <a:t>**(create),**detail**(read, </a:t>
+            </a:r>
+            <a:r>
+              <a:rPr lang="en-US" altLang="ko-KR" dirty="0" err="1"/>
+              <a:t>delete,update</a:t>
+            </a:r>
+            <a:r>
+              <a:rPr lang="en-US" altLang="ko-KR" dirty="0"/>
+              <a:t>),**list** `</a:t>
+            </a:r>
+            <a:r>
+              <a:rPr lang="en-US" altLang="ko-KR" dirty="0" err="1"/>
+              <a:t>jsp</a:t>
+            </a:r>
+            <a:r>
+              <a:rPr lang="en-US" altLang="ko-KR" dirty="0"/>
+              <a:t>`</a:t>
+            </a:r>
+          </a:p>
+          <a:p>
+            <a:r>
+              <a:rPr lang="en-US" altLang="ko-KR" dirty="0"/>
+              <a:t>- </a:t>
+            </a:r>
+            <a:r>
+              <a:rPr lang="ko-KR" altLang="en-US" dirty="0"/>
+              <a:t>게시판</a:t>
+            </a:r>
+            <a:r>
+              <a:rPr lang="en-US" altLang="ko-KR" dirty="0"/>
+              <a:t>3: </a:t>
+            </a:r>
+            <a:r>
+              <a:rPr lang="ko-KR" altLang="en-US" dirty="0"/>
+              <a:t>외부식당리뷰</a:t>
+            </a:r>
+            <a:r>
+              <a:rPr lang="en-US" altLang="ko-KR" dirty="0"/>
+              <a:t>--**</a:t>
+            </a:r>
+            <a:r>
+              <a:rPr lang="en-US" altLang="ko-KR" dirty="0" err="1"/>
+              <a:t>insertform</a:t>
+            </a:r>
+            <a:r>
+              <a:rPr lang="en-US" altLang="ko-KR" dirty="0"/>
+              <a:t>**(create),**detail**(read, </a:t>
+            </a:r>
+            <a:r>
+              <a:rPr lang="en-US" altLang="ko-KR" dirty="0" err="1"/>
+              <a:t>delete,update</a:t>
+            </a:r>
+            <a:r>
+              <a:rPr lang="en-US" altLang="ko-KR" dirty="0"/>
+              <a:t>),**list** `</a:t>
+            </a:r>
+            <a:r>
+              <a:rPr lang="en-US" altLang="ko-KR" dirty="0" err="1"/>
+              <a:t>jsp</a:t>
+            </a:r>
+            <a:r>
+              <a:rPr lang="en-US" altLang="ko-KR" dirty="0"/>
+              <a:t>`</a:t>
+            </a:r>
+          </a:p>
+          <a:p>
+            <a:r>
+              <a:rPr lang="en-US" altLang="ko-KR" dirty="0"/>
+              <a:t>- </a:t>
+            </a:r>
+            <a:r>
+              <a:rPr lang="ko-KR" altLang="en-US" dirty="0"/>
+              <a:t>관리자게시판</a:t>
+            </a:r>
+            <a:r>
+              <a:rPr lang="en-US" altLang="ko-KR" dirty="0"/>
+              <a:t>: </a:t>
+            </a:r>
+            <a:r>
+              <a:rPr lang="ko-KR" altLang="en-US" dirty="0" err="1"/>
+              <a:t>오늘의메뉴</a:t>
+            </a:r>
+            <a:r>
+              <a:rPr lang="en-US" altLang="ko-KR" dirty="0"/>
+              <a:t>-</a:t>
+            </a:r>
+            <a:r>
+              <a:rPr lang="ko-KR" altLang="en-US" dirty="0"/>
+              <a:t>관리자권한</a:t>
+            </a:r>
+            <a:r>
+              <a:rPr lang="en-US" altLang="ko-KR" dirty="0"/>
+              <a:t>, crud,</a:t>
+            </a:r>
+            <a:r>
+              <a:rPr lang="ko-KR" altLang="en-US" dirty="0"/>
+              <a:t>사진</a:t>
+            </a:r>
+          </a:p>
+        </p:txBody>
+      </p:sp>
+      <p:sp>
+        <p:nvSpPr>
+          <p:cNvPr id="4" name="직사각형 3"/>
+          <p:cNvSpPr/>
+          <p:nvPr/>
+        </p:nvSpPr>
+        <p:spPr>
+          <a:xfrm>
+            <a:off x="-112734" y="6501008"/>
+            <a:ext cx="12450871" cy="488515"/>
+          </a:xfrm>
+          <a:prstGeom prst="rect">
+            <a:avLst/>
+          </a:prstGeom>
+          <a:solidFill>
+            <a:schemeClr val="accent4">
+              <a:lumMod val="60000"/>
+              <a:lumOff val="40000"/>
+            </a:schemeClr>
+          </a:solidFill>
+          <a:ln>
+            <a:solidFill>
+              <a:schemeClr val="accent4">
+                <a:lumMod val="40000"/>
+                <a:lumOff val="60000"/>
+              </a:schemeClr>
+            </a:solidFill>
+          </a:ln>
+        </p:spPr>
+        <p:style>
+          <a:lnRef idx="2">
+            <a:schemeClr val="accent1">
+              <a:shade val="50000"/>
+            </a:schemeClr>
+          </a:lnRef>
+          <a:fillRef idx="1">
+            <a:schemeClr val="accent1"/>
+          </a:fillRef>
+          <a:effectRef idx="0">
+            <a:schemeClr val="accent1"/>
+          </a:effectRef>
+          <a:fontRef idx="minor">
+            <a:schemeClr val="lt1"/>
+          </a:fontRef>
+        </p:style>
+        <p:txBody>
+          <a:bodyPr rtlCol="0" anchor="ctr"/>
+          <a:lstStyle/>
+          <a:p>
+            <a:pPr algn="ctr"/>
+            <a:endParaRPr lang="ko-KR" altLang="en-US"/>
+          </a:p>
+        </p:txBody>
+      </p:sp>
+    </p:spTree>
+    <p:extLst>
+      <p:ext uri="{BB962C8B-B14F-4D97-AF65-F5344CB8AC3E}">
+        <p14:creationId xmlns:p14="http://schemas.microsoft.com/office/powerpoint/2010/main" val="3667099812"/>
+      </p:ext>
+    </p:extLst>
+  </p:cSld>
+  <p:clrMapOvr>
+    <a:masterClrMapping/>
+  </p:clrMapOvr>
+</p:sld>
+</file>
+
+<file path=ppt/slides/slide7.xml><?xml version="1.0" encoding="utf-8"?>
+<p:sld xmlns:a="http://schemas.openxmlformats.org/drawingml/2006/main" xmlns:r="http://schemas.openxmlformats.org/officeDocument/2006/relationships" xmlns:p="http://schemas.openxmlformats.org/presentationml/2006/main">
+  <p:cSld>
+    <p:spTree>
+      <p:nvGrpSpPr>
+        <p:cNvPr id="1" name=""/>
+        <p:cNvGrpSpPr/>
+        <p:nvPr/>
+      </p:nvGrpSpPr>
+      <p:grpSpPr>
+        <a:xfrm>
+          <a:off x="0" y="0"/>
+          <a:ext cx="0" cy="0"/>
+          <a:chOff x="0" y="0"/>
+          <a:chExt cx="0" cy="0"/>
+        </a:xfrm>
+      </p:grpSpPr>
+      <p:sp>
+        <p:nvSpPr>
+          <p:cNvPr id="2" name="제목 1"/>
+          <p:cNvSpPr>
+            <a:spLocks noGrp="1"/>
+          </p:cNvSpPr>
+          <p:nvPr>
+            <p:ph type="title"/>
+          </p:nvPr>
+        </p:nvSpPr>
+        <p:spPr/>
+        <p:txBody>
+          <a:bodyPr/>
+          <a:lstStyle/>
+          <a:p>
+            <a:r>
+              <a:rPr lang="en-US" altLang="ko-KR" dirty="0" smtClean="0"/>
+              <a:t>6.</a:t>
+            </a:r>
+            <a:r>
+              <a:rPr lang="ko-KR" altLang="en-US" dirty="0" smtClean="0"/>
+              <a:t>각 </a:t>
+            </a:r>
+            <a:r>
+              <a:rPr lang="ko-KR" altLang="en-US" dirty="0" err="1" smtClean="0"/>
+              <a:t>조원별</a:t>
+            </a:r>
+            <a:r>
+              <a:rPr lang="ko-KR" altLang="en-US" dirty="0" smtClean="0"/>
+              <a:t> 분담한 역할대로 구현</a:t>
+            </a:r>
+            <a:endParaRPr lang="ko-KR" altLang="en-US" dirty="0"/>
+          </a:p>
+        </p:txBody>
+      </p:sp>
+      <p:sp>
+        <p:nvSpPr>
+          <p:cNvPr id="3" name="내용 개체 틀 2"/>
+          <p:cNvSpPr>
+            <a:spLocks noGrp="1"/>
+          </p:cNvSpPr>
+          <p:nvPr>
+            <p:ph idx="1"/>
+          </p:nvPr>
+        </p:nvSpPr>
+        <p:spPr/>
+        <p:txBody>
+          <a:bodyPr>
+            <a:normAutofit fontScale="92500" lnSpcReduction="10000"/>
+          </a:bodyPr>
+          <a:lstStyle/>
+          <a:p>
+            <a:r>
+              <a:rPr lang="ko-KR" altLang="en-US" dirty="0"/>
+              <a:t>각 조원끼리 </a:t>
+            </a:r>
+            <a:r>
+              <a:rPr lang="ko-KR" altLang="en-US" dirty="0" err="1"/>
+              <a:t>패키지명</a:t>
+            </a:r>
+            <a:r>
+              <a:rPr lang="en-US" altLang="ko-KR" dirty="0"/>
+              <a:t>, </a:t>
+            </a:r>
+            <a:r>
+              <a:rPr lang="ko-KR" altLang="en-US" dirty="0" err="1"/>
+              <a:t>클래스명</a:t>
+            </a:r>
+            <a:r>
+              <a:rPr lang="en-US" altLang="ko-KR" dirty="0"/>
+              <a:t>, </a:t>
+            </a:r>
+            <a:r>
+              <a:rPr lang="ko-KR" altLang="en-US" dirty="0" err="1"/>
+              <a:t>변수명</a:t>
+            </a:r>
+            <a:r>
+              <a:rPr lang="en-US" altLang="ko-KR" dirty="0"/>
+              <a:t>, </a:t>
+            </a:r>
+            <a:r>
+              <a:rPr lang="ko-KR" altLang="en-US" dirty="0"/>
+              <a:t>파일경로</a:t>
+            </a:r>
+            <a:r>
+              <a:rPr lang="en-US" altLang="ko-KR" dirty="0"/>
+              <a:t>, DB</a:t>
+            </a:r>
+            <a:r>
+              <a:rPr lang="ko-KR" altLang="en-US" dirty="0" err="1"/>
+              <a:t>테이블명</a:t>
+            </a:r>
+            <a:r>
+              <a:rPr lang="en-US" altLang="ko-KR" dirty="0"/>
+              <a:t>, </a:t>
+            </a:r>
+            <a:r>
+              <a:rPr lang="ko-KR" altLang="en-US" dirty="0" err="1"/>
+              <a:t>컬럼명</a:t>
+            </a:r>
+            <a:r>
+              <a:rPr lang="ko-KR" altLang="en-US" dirty="0"/>
+              <a:t> 등 약속</a:t>
+            </a:r>
+            <a:r>
+              <a:rPr lang="en-US" altLang="ko-KR" dirty="0"/>
+              <a:t>&amp;</a:t>
+            </a:r>
+            <a:r>
+              <a:rPr lang="ko-KR" altLang="en-US" dirty="0"/>
+              <a:t>공유</a:t>
+            </a:r>
+          </a:p>
+          <a:p>
+            <a:endParaRPr lang="ko-KR" altLang="en-US" dirty="0"/>
+          </a:p>
+          <a:p>
+            <a:r>
+              <a:rPr lang="en-US" altLang="ko-KR" dirty="0"/>
+              <a:t>- </a:t>
+            </a:r>
+            <a:r>
+              <a:rPr lang="ko-KR" altLang="en-US" dirty="0"/>
+              <a:t>로그인</a:t>
+            </a:r>
+            <a:r>
+              <a:rPr lang="en-US" altLang="ko-KR" dirty="0"/>
+              <a:t>-</a:t>
+            </a:r>
+            <a:r>
+              <a:rPr lang="ko-KR" altLang="en-US" dirty="0"/>
+              <a:t>유미선</a:t>
+            </a:r>
+          </a:p>
+          <a:p>
+            <a:r>
+              <a:rPr lang="en-US" altLang="ko-KR" dirty="0"/>
+              <a:t>- </a:t>
+            </a:r>
+            <a:r>
+              <a:rPr lang="ko-KR" altLang="en-US" dirty="0"/>
+              <a:t>회원가입</a:t>
+            </a:r>
+            <a:r>
+              <a:rPr lang="en-US" altLang="ko-KR" dirty="0"/>
+              <a:t>-?</a:t>
+            </a:r>
+          </a:p>
+          <a:p>
+            <a:r>
+              <a:rPr lang="en-US" altLang="ko-KR" dirty="0"/>
+              <a:t>- </a:t>
+            </a:r>
+            <a:r>
+              <a:rPr lang="ko-KR" altLang="en-US" dirty="0"/>
+              <a:t>게시판</a:t>
+            </a:r>
+            <a:r>
+              <a:rPr lang="en-US" altLang="ko-KR" dirty="0"/>
+              <a:t>1: </a:t>
+            </a:r>
+            <a:r>
+              <a:rPr lang="ko-KR" altLang="en-US" dirty="0"/>
+              <a:t>식단리뷰</a:t>
+            </a:r>
+            <a:r>
+              <a:rPr lang="en-US" altLang="ko-KR" dirty="0"/>
+              <a:t>-</a:t>
+            </a:r>
+            <a:r>
+              <a:rPr lang="ko-KR" altLang="en-US" dirty="0"/>
+              <a:t>정혜진</a:t>
+            </a:r>
+          </a:p>
+          <a:p>
+            <a:r>
+              <a:rPr lang="en-US" altLang="ko-KR" dirty="0"/>
+              <a:t>- </a:t>
+            </a:r>
+            <a:r>
+              <a:rPr lang="ko-KR" altLang="en-US" dirty="0"/>
+              <a:t>게시판</a:t>
+            </a:r>
+            <a:r>
+              <a:rPr lang="en-US" altLang="ko-KR" dirty="0"/>
+              <a:t>2: </a:t>
+            </a:r>
+            <a:r>
+              <a:rPr lang="ko-KR" altLang="en-US" dirty="0"/>
+              <a:t>건의게시판</a:t>
+            </a:r>
+            <a:r>
+              <a:rPr lang="en-US" altLang="ko-KR" dirty="0"/>
+              <a:t>-</a:t>
+            </a:r>
+            <a:r>
+              <a:rPr lang="ko-KR" altLang="en-US" dirty="0"/>
+              <a:t>최혜근</a:t>
+            </a:r>
+          </a:p>
+          <a:p>
+            <a:r>
+              <a:rPr lang="en-US" altLang="ko-KR" dirty="0"/>
+              <a:t>- </a:t>
+            </a:r>
+            <a:r>
+              <a:rPr lang="ko-KR" altLang="en-US" dirty="0"/>
+              <a:t>게시판</a:t>
+            </a:r>
+            <a:r>
+              <a:rPr lang="en-US" altLang="ko-KR" dirty="0"/>
+              <a:t>3: </a:t>
+            </a:r>
+            <a:r>
+              <a:rPr lang="ko-KR" altLang="en-US" dirty="0"/>
+              <a:t>외부식당리뷰</a:t>
+            </a:r>
+            <a:r>
+              <a:rPr lang="en-US" altLang="ko-KR" dirty="0"/>
+              <a:t>-</a:t>
+            </a:r>
+            <a:r>
+              <a:rPr lang="ko-KR" altLang="en-US" dirty="0"/>
+              <a:t>이효진</a:t>
+            </a:r>
+          </a:p>
+          <a:p>
+            <a:r>
+              <a:rPr lang="en-US" altLang="ko-KR" dirty="0"/>
+              <a:t>- </a:t>
+            </a:r>
+            <a:r>
+              <a:rPr lang="ko-KR" altLang="en-US" dirty="0"/>
+              <a:t>관리자게시판</a:t>
+            </a:r>
+            <a:r>
+              <a:rPr lang="en-US" altLang="ko-KR" dirty="0"/>
+              <a:t>: </a:t>
+            </a:r>
+            <a:r>
+              <a:rPr lang="ko-KR" altLang="en-US" dirty="0" err="1"/>
+              <a:t>오늘의메뉴</a:t>
+            </a:r>
+            <a:endParaRPr lang="ko-KR" altLang="en-US" dirty="0"/>
+          </a:p>
+          <a:p>
+            <a:r>
+              <a:rPr lang="en-US" altLang="ko-KR" dirty="0"/>
+              <a:t>- </a:t>
+            </a:r>
+            <a:r>
+              <a:rPr lang="ko-KR" altLang="en-US" dirty="0" err="1"/>
+              <a:t>메인페이지</a:t>
+            </a:r>
+            <a:r>
+              <a:rPr lang="en-US" altLang="ko-KR" dirty="0"/>
+              <a:t>: </a:t>
+            </a:r>
+            <a:r>
+              <a:rPr lang="ko-KR" altLang="en-US" dirty="0"/>
+              <a:t>식권구입</a:t>
+            </a:r>
+            <a:r>
+              <a:rPr lang="en-US" altLang="ko-KR" dirty="0"/>
+              <a:t>, </a:t>
+            </a:r>
+            <a:r>
+              <a:rPr lang="ko-KR" altLang="en-US" dirty="0"/>
+              <a:t>사용</a:t>
+            </a:r>
+            <a:r>
+              <a:rPr lang="en-US" altLang="ko-KR" dirty="0"/>
+              <a:t>, </a:t>
+            </a:r>
+            <a:r>
+              <a:rPr lang="ko-KR" altLang="en-US" dirty="0"/>
+              <a:t>포인트충전</a:t>
+            </a:r>
+          </a:p>
+        </p:txBody>
+      </p:sp>
+      <p:sp>
+        <p:nvSpPr>
+          <p:cNvPr id="4" name="직사각형 3"/>
+          <p:cNvSpPr/>
+          <p:nvPr/>
+        </p:nvSpPr>
+        <p:spPr>
+          <a:xfrm>
+            <a:off x="-112734" y="6501008"/>
+            <a:ext cx="12450871" cy="488515"/>
+          </a:xfrm>
+          <a:prstGeom prst="rect">
+            <a:avLst/>
+          </a:prstGeom>
+          <a:solidFill>
+            <a:schemeClr val="accent4">
+              <a:lumMod val="60000"/>
+              <a:lumOff val="40000"/>
+            </a:schemeClr>
+          </a:solidFill>
+          <a:ln>
+            <a:solidFill>
+              <a:schemeClr val="accent4">
+                <a:lumMod val="40000"/>
+                <a:lumOff val="60000"/>
+              </a:schemeClr>
+            </a:solidFill>
+          </a:ln>
+        </p:spPr>
+        <p:style>
+          <a:lnRef idx="2">
+            <a:schemeClr val="accent1">
+              <a:shade val="50000"/>
+            </a:schemeClr>
+          </a:lnRef>
+          <a:fillRef idx="1">
+            <a:schemeClr val="accent1"/>
+          </a:fillRef>
+          <a:effectRef idx="0">
+            <a:schemeClr val="accent1"/>
+          </a:effectRef>
+          <a:fontRef idx="minor">
+            <a:schemeClr val="lt1"/>
+          </a:fontRef>
+        </p:style>
+        <p:txBody>
+          <a:bodyPr rtlCol="0" anchor="ctr"/>
+          <a:lstStyle/>
+          <a:p>
+            <a:pPr algn="ctr"/>
+            <a:endParaRPr lang="ko-KR" altLang="en-US"/>
+          </a:p>
+        </p:txBody>
+      </p:sp>
+    </p:spTree>
+    <p:extLst>
+      <p:ext uri="{BB962C8B-B14F-4D97-AF65-F5344CB8AC3E}">
+        <p14:creationId xmlns:p14="http://schemas.microsoft.com/office/powerpoint/2010/main" val="833129371"/>
+      </p:ext>
+    </p:extLst>
+  </p:cSld>
+  <p:clrMapOvr>
+    <a:masterClrMapping/>
+  </p:clrMapOvr>
+</p:sld>
+</file>
+
+<file path=ppt/slides/slide8.xml><?xml version="1.0" encoding="utf-8"?>
+<p:sld xmlns:a="http://schemas.openxmlformats.org/drawingml/2006/main" xmlns:r="http://schemas.openxmlformats.org/officeDocument/2006/relationships" xmlns:p="http://schemas.openxmlformats.org/presentationml/2006/main">
+  <p:cSld>
+    <p:spTree>
+      <p:nvGrpSpPr>
+        <p:cNvPr id="1" name=""/>
+        <p:cNvGrpSpPr/>
+        <p:nvPr/>
+      </p:nvGrpSpPr>
+      <p:grpSpPr>
+        <a:xfrm>
+          <a:off x="0" y="0"/>
+          <a:ext cx="0" cy="0"/>
+          <a:chOff x="0" y="0"/>
+          <a:chExt cx="0" cy="0"/>
+        </a:xfrm>
+      </p:grpSpPr>
+      <p:sp>
+        <p:nvSpPr>
+          <p:cNvPr id="2" name="제목 1"/>
+          <p:cNvSpPr>
+            <a:spLocks noGrp="1"/>
+          </p:cNvSpPr>
+          <p:nvPr>
+            <p:ph type="title"/>
+          </p:nvPr>
+        </p:nvSpPr>
+        <p:spPr/>
+        <p:txBody>
+          <a:bodyPr/>
+          <a:lstStyle/>
+          <a:p>
+            <a:endParaRPr lang="ko-KR" altLang="en-US"/>
+          </a:p>
+        </p:txBody>
+      </p:sp>
+      <p:sp>
+        <p:nvSpPr>
+          <p:cNvPr id="3" name="내용 개체 틀 2"/>
+          <p:cNvSpPr>
+            <a:spLocks noGrp="1"/>
+          </p:cNvSpPr>
+          <p:nvPr>
+            <p:ph idx="1"/>
+          </p:nvPr>
+        </p:nvSpPr>
+        <p:spPr/>
+        <p:txBody>
+          <a:bodyPr/>
+          <a:lstStyle/>
+          <a:p>
+            <a:r>
+              <a:rPr lang="ko-KR" altLang="en-US" dirty="0"/>
+              <a:t>한 조원이 </a:t>
+            </a:r>
+            <a:r>
+              <a:rPr lang="en-US" altLang="ko-KR" dirty="0"/>
+              <a:t>1</a:t>
+            </a:r>
+            <a:r>
+              <a:rPr lang="ko-KR" altLang="en-US" dirty="0"/>
+              <a:t>개의 기능 담당</a:t>
+            </a:r>
+            <a:r>
+              <a:rPr lang="en-US" altLang="ko-KR" dirty="0"/>
+              <a:t>(</a:t>
+            </a:r>
+            <a:r>
+              <a:rPr lang="ko-KR" altLang="en-US" dirty="0"/>
+              <a:t>모든 기능</a:t>
+            </a:r>
+            <a:r>
+              <a:rPr lang="en-US" altLang="ko-KR" dirty="0"/>
+              <a:t>)</a:t>
+            </a:r>
+          </a:p>
+          <a:p>
+            <a:endParaRPr lang="en-US" altLang="ko-KR" dirty="0"/>
+          </a:p>
+          <a:p>
+            <a:r>
+              <a:rPr lang="en-US" altLang="ko-KR" dirty="0"/>
+              <a:t>DB</a:t>
+            </a:r>
+            <a:r>
+              <a:rPr lang="ko-KR" altLang="en-US" dirty="0"/>
+              <a:t>설계</a:t>
+            </a:r>
+            <a:r>
+              <a:rPr lang="en-US" altLang="ko-KR" dirty="0"/>
+              <a:t>-</a:t>
+            </a:r>
+            <a:r>
+              <a:rPr lang="ko-KR" altLang="en-US" dirty="0"/>
+              <a:t>화면설계</a:t>
+            </a:r>
+            <a:r>
+              <a:rPr lang="en-US" altLang="ko-KR" dirty="0"/>
+              <a:t>-MVC</a:t>
+            </a:r>
+            <a:r>
+              <a:rPr lang="ko-KR" altLang="en-US" dirty="0"/>
+              <a:t>구현 등 모두 해볼 수 있도록 구성</a:t>
+            </a:r>
+          </a:p>
+        </p:txBody>
+      </p:sp>
+      <p:sp>
+        <p:nvSpPr>
+          <p:cNvPr id="5" name="직사각형 4"/>
+          <p:cNvSpPr/>
+          <p:nvPr/>
+        </p:nvSpPr>
+        <p:spPr>
+          <a:xfrm>
+            <a:off x="-112734" y="6501008"/>
+            <a:ext cx="12450871" cy="488515"/>
+          </a:xfrm>
+          <a:prstGeom prst="rect">
+            <a:avLst/>
+          </a:prstGeom>
+          <a:solidFill>
+            <a:schemeClr val="accent4">
+              <a:lumMod val="60000"/>
+              <a:lumOff val="40000"/>
+            </a:schemeClr>
+          </a:solidFill>
+          <a:ln>
+            <a:solidFill>
+              <a:schemeClr val="accent4">
+                <a:lumMod val="40000"/>
+                <a:lumOff val="60000"/>
+              </a:schemeClr>
+            </a:solidFill>
+          </a:ln>
+        </p:spPr>
+        <p:style>
+          <a:lnRef idx="2">
+            <a:schemeClr val="accent1">
+              <a:shade val="50000"/>
+            </a:schemeClr>
+          </a:lnRef>
+          <a:fillRef idx="1">
+            <a:schemeClr val="accent1"/>
+          </a:fillRef>
+          <a:effectRef idx="0">
+            <a:schemeClr val="accent1"/>
+          </a:effectRef>
+          <a:fontRef idx="minor">
+            <a:schemeClr val="lt1"/>
+          </a:fontRef>
+        </p:style>
+        <p:txBody>
+          <a:bodyPr rtlCol="0" anchor="ctr"/>
+          <a:lstStyle/>
+          <a:p>
+            <a:pPr algn="ctr"/>
+            <a:endParaRPr lang="ko-KR" altLang="en-US"/>
+          </a:p>
+        </p:txBody>
+      </p:sp>
+    </p:spTree>
+    <p:extLst>
+      <p:ext uri="{BB962C8B-B14F-4D97-AF65-F5344CB8AC3E}">
+        <p14:creationId xmlns:p14="http://schemas.microsoft.com/office/powerpoint/2010/main" val="642810714"/>
       </p:ext>
     </p:extLst>
   </p:cSld>

--- a/세미 프로젝트 결과발표.pptx
+++ b/세미 프로젝트 결과발표.pptx
@@ -13,6 +13,13 @@
     <p:sldId id="261" r:id="rId7"/>
     <p:sldId id="262" r:id="rId8"/>
     <p:sldId id="263" r:id="rId9"/>
+    <p:sldId id="264" r:id="rId10"/>
+    <p:sldId id="265" r:id="rId11"/>
+    <p:sldId id="267" r:id="rId12"/>
+    <p:sldId id="268" r:id="rId13"/>
+    <p:sldId id="269" r:id="rId14"/>
+    <p:sldId id="266" r:id="rId15"/>
+    <p:sldId id="270" r:id="rId16"/>
   </p:sldIdLst>
   <p:sldSz cx="12192000" cy="6858000"/>
   <p:notesSz cx="6858000" cy="9144000"/>
@@ -248,9 +255,9 @@
           <a:bodyPr/>
           <a:lstStyle/>
           <a:p>
-            <a:fld id="{4CA821D1-6B4C-4FD5-8D7E-554B1C4726C0}" type="datetimeFigureOut">
-              <a:rPr lang="ko-KR" altLang="en-US" smtClean="0"/>
-              <a:t>2020-02-17</a:t>
+            <a:fld id="{76E29F7F-47B2-4255-A375-4139D846AA0D}" type="datetimeFigureOut">
+              <a:rPr lang="ko-KR" altLang="en-US" smtClean="0"/>
+              <a:t>2020-02-19</a:t>
             </a:fld>
             <a:endParaRPr lang="ko-KR" altLang="en-US"/>
           </a:p>
@@ -290,7 +297,7 @@
           <a:bodyPr/>
           <a:lstStyle/>
           <a:p>
-            <a:fld id="{1E101B90-DAE0-4B9A-BED9-9BA0BFA64F98}" type="slidenum">
+            <a:fld id="{27D00975-42DE-4B41-94B6-A216C16ECD7E}" type="slidenum">
               <a:rPr lang="ko-KR" altLang="en-US" smtClean="0"/>
               <a:t>‹#›</a:t>
             </a:fld>
@@ -301,13 +308,20 @@
     </p:spTree>
     <p:extLst>
       <p:ext uri="{BB962C8B-B14F-4D97-AF65-F5344CB8AC3E}">
-        <p14:creationId xmlns:p14="http://schemas.microsoft.com/office/powerpoint/2010/main" val="3257265889"/>
+        <p14:creationId xmlns:p14="http://schemas.microsoft.com/office/powerpoint/2010/main" val="717546112"/>
       </p:ext>
     </p:extLst>
   </p:cSld>
   <p:clrMapOvr>
     <a:masterClrMapping/>
   </p:clrMapOvr>
+  <p:timing>
+    <p:tnLst>
+      <p:par>
+        <p:cTn id="1" dur="indefinite" restart="never" nodeType="tmRoot"/>
+      </p:par>
+    </p:tnLst>
+  </p:timing>
 </p:sldLayout>
 </file>
 
@@ -418,9 +432,9 @@
           <a:bodyPr/>
           <a:lstStyle/>
           <a:p>
-            <a:fld id="{4CA821D1-6B4C-4FD5-8D7E-554B1C4726C0}" type="datetimeFigureOut">
-              <a:rPr lang="ko-KR" altLang="en-US" smtClean="0"/>
-              <a:t>2020-02-17</a:t>
+            <a:fld id="{76E29F7F-47B2-4255-A375-4139D846AA0D}" type="datetimeFigureOut">
+              <a:rPr lang="ko-KR" altLang="en-US" smtClean="0"/>
+              <a:t>2020-02-19</a:t>
             </a:fld>
             <a:endParaRPr lang="ko-KR" altLang="en-US"/>
           </a:p>
@@ -460,7 +474,7 @@
           <a:bodyPr/>
           <a:lstStyle/>
           <a:p>
-            <a:fld id="{1E101B90-DAE0-4B9A-BED9-9BA0BFA64F98}" type="slidenum">
+            <a:fld id="{27D00975-42DE-4B41-94B6-A216C16ECD7E}" type="slidenum">
               <a:rPr lang="ko-KR" altLang="en-US" smtClean="0"/>
               <a:t>‹#›</a:t>
             </a:fld>
@@ -471,7 +485,7 @@
     </p:spTree>
     <p:extLst>
       <p:ext uri="{BB962C8B-B14F-4D97-AF65-F5344CB8AC3E}">
-        <p14:creationId xmlns:p14="http://schemas.microsoft.com/office/powerpoint/2010/main" val="4182531387"/>
+        <p14:creationId xmlns:p14="http://schemas.microsoft.com/office/powerpoint/2010/main" val="1783981138"/>
       </p:ext>
     </p:extLst>
   </p:cSld>
@@ -598,9 +612,9 @@
           <a:bodyPr/>
           <a:lstStyle/>
           <a:p>
-            <a:fld id="{4CA821D1-6B4C-4FD5-8D7E-554B1C4726C0}" type="datetimeFigureOut">
-              <a:rPr lang="ko-KR" altLang="en-US" smtClean="0"/>
-              <a:t>2020-02-17</a:t>
+            <a:fld id="{76E29F7F-47B2-4255-A375-4139D846AA0D}" type="datetimeFigureOut">
+              <a:rPr lang="ko-KR" altLang="en-US" smtClean="0"/>
+              <a:t>2020-02-19</a:t>
             </a:fld>
             <a:endParaRPr lang="ko-KR" altLang="en-US"/>
           </a:p>
@@ -640,7 +654,7 @@
           <a:bodyPr/>
           <a:lstStyle/>
           <a:p>
-            <a:fld id="{1E101B90-DAE0-4B9A-BED9-9BA0BFA64F98}" type="slidenum">
+            <a:fld id="{27D00975-42DE-4B41-94B6-A216C16ECD7E}" type="slidenum">
               <a:rPr lang="ko-KR" altLang="en-US" smtClean="0"/>
               <a:t>‹#›</a:t>
             </a:fld>
@@ -651,7 +665,7 @@
     </p:spTree>
     <p:extLst>
       <p:ext uri="{BB962C8B-B14F-4D97-AF65-F5344CB8AC3E}">
-        <p14:creationId xmlns:p14="http://schemas.microsoft.com/office/powerpoint/2010/main" val="1760602411"/>
+        <p14:creationId xmlns:p14="http://schemas.microsoft.com/office/powerpoint/2010/main" val="2860065933"/>
       </p:ext>
     </p:extLst>
   </p:cSld>
@@ -688,16 +702,31 @@
             <p:ph type="title"/>
           </p:nvPr>
         </p:nvSpPr>
-        <p:spPr/>
-        <p:txBody>
-          <a:bodyPr/>
-          <a:lstStyle/>
-          <a:p>
-            <a:r>
-              <a:rPr lang="ko-KR" altLang="en-US" smtClean="0"/>
+        <p:spPr>
+          <a:xfrm>
+            <a:off x="344467" y="500167"/>
+            <a:ext cx="10515600" cy="852749"/>
+          </a:xfrm>
+        </p:spPr>
+        <p:txBody>
+          <a:bodyPr>
+            <a:normAutofit/>
+          </a:bodyPr>
+          <a:lstStyle>
+            <a:lvl1pPr>
+              <a:defRPr sz="3600">
+                <a:solidFill>
+                  <a:schemeClr val="accent4"/>
+                </a:solidFill>
+              </a:defRPr>
+            </a:lvl1pPr>
+          </a:lstStyle>
+          <a:p>
+            <a:r>
+              <a:rPr lang="ko-KR" altLang="en-US" dirty="0" smtClean="0"/>
               <a:t>마스터 제목 스타일 편집</a:t>
             </a:r>
-            <a:endParaRPr lang="ko-KR" altLang="en-US"/>
+            <a:endParaRPr lang="ko-KR" altLang="en-US" dirty="0"/>
           </a:p>
         </p:txBody>
       </p:sp>
@@ -711,45 +740,50 @@
             <p:ph idx="1"/>
           </p:nvPr>
         </p:nvSpPr>
-        <p:spPr/>
+        <p:spPr>
+          <a:xfrm>
+            <a:off x="838200" y="1515860"/>
+            <a:ext cx="10515600" cy="4351338"/>
+          </a:xfrm>
+        </p:spPr>
         <p:txBody>
           <a:bodyPr/>
           <a:lstStyle/>
           <a:p>
             <a:pPr lvl="0"/>
             <a:r>
-              <a:rPr lang="ko-KR" altLang="en-US" smtClean="0"/>
+              <a:rPr lang="ko-KR" altLang="en-US" dirty="0" smtClean="0"/>
               <a:t>마스터 텍스트 스타일을 편집합니다</a:t>
             </a:r>
           </a:p>
           <a:p>
             <a:pPr lvl="1"/>
             <a:r>
-              <a:rPr lang="ko-KR" altLang="en-US" smtClean="0"/>
+              <a:rPr lang="ko-KR" altLang="en-US" dirty="0" smtClean="0"/>
               <a:t>둘째 수준</a:t>
             </a:r>
           </a:p>
           <a:p>
             <a:pPr lvl="2"/>
             <a:r>
-              <a:rPr lang="ko-KR" altLang="en-US" smtClean="0"/>
+              <a:rPr lang="ko-KR" altLang="en-US" dirty="0" smtClean="0"/>
               <a:t>셋째 수준</a:t>
             </a:r>
           </a:p>
           <a:p>
             <a:pPr lvl="3"/>
             <a:r>
-              <a:rPr lang="ko-KR" altLang="en-US" smtClean="0"/>
+              <a:rPr lang="ko-KR" altLang="en-US" dirty="0" smtClean="0"/>
               <a:t>넷째 수준</a:t>
             </a:r>
           </a:p>
           <a:p>
             <a:pPr lvl="4"/>
             <a:r>
-              <a:rPr lang="ko-KR" altLang="en-US" smtClean="0"/>
+              <a:rPr lang="ko-KR" altLang="en-US" dirty="0" smtClean="0"/>
               <a:t>다섯째 수준</a:t>
             </a:r>
-            <a:endParaRPr lang="ko-KR" altLang="en-US"/>
+            <a:endParaRPr lang="ko-KR" altLang="en-US" dirty="0"/>
           </a:p>
         </p:txBody>
       </p:sp>
@@ -768,9 +802,9 @@
           <a:bodyPr/>
           <a:lstStyle/>
           <a:p>
-            <a:fld id="{4CA821D1-6B4C-4FD5-8D7E-554B1C4726C0}" type="datetimeFigureOut">
-              <a:rPr lang="ko-KR" altLang="en-US" smtClean="0"/>
-              <a:t>2020-02-17</a:t>
+            <a:fld id="{76E29F7F-47B2-4255-A375-4139D846AA0D}" type="datetimeFigureOut">
+              <a:rPr lang="ko-KR" altLang="en-US" smtClean="0"/>
+              <a:t>2020-02-19</a:t>
             </a:fld>
             <a:endParaRPr lang="ko-KR" altLang="en-US"/>
           </a:p>
@@ -810,7 +844,7 @@
           <a:bodyPr/>
           <a:lstStyle/>
           <a:p>
-            <a:fld id="{1E101B90-DAE0-4B9A-BED9-9BA0BFA64F98}" type="slidenum">
+            <a:fld id="{27D00975-42DE-4B41-94B6-A216C16ECD7E}" type="slidenum">
               <a:rPr lang="ko-KR" altLang="en-US" smtClean="0"/>
               <a:t>‹#›</a:t>
             </a:fld>
@@ -818,16 +852,71 @@
           </a:p>
         </p:txBody>
       </p:sp>
+      <p:sp>
+        <p:nvSpPr>
+          <p:cNvPr id="7" name="직사각형 6"/>
+          <p:cNvSpPr/>
+          <p:nvPr userDrawn="1"/>
+        </p:nvSpPr>
+        <p:spPr>
+          <a:xfrm>
+            <a:off x="275573" y="663111"/>
+            <a:ext cx="68894" cy="526862"/>
+          </a:xfrm>
+          <a:prstGeom prst="rect">
+            <a:avLst/>
+          </a:prstGeom>
+          <a:solidFill>
+            <a:schemeClr val="accent4"/>
+          </a:solidFill>
+          <a:ln>
+            <a:solidFill>
+              <a:schemeClr val="accent4"/>
+            </a:solidFill>
+          </a:ln>
+        </p:spPr>
+        <p:style>
+          <a:lnRef idx="2">
+            <a:schemeClr val="accent1">
+              <a:shade val="50000"/>
+            </a:schemeClr>
+          </a:lnRef>
+          <a:fillRef idx="1">
+            <a:schemeClr val="accent1"/>
+          </a:fillRef>
+          <a:effectRef idx="0">
+            <a:schemeClr val="accent1"/>
+          </a:effectRef>
+          <a:fontRef idx="minor">
+            <a:schemeClr val="lt1"/>
+          </a:fontRef>
+        </p:style>
+        <p:txBody>
+          <a:bodyPr rtlCol="0" anchor="ctr"/>
+          <a:lstStyle/>
+          <a:p>
+            <a:pPr algn="ctr"/>
+            <a:endParaRPr lang="ko-KR" altLang="en-US"/>
+          </a:p>
+        </p:txBody>
+      </p:sp>
     </p:spTree>
     <p:extLst>
       <p:ext uri="{BB962C8B-B14F-4D97-AF65-F5344CB8AC3E}">
-        <p14:creationId xmlns:p14="http://schemas.microsoft.com/office/powerpoint/2010/main" val="3677737536"/>
+        <p14:creationId xmlns:p14="http://schemas.microsoft.com/office/powerpoint/2010/main" val="1841405127"/>
       </p:ext>
     </p:extLst>
   </p:cSld>
   <p:clrMapOvr>
     <a:masterClrMapping/>
   </p:clrMapOvr>
+  <p:timing>
+    <p:tnLst>
+      <p:par>
+        <p:cTn id="1" dur="indefinite" restart="never" nodeType="tmRoot"/>
+      </p:par>
+    </p:tnLst>
+  </p:timing>
 </p:sldLayout>
 </file>
 
@@ -1014,9 +1103,9 @@
           <a:bodyPr/>
           <a:lstStyle/>
           <a:p>
-            <a:fld id="{4CA821D1-6B4C-4FD5-8D7E-554B1C4726C0}" type="datetimeFigureOut">
-              <a:rPr lang="ko-KR" altLang="en-US" smtClean="0"/>
-              <a:t>2020-02-17</a:t>
+            <a:fld id="{76E29F7F-47B2-4255-A375-4139D846AA0D}" type="datetimeFigureOut">
+              <a:rPr lang="ko-KR" altLang="en-US" smtClean="0"/>
+              <a:t>2020-02-19</a:t>
             </a:fld>
             <a:endParaRPr lang="ko-KR" altLang="en-US"/>
           </a:p>
@@ -1056,7 +1145,7 @@
           <a:bodyPr/>
           <a:lstStyle/>
           <a:p>
-            <a:fld id="{1E101B90-DAE0-4B9A-BED9-9BA0BFA64F98}" type="slidenum">
+            <a:fld id="{27D00975-42DE-4B41-94B6-A216C16ECD7E}" type="slidenum">
               <a:rPr lang="ko-KR" altLang="en-US" smtClean="0"/>
               <a:t>‹#›</a:t>
             </a:fld>
@@ -1067,7 +1156,7 @@
     </p:spTree>
     <p:extLst>
       <p:ext uri="{BB962C8B-B14F-4D97-AF65-F5344CB8AC3E}">
-        <p14:creationId xmlns:p14="http://schemas.microsoft.com/office/powerpoint/2010/main" val="1864535174"/>
+        <p14:creationId xmlns:p14="http://schemas.microsoft.com/office/powerpoint/2010/main" val="3376795969"/>
       </p:ext>
     </p:extLst>
   </p:cSld>
@@ -1246,9 +1335,9 @@
           <a:bodyPr/>
           <a:lstStyle/>
           <a:p>
-            <a:fld id="{4CA821D1-6B4C-4FD5-8D7E-554B1C4726C0}" type="datetimeFigureOut">
-              <a:rPr lang="ko-KR" altLang="en-US" smtClean="0"/>
-              <a:t>2020-02-17</a:t>
+            <a:fld id="{76E29F7F-47B2-4255-A375-4139D846AA0D}" type="datetimeFigureOut">
+              <a:rPr lang="ko-KR" altLang="en-US" smtClean="0"/>
+              <a:t>2020-02-19</a:t>
             </a:fld>
             <a:endParaRPr lang="ko-KR" altLang="en-US"/>
           </a:p>
@@ -1288,7 +1377,7 @@
           <a:bodyPr/>
           <a:lstStyle/>
           <a:p>
-            <a:fld id="{1E101B90-DAE0-4B9A-BED9-9BA0BFA64F98}" type="slidenum">
+            <a:fld id="{27D00975-42DE-4B41-94B6-A216C16ECD7E}" type="slidenum">
               <a:rPr lang="ko-KR" altLang="en-US" smtClean="0"/>
               <a:t>‹#›</a:t>
             </a:fld>
@@ -1299,7 +1388,7 @@
     </p:spTree>
     <p:extLst>
       <p:ext uri="{BB962C8B-B14F-4D97-AF65-F5344CB8AC3E}">
-        <p14:creationId xmlns:p14="http://schemas.microsoft.com/office/powerpoint/2010/main" val="3961858211"/>
+        <p14:creationId xmlns:p14="http://schemas.microsoft.com/office/powerpoint/2010/main" val="3608452205"/>
       </p:ext>
     </p:extLst>
   </p:cSld>
@@ -1613,9 +1702,9 @@
           <a:bodyPr/>
           <a:lstStyle/>
           <a:p>
-            <a:fld id="{4CA821D1-6B4C-4FD5-8D7E-554B1C4726C0}" type="datetimeFigureOut">
-              <a:rPr lang="ko-KR" altLang="en-US" smtClean="0"/>
-              <a:t>2020-02-17</a:t>
+            <a:fld id="{76E29F7F-47B2-4255-A375-4139D846AA0D}" type="datetimeFigureOut">
+              <a:rPr lang="ko-KR" altLang="en-US" smtClean="0"/>
+              <a:t>2020-02-19</a:t>
             </a:fld>
             <a:endParaRPr lang="ko-KR" altLang="en-US"/>
           </a:p>
@@ -1655,7 +1744,7 @@
           <a:bodyPr/>
           <a:lstStyle/>
           <a:p>
-            <a:fld id="{1E101B90-DAE0-4B9A-BED9-9BA0BFA64F98}" type="slidenum">
+            <a:fld id="{27D00975-42DE-4B41-94B6-A216C16ECD7E}" type="slidenum">
               <a:rPr lang="ko-KR" altLang="en-US" smtClean="0"/>
               <a:t>‹#›</a:t>
             </a:fld>
@@ -1666,7 +1755,7 @@
     </p:spTree>
     <p:extLst>
       <p:ext uri="{BB962C8B-B14F-4D97-AF65-F5344CB8AC3E}">
-        <p14:creationId xmlns:p14="http://schemas.microsoft.com/office/powerpoint/2010/main" val="3423409496"/>
+        <p14:creationId xmlns:p14="http://schemas.microsoft.com/office/powerpoint/2010/main" val="3673632180"/>
       </p:ext>
     </p:extLst>
   </p:cSld>
@@ -1731,9 +1820,9 @@
           <a:bodyPr/>
           <a:lstStyle/>
           <a:p>
-            <a:fld id="{4CA821D1-6B4C-4FD5-8D7E-554B1C4726C0}" type="datetimeFigureOut">
-              <a:rPr lang="ko-KR" altLang="en-US" smtClean="0"/>
-              <a:t>2020-02-17</a:t>
+            <a:fld id="{76E29F7F-47B2-4255-A375-4139D846AA0D}" type="datetimeFigureOut">
+              <a:rPr lang="ko-KR" altLang="en-US" smtClean="0"/>
+              <a:t>2020-02-19</a:t>
             </a:fld>
             <a:endParaRPr lang="ko-KR" altLang="en-US"/>
           </a:p>
@@ -1773,7 +1862,7 @@
           <a:bodyPr/>
           <a:lstStyle/>
           <a:p>
-            <a:fld id="{1E101B90-DAE0-4B9A-BED9-9BA0BFA64F98}" type="slidenum">
+            <a:fld id="{27D00975-42DE-4B41-94B6-A216C16ECD7E}" type="slidenum">
               <a:rPr lang="ko-KR" altLang="en-US" smtClean="0"/>
               <a:t>‹#›</a:t>
             </a:fld>
@@ -1784,7 +1873,7 @@
     </p:spTree>
     <p:extLst>
       <p:ext uri="{BB962C8B-B14F-4D97-AF65-F5344CB8AC3E}">
-        <p14:creationId xmlns:p14="http://schemas.microsoft.com/office/powerpoint/2010/main" val="2194529289"/>
+        <p14:creationId xmlns:p14="http://schemas.microsoft.com/office/powerpoint/2010/main" val="2953329220"/>
       </p:ext>
     </p:extLst>
   </p:cSld>
@@ -1826,9 +1915,9 @@
           <a:bodyPr/>
           <a:lstStyle/>
           <a:p>
-            <a:fld id="{4CA821D1-6B4C-4FD5-8D7E-554B1C4726C0}" type="datetimeFigureOut">
-              <a:rPr lang="ko-KR" altLang="en-US" smtClean="0"/>
-              <a:t>2020-02-17</a:t>
+            <a:fld id="{76E29F7F-47B2-4255-A375-4139D846AA0D}" type="datetimeFigureOut">
+              <a:rPr lang="ko-KR" altLang="en-US" smtClean="0"/>
+              <a:t>2020-02-19</a:t>
             </a:fld>
             <a:endParaRPr lang="ko-KR" altLang="en-US"/>
           </a:p>
@@ -1868,7 +1957,7 @@
           <a:bodyPr/>
           <a:lstStyle/>
           <a:p>
-            <a:fld id="{1E101B90-DAE0-4B9A-BED9-9BA0BFA64F98}" type="slidenum">
+            <a:fld id="{27D00975-42DE-4B41-94B6-A216C16ECD7E}" type="slidenum">
               <a:rPr lang="ko-KR" altLang="en-US" smtClean="0"/>
               <a:t>‹#›</a:t>
             </a:fld>
@@ -1879,13 +1968,20 @@
     </p:spTree>
     <p:extLst>
       <p:ext uri="{BB962C8B-B14F-4D97-AF65-F5344CB8AC3E}">
-        <p14:creationId xmlns:p14="http://schemas.microsoft.com/office/powerpoint/2010/main" val="2700722781"/>
+        <p14:creationId xmlns:p14="http://schemas.microsoft.com/office/powerpoint/2010/main" val="2775865672"/>
       </p:ext>
     </p:extLst>
   </p:cSld>
   <p:clrMapOvr>
     <a:masterClrMapping/>
   </p:clrMapOvr>
+  <p:timing>
+    <p:tnLst>
+      <p:par>
+        <p:cTn id="1" dur="indefinite" restart="never" nodeType="tmRoot"/>
+      </p:par>
+    </p:tnLst>
+  </p:timing>
 </p:sldLayout>
 </file>
 
@@ -2103,9 +2199,9 @@
           <a:bodyPr/>
           <a:lstStyle/>
           <a:p>
-            <a:fld id="{4CA821D1-6B4C-4FD5-8D7E-554B1C4726C0}" type="datetimeFigureOut">
-              <a:rPr lang="ko-KR" altLang="en-US" smtClean="0"/>
-              <a:t>2020-02-17</a:t>
+            <a:fld id="{76E29F7F-47B2-4255-A375-4139D846AA0D}" type="datetimeFigureOut">
+              <a:rPr lang="ko-KR" altLang="en-US" smtClean="0"/>
+              <a:t>2020-02-19</a:t>
             </a:fld>
             <a:endParaRPr lang="ko-KR" altLang="en-US"/>
           </a:p>
@@ -2145,7 +2241,7 @@
           <a:bodyPr/>
           <a:lstStyle/>
           <a:p>
-            <a:fld id="{1E101B90-DAE0-4B9A-BED9-9BA0BFA64F98}" type="slidenum">
+            <a:fld id="{27D00975-42DE-4B41-94B6-A216C16ECD7E}" type="slidenum">
               <a:rPr lang="ko-KR" altLang="en-US" smtClean="0"/>
               <a:t>‹#›</a:t>
             </a:fld>
@@ -2156,7 +2252,7 @@
     </p:spTree>
     <p:extLst>
       <p:ext uri="{BB962C8B-B14F-4D97-AF65-F5344CB8AC3E}">
-        <p14:creationId xmlns:p14="http://schemas.microsoft.com/office/powerpoint/2010/main" val="737752465"/>
+        <p14:creationId xmlns:p14="http://schemas.microsoft.com/office/powerpoint/2010/main" val="4135237709"/>
       </p:ext>
     </p:extLst>
   </p:cSld>
@@ -2356,9 +2452,9 @@
           <a:bodyPr/>
           <a:lstStyle/>
           <a:p>
-            <a:fld id="{4CA821D1-6B4C-4FD5-8D7E-554B1C4726C0}" type="datetimeFigureOut">
-              <a:rPr lang="ko-KR" altLang="en-US" smtClean="0"/>
-              <a:t>2020-02-17</a:t>
+            <a:fld id="{76E29F7F-47B2-4255-A375-4139D846AA0D}" type="datetimeFigureOut">
+              <a:rPr lang="ko-KR" altLang="en-US" smtClean="0"/>
+              <a:t>2020-02-19</a:t>
             </a:fld>
             <a:endParaRPr lang="ko-KR" altLang="en-US"/>
           </a:p>
@@ -2398,7 +2494,7 @@
           <a:bodyPr/>
           <a:lstStyle/>
           <a:p>
-            <a:fld id="{1E101B90-DAE0-4B9A-BED9-9BA0BFA64F98}" type="slidenum">
+            <a:fld id="{27D00975-42DE-4B41-94B6-A216C16ECD7E}" type="slidenum">
               <a:rPr lang="ko-KR" altLang="en-US" smtClean="0"/>
               <a:t>‹#›</a:t>
             </a:fld>
@@ -2409,7 +2505,7 @@
     </p:spTree>
     <p:extLst>
       <p:ext uri="{BB962C8B-B14F-4D97-AF65-F5344CB8AC3E}">
-        <p14:creationId xmlns:p14="http://schemas.microsoft.com/office/powerpoint/2010/main" val="3695539294"/>
+        <p14:creationId xmlns:p14="http://schemas.microsoft.com/office/powerpoint/2010/main" val="893887308"/>
       </p:ext>
     </p:extLst>
   </p:cSld>
@@ -2443,6 +2539,54 @@
       </p:grpSpPr>
       <p:sp>
         <p:nvSpPr>
+          <p:cNvPr id="7" name="직사각형 6"/>
+          <p:cNvSpPr/>
+          <p:nvPr userDrawn="1"/>
+        </p:nvSpPr>
+        <p:spPr>
+          <a:xfrm>
+            <a:off x="-150312" y="6112701"/>
+            <a:ext cx="12488449" cy="914400"/>
+          </a:xfrm>
+          <a:prstGeom prst="rect">
+            <a:avLst/>
+          </a:prstGeom>
+          <a:solidFill>
+            <a:schemeClr val="accent4"/>
+          </a:solidFill>
+          <a:ln>
+            <a:solidFill>
+              <a:schemeClr val="accent4"/>
+            </a:solidFill>
+          </a:ln>
+        </p:spPr>
+        <p:style>
+          <a:lnRef idx="2">
+            <a:schemeClr val="accent1">
+              <a:shade val="50000"/>
+            </a:schemeClr>
+          </a:lnRef>
+          <a:fillRef idx="1">
+            <a:schemeClr val="accent1"/>
+          </a:fillRef>
+          <a:effectRef idx="0">
+            <a:schemeClr val="accent1"/>
+          </a:effectRef>
+          <a:fontRef idx="minor">
+            <a:schemeClr val="lt1"/>
+          </a:fontRef>
+        </p:style>
+        <p:txBody>
+          <a:bodyPr rtlCol="0" anchor="ctr"/>
+          <a:lstStyle/>
+          <a:p>
+            <a:pPr algn="ctr"/>
+            <a:endParaRPr lang="ko-KR" altLang="en-US"/>
+          </a:p>
+        </p:txBody>
+      </p:sp>
+      <p:sp>
+        <p:nvSpPr>
           <p:cNvPr id="2" name="제목 개체 틀 1"/>
           <p:cNvSpPr>
             <a:spLocks noGrp="1"/>
@@ -2467,10 +2611,10 @@
           <a:lstStyle/>
           <a:p>
             <a:r>
-              <a:rPr lang="ko-KR" altLang="en-US" smtClean="0"/>
+              <a:rPr lang="ko-KR" altLang="en-US" dirty="0" smtClean="0"/>
               <a:t>마스터 제목 스타일 편집</a:t>
             </a:r>
-            <a:endParaRPr lang="ko-KR" altLang="en-US"/>
+            <a:endParaRPr lang="ko-KR" altLang="en-US" dirty="0"/>
           </a:p>
         </p:txBody>
       </p:sp>
@@ -2501,38 +2645,38 @@
           <a:p>
             <a:pPr lvl="0"/>
             <a:r>
-              <a:rPr lang="ko-KR" altLang="en-US" smtClean="0"/>
+              <a:rPr lang="ko-KR" altLang="en-US" dirty="0" smtClean="0"/>
               <a:t>마스터 텍스트 스타일을 편집합니다</a:t>
             </a:r>
           </a:p>
           <a:p>
             <a:pPr lvl="1"/>
             <a:r>
-              <a:rPr lang="ko-KR" altLang="en-US" smtClean="0"/>
+              <a:rPr lang="ko-KR" altLang="en-US" dirty="0" smtClean="0"/>
               <a:t>둘째 수준</a:t>
             </a:r>
           </a:p>
           <a:p>
             <a:pPr lvl="2"/>
             <a:r>
-              <a:rPr lang="ko-KR" altLang="en-US" smtClean="0"/>
+              <a:rPr lang="ko-KR" altLang="en-US" dirty="0" smtClean="0"/>
               <a:t>셋째 수준</a:t>
             </a:r>
           </a:p>
           <a:p>
             <a:pPr lvl="3"/>
             <a:r>
-              <a:rPr lang="ko-KR" altLang="en-US" smtClean="0"/>
+              <a:rPr lang="ko-KR" altLang="en-US" dirty="0" smtClean="0"/>
               <a:t>넷째 수준</a:t>
             </a:r>
           </a:p>
           <a:p>
             <a:pPr lvl="4"/>
             <a:r>
-              <a:rPr lang="ko-KR" altLang="en-US" smtClean="0"/>
+              <a:rPr lang="ko-KR" altLang="en-US" dirty="0" smtClean="0"/>
               <a:t>다섯째 수준</a:t>
             </a:r>
-            <a:endParaRPr lang="ko-KR" altLang="en-US"/>
+            <a:endParaRPr lang="ko-KR" altLang="en-US" dirty="0"/>
           </a:p>
         </p:txBody>
       </p:sp>
@@ -2569,9 +2713,9 @@
             </a:lvl1pPr>
           </a:lstStyle>
           <a:p>
-            <a:fld id="{4CA821D1-6B4C-4FD5-8D7E-554B1C4726C0}" type="datetimeFigureOut">
-              <a:rPr lang="ko-KR" altLang="en-US" smtClean="0"/>
-              <a:t>2020-02-17</a:t>
+            <a:fld id="{76E29F7F-47B2-4255-A375-4139D846AA0D}" type="datetimeFigureOut">
+              <a:rPr lang="ko-KR" altLang="en-US" smtClean="0"/>
+              <a:t>2020-02-19</a:t>
             </a:fld>
             <a:endParaRPr lang="ko-KR" altLang="en-US"/>
           </a:p>
@@ -2647,7 +2791,7 @@
             </a:lvl1pPr>
           </a:lstStyle>
           <a:p>
-            <a:fld id="{1E101B90-DAE0-4B9A-BED9-9BA0BFA64F98}" type="slidenum">
+            <a:fld id="{27D00975-42DE-4B41-94B6-A216C16ECD7E}" type="slidenum">
               <a:rPr lang="ko-KR" altLang="en-US" smtClean="0"/>
               <a:t>‹#›</a:t>
             </a:fld>
@@ -2655,10 +2799,40 @@
           </a:p>
         </p:txBody>
       </p:sp>
+      <p:pic>
+        <p:nvPicPr>
+          <p:cNvPr id="8" name="그림 7"/>
+          <p:cNvPicPr>
+            <a:picLocks noChangeAspect="1"/>
+          </p:cNvPicPr>
+          <p:nvPr userDrawn="1"/>
+        </p:nvPicPr>
+        <p:blipFill>
+          <a:blip r:embed="rId13" cstate="print">
+            <a:extLst>
+              <a:ext uri="{28A0092B-C50C-407E-A947-70E740481C1C}">
+                <a14:useLocalDpi xmlns:a14="http://schemas.microsoft.com/office/drawing/2010/main" val="0"/>
+              </a:ext>
+            </a:extLst>
+          </a:blip>
+          <a:stretch>
+            <a:fillRect/>
+          </a:stretch>
+        </p:blipFill>
+        <p:spPr>
+          <a:xfrm>
+            <a:off x="8057864" y="32371"/>
+            <a:ext cx="5023768" cy="665508"/>
+          </a:xfrm>
+          <a:prstGeom prst="rect">
+            <a:avLst/>
+          </a:prstGeom>
+        </p:spPr>
+      </p:pic>
     </p:spTree>
     <p:extLst>
       <p:ext uri="{BB962C8B-B14F-4D97-AF65-F5344CB8AC3E}">
-        <p14:creationId xmlns:p14="http://schemas.microsoft.com/office/powerpoint/2010/main" val="1931786593"/>
+        <p14:creationId xmlns:p14="http://schemas.microsoft.com/office/powerpoint/2010/main" val="205170857"/>
       </p:ext>
     </p:extLst>
   </p:cSld>
@@ -2676,6 +2850,13 @@
     <p:sldLayoutId id="2147483658" r:id="rId10"/>
     <p:sldLayoutId id="2147483659" r:id="rId11"/>
   </p:sldLayoutIdLst>
+  <p:timing>
+    <p:tnLst>
+      <p:par>
+        <p:cTn id="1" dur="indefinite" restart="never" nodeType="tmRoot"/>
+      </p:par>
+    </p:tnLst>
+  </p:timing>
   <p:txStyles>
     <p:titleStyle>
       <a:lvl1pPr algn="l" defTabSz="914400" rtl="0" eaLnBrk="1" latinLnBrk="1" hangingPunct="1">
@@ -2690,8 +2871,8 @@
           <a:solidFill>
             <a:schemeClr val="tx1"/>
           </a:solidFill>
-          <a:latin typeface="+mj-lt"/>
-          <a:ea typeface="+mj-ea"/>
+          <a:latin typeface="여기어때 잘난체" panose="020B0600000101010101" pitchFamily="50" charset="-127"/>
+          <a:ea typeface="여기어때 잘난체" panose="020B0600000101010101" pitchFamily="50" charset="-127"/>
           <a:cs typeface="+mj-cs"/>
         </a:defRPr>
       </a:lvl1pPr>
@@ -2699,7 +2880,7 @@
     <p:bodyStyle>
       <a:lvl1pPr marL="228600" indent="-228600" algn="l" defTabSz="914400" rtl="0" eaLnBrk="1" latinLnBrk="1" hangingPunct="1">
         <a:lnSpc>
-          <a:spcPct val="90000"/>
+          <a:spcPct val="150000"/>
         </a:lnSpc>
         <a:spcBef>
           <a:spcPts val="1000"/>
@@ -2710,8 +2891,8 @@
           <a:solidFill>
             <a:schemeClr val="tx1"/>
           </a:solidFill>
-          <a:latin typeface="+mn-lt"/>
-          <a:ea typeface="+mn-ea"/>
+          <a:latin typeface="애터미 Bold" panose="020B0803000000000000" pitchFamily="50" charset="-127"/>
+          <a:ea typeface="애터미 Bold" panose="020B0803000000000000" pitchFamily="50" charset="-127"/>
           <a:cs typeface="+mn-cs"/>
         </a:defRPr>
       </a:lvl1pPr>
@@ -2728,8 +2909,8 @@
           <a:solidFill>
             <a:schemeClr val="tx1"/>
           </a:solidFill>
-          <a:latin typeface="+mn-lt"/>
-          <a:ea typeface="+mn-ea"/>
+          <a:latin typeface="애터미 Bold" panose="020B0803000000000000" pitchFamily="50" charset="-127"/>
+          <a:ea typeface="애터미 Bold" panose="020B0803000000000000" pitchFamily="50" charset="-127"/>
           <a:cs typeface="+mn-cs"/>
         </a:defRPr>
       </a:lvl2pPr>
@@ -2746,8 +2927,8 @@
           <a:solidFill>
             <a:schemeClr val="tx1"/>
           </a:solidFill>
-          <a:latin typeface="+mn-lt"/>
-          <a:ea typeface="+mn-ea"/>
+          <a:latin typeface="애터미 Bold" panose="020B0803000000000000" pitchFamily="50" charset="-127"/>
+          <a:ea typeface="애터미 Bold" panose="020B0803000000000000" pitchFamily="50" charset="-127"/>
           <a:cs typeface="+mn-cs"/>
         </a:defRPr>
       </a:lvl3pPr>
@@ -2764,8 +2945,8 @@
           <a:solidFill>
             <a:schemeClr val="tx1"/>
           </a:solidFill>
-          <a:latin typeface="+mn-lt"/>
-          <a:ea typeface="+mn-ea"/>
+          <a:latin typeface="애터미 Bold" panose="020B0803000000000000" pitchFamily="50" charset="-127"/>
+          <a:ea typeface="애터미 Bold" panose="020B0803000000000000" pitchFamily="50" charset="-127"/>
           <a:cs typeface="+mn-cs"/>
         </a:defRPr>
       </a:lvl4pPr>
@@ -2782,8 +2963,8 @@
           <a:solidFill>
             <a:schemeClr val="tx1"/>
           </a:solidFill>
-          <a:latin typeface="+mn-lt"/>
-          <a:ea typeface="+mn-ea"/>
+          <a:latin typeface="애터미 Bold" panose="020B0803000000000000" pitchFamily="50" charset="-127"/>
+          <a:ea typeface="애터미 Bold" panose="020B0803000000000000" pitchFamily="50" charset="-127"/>
           <a:cs typeface="+mn-cs"/>
         </a:defRPr>
       </a:lvl5pPr>
@@ -3048,62 +3229,809 @@
       </p:sp>
       <p:sp>
         <p:nvSpPr>
-          <p:cNvPr id="4" name="직사각형 3"/>
-          <p:cNvSpPr/>
+          <p:cNvPr id="4" name="TextBox 3"/>
+          <p:cNvSpPr txBox="1"/>
           <p:nvPr/>
         </p:nvSpPr>
         <p:spPr>
           <a:xfrm>
-            <a:off x="-112734" y="6501008"/>
-            <a:ext cx="12450871" cy="488515"/>
+            <a:off x="10484285" y="6275540"/>
+            <a:ext cx="5235879" cy="369332"/>
           </a:xfrm>
           <a:prstGeom prst="rect">
             <a:avLst/>
           </a:prstGeom>
-          <a:solidFill>
-            <a:schemeClr val="accent4">
-              <a:lumMod val="60000"/>
-              <a:lumOff val="40000"/>
-            </a:schemeClr>
-          </a:solidFill>
-          <a:ln>
-            <a:solidFill>
-              <a:schemeClr val="accent4">
-                <a:lumMod val="40000"/>
-                <a:lumOff val="60000"/>
-              </a:schemeClr>
-            </a:solidFill>
-          </a:ln>
+          <a:noFill/>
         </p:spPr>
-        <p:style>
-          <a:lnRef idx="2">
-            <a:schemeClr val="accent1">
-              <a:shade val="50000"/>
-            </a:schemeClr>
-          </a:lnRef>
-          <a:fillRef idx="1">
-            <a:schemeClr val="accent1"/>
-          </a:fillRef>
-          <a:effectRef idx="0">
-            <a:schemeClr val="accent1"/>
-          </a:effectRef>
-          <a:fontRef idx="minor">
-            <a:schemeClr val="lt1"/>
-          </a:fontRef>
-        </p:style>
-        <p:txBody>
-          <a:bodyPr rtlCol="0" anchor="ctr"/>
-          <a:lstStyle/>
-          <a:p>
-            <a:pPr algn="ctr"/>
-            <a:endParaRPr lang="ko-KR" altLang="en-US"/>
+        <p:txBody>
+          <a:bodyPr wrap="square" rtlCol="0">
+            <a:spAutoFit/>
+          </a:bodyPr>
+          <a:lstStyle/>
+          <a:p>
+            <a:r>
+              <a:rPr lang="en-US" altLang="ko-KR" dirty="0" smtClean="0">
+                <a:latin typeface="애터미 Bold" panose="020B0803000000000000" pitchFamily="50" charset="-127"/>
+                <a:ea typeface="애터미 Bold" panose="020B0803000000000000" pitchFamily="50" charset="-127"/>
+              </a:rPr>
+              <a:t>2020.02.21</a:t>
+            </a:r>
+            <a:endParaRPr lang="ko-KR" altLang="en-US" dirty="0">
+              <a:latin typeface="애터미 Bold" panose="020B0803000000000000" pitchFamily="50" charset="-127"/>
+              <a:ea typeface="애터미 Bold" panose="020B0803000000000000" pitchFamily="50" charset="-127"/>
+            </a:endParaRPr>
           </a:p>
         </p:txBody>
       </p:sp>
     </p:spTree>
     <p:extLst>
       <p:ext uri="{BB962C8B-B14F-4D97-AF65-F5344CB8AC3E}">
-        <p14:creationId xmlns:p14="http://schemas.microsoft.com/office/powerpoint/2010/main" val="1780542387"/>
+        <p14:creationId xmlns:p14="http://schemas.microsoft.com/office/powerpoint/2010/main" val="1321763054"/>
+      </p:ext>
+    </p:extLst>
+  </p:cSld>
+  <p:clrMapOvr>
+    <a:masterClrMapping/>
+  </p:clrMapOvr>
+  <p:timing>
+    <p:tnLst>
+      <p:par>
+        <p:cTn id="1" dur="indefinite" restart="never" nodeType="tmRoot"/>
+      </p:par>
+    </p:tnLst>
+  </p:timing>
+</p:sld>
+</file>
+
+<file path=ppt/slides/slide10.xml><?xml version="1.0" encoding="utf-8"?>
+<p:sld xmlns:a="http://schemas.openxmlformats.org/drawingml/2006/main" xmlns:r="http://schemas.openxmlformats.org/officeDocument/2006/relationships" xmlns:p="http://schemas.openxmlformats.org/presentationml/2006/main">
+  <p:cSld>
+    <p:spTree>
+      <p:nvGrpSpPr>
+        <p:cNvPr id="1" name=""/>
+        <p:cNvGrpSpPr/>
+        <p:nvPr/>
+      </p:nvGrpSpPr>
+      <p:grpSpPr>
+        <a:xfrm>
+          <a:off x="0" y="0"/>
+          <a:ext cx="0" cy="0"/>
+          <a:chOff x="0" y="0"/>
+          <a:chExt cx="0" cy="0"/>
+        </a:xfrm>
+      </p:grpSpPr>
+      <p:sp>
+        <p:nvSpPr>
+          <p:cNvPr id="2" name="제목 1"/>
+          <p:cNvSpPr>
+            <a:spLocks noGrp="1"/>
+          </p:cNvSpPr>
+          <p:nvPr>
+            <p:ph type="title"/>
+          </p:nvPr>
+        </p:nvSpPr>
+        <p:spPr/>
+        <p:txBody>
+          <a:bodyPr/>
+          <a:lstStyle/>
+          <a:p>
+            <a:r>
+              <a:rPr lang="en-US" altLang="ko-KR" dirty="0" smtClean="0"/>
+              <a:t> 04. </a:t>
+            </a:r>
+            <a:r>
+              <a:rPr lang="ko-KR" altLang="en-US" dirty="0" smtClean="0"/>
+              <a:t>프로젝트 기능에 따른 화면설계</a:t>
+            </a:r>
+            <a:endParaRPr lang="ko-KR" altLang="en-US" dirty="0"/>
+          </a:p>
+        </p:txBody>
+      </p:sp>
+      <p:sp>
+        <p:nvSpPr>
+          <p:cNvPr id="3" name="내용 개체 틀 2"/>
+          <p:cNvSpPr>
+            <a:spLocks noGrp="1"/>
+          </p:cNvSpPr>
+          <p:nvPr>
+            <p:ph idx="1"/>
+          </p:nvPr>
+        </p:nvSpPr>
+        <p:spPr/>
+        <p:txBody>
+          <a:bodyPr/>
+          <a:lstStyle/>
+          <a:p>
+            <a:r>
+              <a:rPr lang="ko-KR" altLang="en-US" dirty="0" smtClean="0"/>
+              <a:t>식권구입</a:t>
+            </a:r>
+            <a:endParaRPr lang="ko-KR" altLang="en-US" dirty="0"/>
+          </a:p>
+        </p:txBody>
+      </p:sp>
+    </p:spTree>
+    <p:extLst>
+      <p:ext uri="{BB962C8B-B14F-4D97-AF65-F5344CB8AC3E}">
+        <p14:creationId xmlns:p14="http://schemas.microsoft.com/office/powerpoint/2010/main" val="3692233475"/>
+      </p:ext>
+    </p:extLst>
+  </p:cSld>
+  <p:clrMapOvr>
+    <a:masterClrMapping/>
+  </p:clrMapOvr>
+  <p:timing>
+    <p:tnLst>
+      <p:par>
+        <p:cTn id="1" dur="indefinite" restart="never" nodeType="tmRoot"/>
+      </p:par>
+    </p:tnLst>
+  </p:timing>
+</p:sld>
+</file>
+
+<file path=ppt/slides/slide11.xml><?xml version="1.0" encoding="utf-8"?>
+<p:sld xmlns:a="http://schemas.openxmlformats.org/drawingml/2006/main" xmlns:r="http://schemas.openxmlformats.org/officeDocument/2006/relationships" xmlns:p="http://schemas.openxmlformats.org/presentationml/2006/main">
+  <p:cSld>
+    <p:spTree>
+      <p:nvGrpSpPr>
+        <p:cNvPr id="1" name=""/>
+        <p:cNvGrpSpPr/>
+        <p:nvPr/>
+      </p:nvGrpSpPr>
+      <p:grpSpPr>
+        <a:xfrm>
+          <a:off x="0" y="0"/>
+          <a:ext cx="0" cy="0"/>
+          <a:chOff x="0" y="0"/>
+          <a:chExt cx="0" cy="0"/>
+        </a:xfrm>
+      </p:grpSpPr>
+      <p:sp>
+        <p:nvSpPr>
+          <p:cNvPr id="2" name="제목 1"/>
+          <p:cNvSpPr>
+            <a:spLocks noGrp="1"/>
+          </p:cNvSpPr>
+          <p:nvPr>
+            <p:ph type="title"/>
+          </p:nvPr>
+        </p:nvSpPr>
+        <p:spPr/>
+        <p:txBody>
+          <a:bodyPr/>
+          <a:lstStyle/>
+          <a:p>
+            <a:r>
+              <a:rPr lang="en-US" altLang="ko-KR" dirty="0" smtClean="0"/>
+              <a:t> 04. </a:t>
+            </a:r>
+            <a:r>
+              <a:rPr lang="ko-KR" altLang="en-US" dirty="0" smtClean="0"/>
+              <a:t>프로젝트 기능에 따른 화면설계</a:t>
+            </a:r>
+            <a:endParaRPr lang="ko-KR" altLang="en-US" dirty="0"/>
+          </a:p>
+        </p:txBody>
+      </p:sp>
+      <p:sp>
+        <p:nvSpPr>
+          <p:cNvPr id="3" name="내용 개체 틀 2"/>
+          <p:cNvSpPr>
+            <a:spLocks noGrp="1"/>
+          </p:cNvSpPr>
+          <p:nvPr>
+            <p:ph idx="1"/>
+          </p:nvPr>
+        </p:nvSpPr>
+        <p:spPr/>
+        <p:txBody>
+          <a:bodyPr/>
+          <a:lstStyle/>
+          <a:p>
+            <a:r>
+              <a:rPr lang="ko-KR" altLang="en-US" dirty="0" smtClean="0"/>
+              <a:t>식권구입</a:t>
+            </a:r>
+            <a:endParaRPr lang="ko-KR" altLang="en-US" dirty="0"/>
+          </a:p>
+        </p:txBody>
+      </p:sp>
+    </p:spTree>
+    <p:extLst>
+      <p:ext uri="{BB962C8B-B14F-4D97-AF65-F5344CB8AC3E}">
+        <p14:creationId xmlns:p14="http://schemas.microsoft.com/office/powerpoint/2010/main" val="2421740864"/>
+      </p:ext>
+    </p:extLst>
+  </p:cSld>
+  <p:clrMapOvr>
+    <a:masterClrMapping/>
+  </p:clrMapOvr>
+  <p:timing>
+    <p:tnLst>
+      <p:par>
+        <p:cTn id="1" dur="indefinite" restart="never" nodeType="tmRoot"/>
+      </p:par>
+    </p:tnLst>
+  </p:timing>
+</p:sld>
+</file>
+
+<file path=ppt/slides/slide12.xml><?xml version="1.0" encoding="utf-8"?>
+<p:sld xmlns:a="http://schemas.openxmlformats.org/drawingml/2006/main" xmlns:r="http://schemas.openxmlformats.org/officeDocument/2006/relationships" xmlns:p="http://schemas.openxmlformats.org/presentationml/2006/main">
+  <p:cSld>
+    <p:spTree>
+      <p:nvGrpSpPr>
+        <p:cNvPr id="1" name=""/>
+        <p:cNvGrpSpPr/>
+        <p:nvPr/>
+      </p:nvGrpSpPr>
+      <p:grpSpPr>
+        <a:xfrm>
+          <a:off x="0" y="0"/>
+          <a:ext cx="0" cy="0"/>
+          <a:chOff x="0" y="0"/>
+          <a:chExt cx="0" cy="0"/>
+        </a:xfrm>
+      </p:grpSpPr>
+      <p:sp>
+        <p:nvSpPr>
+          <p:cNvPr id="2" name="제목 1"/>
+          <p:cNvSpPr>
+            <a:spLocks noGrp="1"/>
+          </p:cNvSpPr>
+          <p:nvPr>
+            <p:ph type="title"/>
+          </p:nvPr>
+        </p:nvSpPr>
+        <p:spPr/>
+        <p:txBody>
+          <a:bodyPr/>
+          <a:lstStyle/>
+          <a:p>
+            <a:r>
+              <a:rPr lang="en-US" altLang="ko-KR" dirty="0" smtClean="0"/>
+              <a:t> 04. </a:t>
+            </a:r>
+            <a:r>
+              <a:rPr lang="ko-KR" altLang="en-US" dirty="0" smtClean="0"/>
+              <a:t>프로젝트 기능에 따른 화면설계</a:t>
+            </a:r>
+            <a:endParaRPr lang="ko-KR" altLang="en-US" dirty="0"/>
+          </a:p>
+        </p:txBody>
+      </p:sp>
+      <p:sp>
+        <p:nvSpPr>
+          <p:cNvPr id="3" name="내용 개체 틀 2"/>
+          <p:cNvSpPr>
+            <a:spLocks noGrp="1"/>
+          </p:cNvSpPr>
+          <p:nvPr>
+            <p:ph idx="1"/>
+          </p:nvPr>
+        </p:nvSpPr>
+        <p:spPr/>
+        <p:txBody>
+          <a:bodyPr/>
+          <a:lstStyle/>
+          <a:p>
+            <a:r>
+              <a:rPr lang="ko-KR" altLang="en-US" dirty="0" smtClean="0"/>
+              <a:t>식권사용</a:t>
+            </a:r>
+            <a:endParaRPr lang="ko-KR" altLang="en-US" dirty="0"/>
+          </a:p>
+        </p:txBody>
+      </p:sp>
+    </p:spTree>
+    <p:extLst>
+      <p:ext uri="{BB962C8B-B14F-4D97-AF65-F5344CB8AC3E}">
+        <p14:creationId xmlns:p14="http://schemas.microsoft.com/office/powerpoint/2010/main" val="2147939027"/>
+      </p:ext>
+    </p:extLst>
+  </p:cSld>
+  <p:clrMapOvr>
+    <a:masterClrMapping/>
+  </p:clrMapOvr>
+  <p:timing>
+    <p:tnLst>
+      <p:par>
+        <p:cTn id="1" dur="indefinite" restart="never" nodeType="tmRoot"/>
+      </p:par>
+    </p:tnLst>
+  </p:timing>
+</p:sld>
+</file>
+
+<file path=ppt/slides/slide13.xml><?xml version="1.0" encoding="utf-8"?>
+<p:sld xmlns:a="http://schemas.openxmlformats.org/drawingml/2006/main" xmlns:r="http://schemas.openxmlformats.org/officeDocument/2006/relationships" xmlns:p="http://schemas.openxmlformats.org/presentationml/2006/main">
+  <p:cSld>
+    <p:spTree>
+      <p:nvGrpSpPr>
+        <p:cNvPr id="1" name=""/>
+        <p:cNvGrpSpPr/>
+        <p:nvPr/>
+      </p:nvGrpSpPr>
+      <p:grpSpPr>
+        <a:xfrm>
+          <a:off x="0" y="0"/>
+          <a:ext cx="0" cy="0"/>
+          <a:chOff x="0" y="0"/>
+          <a:chExt cx="0" cy="0"/>
+        </a:xfrm>
+      </p:grpSpPr>
+      <p:sp>
+        <p:nvSpPr>
+          <p:cNvPr id="2" name="제목 1"/>
+          <p:cNvSpPr>
+            <a:spLocks noGrp="1"/>
+          </p:cNvSpPr>
+          <p:nvPr>
+            <p:ph type="title"/>
+          </p:nvPr>
+        </p:nvSpPr>
+        <p:spPr/>
+        <p:txBody>
+          <a:bodyPr/>
+          <a:lstStyle/>
+          <a:p>
+            <a:r>
+              <a:rPr lang="en-US" altLang="ko-KR" dirty="0" smtClean="0"/>
+              <a:t> 04. </a:t>
+            </a:r>
+            <a:r>
+              <a:rPr lang="ko-KR" altLang="en-US" dirty="0" smtClean="0"/>
+              <a:t>프로젝트 기능에 따른 화면설계</a:t>
+            </a:r>
+            <a:endParaRPr lang="ko-KR" altLang="en-US" dirty="0"/>
+          </a:p>
+        </p:txBody>
+      </p:sp>
+      <p:sp>
+        <p:nvSpPr>
+          <p:cNvPr id="3" name="내용 개체 틀 2"/>
+          <p:cNvSpPr>
+            <a:spLocks noGrp="1"/>
+          </p:cNvSpPr>
+          <p:nvPr>
+            <p:ph idx="1"/>
+          </p:nvPr>
+        </p:nvSpPr>
+        <p:spPr/>
+        <p:txBody>
+          <a:bodyPr/>
+          <a:lstStyle/>
+          <a:p>
+            <a:r>
+              <a:rPr lang="ko-KR" altLang="en-US" dirty="0" smtClean="0"/>
+              <a:t>포인트충전</a:t>
+            </a:r>
+            <a:endParaRPr lang="ko-KR" altLang="en-US" dirty="0"/>
+          </a:p>
+        </p:txBody>
+      </p:sp>
+    </p:spTree>
+    <p:extLst>
+      <p:ext uri="{BB962C8B-B14F-4D97-AF65-F5344CB8AC3E}">
+        <p14:creationId xmlns:p14="http://schemas.microsoft.com/office/powerpoint/2010/main" val="1741104366"/>
+      </p:ext>
+    </p:extLst>
+  </p:cSld>
+  <p:clrMapOvr>
+    <a:masterClrMapping/>
+  </p:clrMapOvr>
+  <p:timing>
+    <p:tnLst>
+      <p:par>
+        <p:cTn id="1" dur="indefinite" restart="never" nodeType="tmRoot"/>
+      </p:par>
+    </p:tnLst>
+  </p:timing>
+</p:sld>
+</file>
+
+<file path=ppt/slides/slide14.xml><?xml version="1.0" encoding="utf-8"?>
+<p:sld xmlns:a="http://schemas.openxmlformats.org/drawingml/2006/main" xmlns:r="http://schemas.openxmlformats.org/officeDocument/2006/relationships" xmlns:p="http://schemas.openxmlformats.org/presentationml/2006/main">
+  <p:cSld>
+    <p:spTree>
+      <p:nvGrpSpPr>
+        <p:cNvPr id="1" name=""/>
+        <p:cNvGrpSpPr/>
+        <p:nvPr/>
+      </p:nvGrpSpPr>
+      <p:grpSpPr>
+        <a:xfrm>
+          <a:off x="0" y="0"/>
+          <a:ext cx="0" cy="0"/>
+          <a:chOff x="0" y="0"/>
+          <a:chExt cx="0" cy="0"/>
+        </a:xfrm>
+      </p:grpSpPr>
+      <p:sp>
+        <p:nvSpPr>
+          <p:cNvPr id="2" name="제목 1"/>
+          <p:cNvSpPr>
+            <a:spLocks noGrp="1"/>
+          </p:cNvSpPr>
+          <p:nvPr>
+            <p:ph type="title"/>
+          </p:nvPr>
+        </p:nvSpPr>
+        <p:spPr/>
+        <p:txBody>
+          <a:bodyPr/>
+          <a:lstStyle/>
+          <a:p>
+            <a:r>
+              <a:rPr lang="en-US" altLang="ko-KR" dirty="0" smtClean="0"/>
+              <a:t> 05. </a:t>
+            </a:r>
+            <a:r>
+              <a:rPr lang="ko-KR" altLang="en-US" dirty="0" err="1" smtClean="0"/>
+              <a:t>조원별</a:t>
+            </a:r>
+            <a:r>
+              <a:rPr lang="ko-KR" altLang="en-US" dirty="0" smtClean="0"/>
+              <a:t> 역할 분담</a:t>
+            </a:r>
+            <a:endParaRPr lang="ko-KR" altLang="en-US" dirty="0"/>
+          </a:p>
+        </p:txBody>
+      </p:sp>
+      <p:sp>
+        <p:nvSpPr>
+          <p:cNvPr id="3" name="내용 개체 틀 2"/>
+          <p:cNvSpPr>
+            <a:spLocks noGrp="1"/>
+          </p:cNvSpPr>
+          <p:nvPr>
+            <p:ph idx="1"/>
+          </p:nvPr>
+        </p:nvSpPr>
+        <p:spPr/>
+        <p:txBody>
+          <a:bodyPr/>
+          <a:lstStyle/>
+          <a:p>
+            <a:r>
+              <a:rPr lang="ko-KR" altLang="en-US" dirty="0" smtClean="0"/>
+              <a:t>유미선</a:t>
+            </a:r>
+            <a:r>
+              <a:rPr lang="en-US" altLang="ko-KR" dirty="0" smtClean="0"/>
+              <a:t>- </a:t>
+            </a:r>
+            <a:r>
+              <a:rPr lang="ko-KR" altLang="en-US" dirty="0" smtClean="0"/>
+              <a:t>조장</a:t>
+            </a:r>
+            <a:r>
+              <a:rPr lang="en-US" altLang="ko-KR" dirty="0" smtClean="0"/>
+              <a:t>, </a:t>
+            </a:r>
+            <a:r>
+              <a:rPr lang="ko-KR" altLang="en-US" dirty="0" smtClean="0"/>
+              <a:t>로그인</a:t>
+            </a:r>
+            <a:r>
+              <a:rPr lang="en-US" altLang="ko-KR" dirty="0" smtClean="0"/>
+              <a:t>, </a:t>
+            </a:r>
+            <a:r>
+              <a:rPr lang="ko-KR" altLang="en-US" dirty="0" smtClean="0"/>
+              <a:t>회원가입</a:t>
+            </a:r>
+            <a:r>
+              <a:rPr lang="en-US" altLang="ko-KR" dirty="0" smtClean="0"/>
+              <a:t>, </a:t>
+            </a:r>
+            <a:r>
+              <a:rPr lang="ko-KR" altLang="en-US" dirty="0" err="1" smtClean="0"/>
+              <a:t>마이페이지</a:t>
+            </a:r>
+            <a:r>
+              <a:rPr lang="en-US" altLang="ko-KR" dirty="0" smtClean="0"/>
+              <a:t>, </a:t>
+            </a:r>
+            <a:r>
+              <a:rPr lang="ko-KR" altLang="en-US" dirty="0" smtClean="0"/>
+              <a:t>포인트충전</a:t>
+            </a:r>
+            <a:r>
+              <a:rPr lang="en-US" altLang="ko-KR" dirty="0" smtClean="0"/>
+              <a:t>,</a:t>
+            </a:r>
+            <a:r>
+              <a:rPr lang="en-US" altLang="ko-KR" dirty="0" err="1" smtClean="0"/>
+              <a:t>ajax</a:t>
+            </a:r>
+            <a:endParaRPr lang="en-US" altLang="ko-KR" dirty="0" smtClean="0"/>
+          </a:p>
+          <a:p>
+            <a:r>
+              <a:rPr lang="ko-KR" altLang="en-US" dirty="0" smtClean="0"/>
+              <a:t>최혜근</a:t>
+            </a:r>
+            <a:r>
+              <a:rPr lang="en-US" altLang="ko-KR" dirty="0" smtClean="0"/>
+              <a:t>- </a:t>
+            </a:r>
+            <a:r>
+              <a:rPr lang="ko-KR" altLang="en-US" dirty="0" smtClean="0"/>
+              <a:t>발표</a:t>
+            </a:r>
+            <a:r>
+              <a:rPr lang="en-US" altLang="ko-KR" dirty="0" smtClean="0"/>
+              <a:t>, </a:t>
+            </a:r>
+            <a:r>
+              <a:rPr lang="ko-KR" altLang="en-US" dirty="0" smtClean="0"/>
+              <a:t>게시판권한</a:t>
+            </a:r>
+            <a:r>
+              <a:rPr lang="en-US" altLang="ko-KR" dirty="0" smtClean="0"/>
+              <a:t>, </a:t>
+            </a:r>
+            <a:r>
+              <a:rPr lang="ko-KR" altLang="en-US" dirty="0" smtClean="0"/>
+              <a:t>검색</a:t>
+            </a:r>
+            <a:r>
+              <a:rPr lang="en-US" altLang="ko-KR" dirty="0" smtClean="0"/>
+              <a:t>, </a:t>
+            </a:r>
+            <a:r>
+              <a:rPr lang="ko-KR" altLang="en-US" dirty="0" err="1" smtClean="0"/>
+              <a:t>페이징</a:t>
+            </a:r>
+            <a:r>
+              <a:rPr lang="en-US" altLang="ko-KR" dirty="0" smtClean="0"/>
+              <a:t>, </a:t>
+            </a:r>
+            <a:r>
+              <a:rPr lang="ko-KR" altLang="en-US" dirty="0" smtClean="0"/>
+              <a:t>유효성테스트</a:t>
+            </a:r>
+            <a:endParaRPr lang="en-US" altLang="ko-KR" dirty="0" smtClean="0"/>
+          </a:p>
+          <a:p>
+            <a:r>
+              <a:rPr lang="ko-KR" altLang="en-US" dirty="0" smtClean="0"/>
+              <a:t>정혜진</a:t>
+            </a:r>
+            <a:r>
+              <a:rPr lang="en-US" altLang="ko-KR" dirty="0" smtClean="0"/>
+              <a:t>- </a:t>
+            </a:r>
+            <a:r>
+              <a:rPr lang="ko-KR" altLang="en-US" dirty="0" smtClean="0"/>
+              <a:t>게시판</a:t>
+            </a:r>
+            <a:r>
+              <a:rPr lang="en-US" altLang="ko-KR" dirty="0" smtClean="0"/>
+              <a:t>, </a:t>
+            </a:r>
+            <a:r>
+              <a:rPr lang="ko-KR" altLang="en-US" dirty="0" smtClean="0"/>
+              <a:t>포인트 충전 </a:t>
+            </a:r>
+            <a:r>
+              <a:rPr lang="ko-KR" altLang="en-US" dirty="0" smtClean="0"/>
+              <a:t>식권사용</a:t>
+            </a:r>
+            <a:r>
+              <a:rPr lang="en-US" altLang="ko-KR" dirty="0" smtClean="0"/>
+              <a:t>, </a:t>
+            </a:r>
+            <a:r>
+              <a:rPr lang="ko-KR" altLang="en-US" dirty="0" smtClean="0"/>
+              <a:t>식권구매</a:t>
+            </a:r>
+            <a:r>
+              <a:rPr lang="en-US" altLang="ko-KR" dirty="0" smtClean="0"/>
+              <a:t>, </a:t>
+            </a:r>
+            <a:r>
+              <a:rPr lang="ko-KR" altLang="en-US" dirty="0" smtClean="0"/>
+              <a:t>로그아웃</a:t>
+            </a:r>
+            <a:r>
+              <a:rPr lang="en-US" altLang="ko-KR" dirty="0" smtClean="0"/>
+              <a:t>, </a:t>
+            </a:r>
+          </a:p>
+          <a:p>
+            <a:r>
+              <a:rPr lang="ko-KR" altLang="en-US" dirty="0" smtClean="0"/>
+              <a:t>이효진</a:t>
+            </a:r>
+            <a:r>
+              <a:rPr lang="en-US" altLang="ko-KR" dirty="0" smtClean="0"/>
+              <a:t>- </a:t>
+            </a:r>
+            <a:r>
+              <a:rPr lang="ko-KR" altLang="en-US" dirty="0" smtClean="0"/>
+              <a:t>게시판</a:t>
+            </a:r>
+            <a:r>
+              <a:rPr lang="en-US" altLang="ko-KR" dirty="0" smtClean="0"/>
+              <a:t>, </a:t>
+            </a:r>
+            <a:r>
+              <a:rPr lang="en-US" altLang="ko-KR" dirty="0" err="1" smtClean="0"/>
+              <a:t>css</a:t>
+            </a:r>
+            <a:endParaRPr lang="ko-KR" altLang="en-US" dirty="0"/>
+          </a:p>
+        </p:txBody>
+      </p:sp>
+    </p:spTree>
+    <p:extLst>
+      <p:ext uri="{BB962C8B-B14F-4D97-AF65-F5344CB8AC3E}">
+        <p14:creationId xmlns:p14="http://schemas.microsoft.com/office/powerpoint/2010/main" val="3605803467"/>
+      </p:ext>
+    </p:extLst>
+  </p:cSld>
+  <p:clrMapOvr>
+    <a:masterClrMapping/>
+  </p:clrMapOvr>
+  <p:timing>
+    <p:tnLst>
+      <p:par>
+        <p:cTn id="1" dur="indefinite" restart="never" nodeType="tmRoot"/>
+      </p:par>
+    </p:tnLst>
+  </p:timing>
+</p:sld>
+</file>
+
+<file path=ppt/slides/slide15.xml><?xml version="1.0" encoding="utf-8"?>
+<p:sld xmlns:a="http://schemas.openxmlformats.org/drawingml/2006/main" xmlns:r="http://schemas.openxmlformats.org/officeDocument/2006/relationships" xmlns:p="http://schemas.openxmlformats.org/presentationml/2006/main">
+  <p:cSld>
+    <p:spTree>
+      <p:nvGrpSpPr>
+        <p:cNvPr id="1" name=""/>
+        <p:cNvGrpSpPr/>
+        <p:nvPr/>
+      </p:nvGrpSpPr>
+      <p:grpSpPr>
+        <a:xfrm>
+          <a:off x="0" y="0"/>
+          <a:ext cx="0" cy="0"/>
+          <a:chOff x="0" y="0"/>
+          <a:chExt cx="0" cy="0"/>
+        </a:xfrm>
+      </p:grpSpPr>
+      <p:sp>
+        <p:nvSpPr>
+          <p:cNvPr id="2" name="제목 1"/>
+          <p:cNvSpPr>
+            <a:spLocks noGrp="1"/>
+          </p:cNvSpPr>
+          <p:nvPr>
+            <p:ph type="title"/>
+          </p:nvPr>
+        </p:nvSpPr>
+        <p:spPr/>
+        <p:txBody>
+          <a:bodyPr/>
+          <a:lstStyle/>
+          <a:p>
+            <a:r>
+              <a:rPr lang="en-US" altLang="ko-KR" dirty="0" smtClean="0"/>
+              <a:t> 06. </a:t>
+            </a:r>
+            <a:r>
+              <a:rPr lang="ko-KR" altLang="en-US" dirty="0" smtClean="0"/>
+              <a:t>각 </a:t>
+            </a:r>
+            <a:r>
+              <a:rPr lang="ko-KR" altLang="en-US" dirty="0" err="1" smtClean="0"/>
+              <a:t>조원별</a:t>
+            </a:r>
+            <a:r>
+              <a:rPr lang="ko-KR" altLang="en-US" dirty="0" smtClean="0"/>
+              <a:t> 분담한 역할대로 구현</a:t>
+            </a:r>
+            <a:endParaRPr lang="ko-KR" altLang="en-US" dirty="0"/>
+          </a:p>
+        </p:txBody>
+      </p:sp>
+      <p:sp>
+        <p:nvSpPr>
+          <p:cNvPr id="3" name="내용 개체 틀 2"/>
+          <p:cNvSpPr>
+            <a:spLocks noGrp="1"/>
+          </p:cNvSpPr>
+          <p:nvPr>
+            <p:ph idx="1"/>
+          </p:nvPr>
+        </p:nvSpPr>
+        <p:spPr/>
+        <p:txBody>
+          <a:bodyPr/>
+          <a:lstStyle/>
+          <a:p>
+            <a:r>
+              <a:rPr lang="ko-KR" altLang="en-US" dirty="0" smtClean="0"/>
+              <a:t>목표</a:t>
+            </a:r>
+            <a:r>
+              <a:rPr lang="en-US" altLang="ko-KR" dirty="0" smtClean="0"/>
+              <a:t>: </a:t>
+            </a:r>
+            <a:r>
+              <a:rPr lang="ko-KR" altLang="en-US" dirty="0" smtClean="0"/>
+              <a:t>조원당 </a:t>
+            </a:r>
+            <a:r>
+              <a:rPr lang="en-US" altLang="ko-KR" dirty="0" smtClean="0"/>
+              <a:t>1</a:t>
+            </a:r>
+            <a:r>
+              <a:rPr lang="ko-KR" altLang="en-US" dirty="0" smtClean="0"/>
+              <a:t>개의 게시판 테마를 맡아서 </a:t>
+            </a:r>
+            <a:r>
+              <a:rPr lang="en-US" altLang="ko-KR" dirty="0"/>
+              <a:t>MVC</a:t>
+            </a:r>
+            <a:r>
+              <a:rPr lang="ko-KR" altLang="en-US" dirty="0" smtClean="0"/>
+              <a:t>를 구현하자</a:t>
+            </a:r>
+            <a:r>
+              <a:rPr lang="en-US" altLang="ko-KR" dirty="0" smtClean="0"/>
+              <a:t>!!</a:t>
+            </a:r>
+          </a:p>
+          <a:p>
+            <a:pPr marL="0" indent="0">
+              <a:buNone/>
+            </a:pPr>
+            <a:r>
+              <a:rPr lang="en-US" altLang="ko-KR" dirty="0"/>
+              <a:t> </a:t>
+            </a:r>
+            <a:r>
+              <a:rPr lang="en-US" altLang="ko-KR" dirty="0" smtClean="0"/>
+              <a:t>(DB</a:t>
+            </a:r>
+            <a:r>
+              <a:rPr lang="ko-KR" altLang="en-US" dirty="0" smtClean="0"/>
+              <a:t>설계</a:t>
+            </a:r>
+            <a:r>
+              <a:rPr lang="en-US" altLang="ko-KR" dirty="0" smtClean="0"/>
+              <a:t>, </a:t>
+            </a:r>
+            <a:r>
+              <a:rPr lang="ko-KR" altLang="en-US" dirty="0" smtClean="0"/>
+              <a:t>화면설계</a:t>
+            </a:r>
+            <a:r>
+              <a:rPr lang="en-US" altLang="ko-KR" dirty="0" smtClean="0"/>
+              <a:t>, MVC</a:t>
+            </a:r>
+            <a:r>
+              <a:rPr lang="ko-KR" altLang="en-US" dirty="0" smtClean="0"/>
+              <a:t>구현 등 모든 것을 해볼 수 있도록 구성</a:t>
+            </a:r>
+            <a:r>
+              <a:rPr lang="en-US" altLang="ko-KR" dirty="0" smtClean="0"/>
+              <a:t>)</a:t>
+            </a:r>
+          </a:p>
+          <a:p>
+            <a:endParaRPr lang="ko-KR" altLang="en-US" dirty="0"/>
+          </a:p>
+        </p:txBody>
+      </p:sp>
+    </p:spTree>
+    <p:extLst>
+      <p:ext uri="{BB962C8B-B14F-4D97-AF65-F5344CB8AC3E}">
+        <p14:creationId xmlns:p14="http://schemas.microsoft.com/office/powerpoint/2010/main" val="3415412457"/>
       </p:ext>
     </p:extLst>
   </p:cSld>
@@ -3154,7 +4082,7 @@
           <a:p>
             <a:r>
               <a:rPr lang="en-US" altLang="ko-KR" dirty="0" smtClean="0"/>
-              <a:t>1. </a:t>
+              <a:t> 01. </a:t>
             </a:r>
             <a:r>
               <a:rPr lang="ko-KR" altLang="en-US" dirty="0" smtClean="0"/>
@@ -3174,11 +4102,23 @@
             <p:ph idx="1"/>
           </p:nvPr>
         </p:nvSpPr>
-        <p:spPr/>
-        <p:txBody>
-          <a:bodyPr/>
-          <a:lstStyle/>
-          <a:p>
+        <p:spPr>
+          <a:xfrm>
+            <a:off x="838200" y="1829858"/>
+            <a:ext cx="10515600" cy="1624542"/>
+          </a:xfrm>
+        </p:spPr>
+        <p:txBody>
+          <a:bodyPr>
+            <a:normAutofit/>
+          </a:bodyPr>
+          <a:lstStyle/>
+          <a:p>
+            <a:pPr>
+              <a:lnSpc>
+                <a:spcPct val="150000"/>
+              </a:lnSpc>
+            </a:pPr>
             <a:r>
               <a:rPr lang="ko-KR" altLang="en-US" dirty="0" smtClean="0"/>
               <a:t>멀티캠퍼스 </a:t>
@@ -3191,44 +4131,58 @@
               <a:rPr lang="ko-KR" altLang="en-US" dirty="0" smtClean="0"/>
               <a:t>층 식당</a:t>
             </a:r>
-            <a:r>
-              <a:rPr lang="en-US" altLang="ko-KR" dirty="0" smtClean="0"/>
-              <a:t>: </a:t>
-            </a:r>
+            <a:endParaRPr lang="en-US" altLang="ko-KR" dirty="0" smtClean="0"/>
+          </a:p>
+          <a:p>
+            <a:pPr>
+              <a:lnSpc>
+                <a:spcPct val="150000"/>
+              </a:lnSpc>
+            </a:pPr>
             <a:r>
               <a:rPr lang="ko-KR" altLang="en-US" dirty="0" smtClean="0"/>
               <a:t>식권관리 및 리뷰 페이지</a:t>
             </a:r>
+            <a:endParaRPr lang="en-US" altLang="ko-KR" dirty="0" smtClean="0"/>
+          </a:p>
+          <a:p>
+            <a:pPr>
+              <a:lnSpc>
+                <a:spcPct val="150000"/>
+              </a:lnSpc>
+            </a:pPr>
+            <a:endParaRPr lang="en-US" altLang="ko-KR" dirty="0"/>
+          </a:p>
+          <a:p>
+            <a:pPr>
+              <a:lnSpc>
+                <a:spcPct val="150000"/>
+              </a:lnSpc>
+            </a:pPr>
             <a:endParaRPr lang="ko-KR" altLang="en-US" dirty="0"/>
           </a:p>
         </p:txBody>
       </p:sp>
       <p:sp>
         <p:nvSpPr>
-          <p:cNvPr id="4" name="직사각형 3"/>
+          <p:cNvPr id="5" name="직사각형 4"/>
           <p:cNvSpPr/>
           <p:nvPr/>
         </p:nvSpPr>
         <p:spPr>
           <a:xfrm>
-            <a:off x="-112734" y="6501008"/>
-            <a:ext cx="12450871" cy="488515"/>
+            <a:off x="405008" y="3868606"/>
+            <a:ext cx="1185797" cy="502978"/>
           </a:xfrm>
           <a:prstGeom prst="rect">
             <a:avLst/>
           </a:prstGeom>
           <a:solidFill>
-            <a:schemeClr val="accent4">
-              <a:lumMod val="60000"/>
-              <a:lumOff val="40000"/>
-            </a:schemeClr>
+            <a:schemeClr val="accent4"/>
           </a:solidFill>
           <a:ln>
             <a:solidFill>
-              <a:schemeClr val="accent4">
-                <a:lumMod val="40000"/>
-                <a:lumOff val="60000"/>
-              </a:schemeClr>
+              <a:schemeClr val="accent4"/>
             </a:solidFill>
           </a:ln>
         </p:spPr>
@@ -3253,14 +4207,323 @@
           <a:lstStyle/>
           <a:p>
             <a:pPr algn="ctr"/>
-            <a:endParaRPr lang="ko-KR" altLang="en-US"/>
+            <a:endParaRPr lang="ko-KR" altLang="en-US" dirty="0"/>
+          </a:p>
+        </p:txBody>
+      </p:sp>
+      <p:sp>
+        <p:nvSpPr>
+          <p:cNvPr id="6" name="직사각형 5"/>
+          <p:cNvSpPr/>
+          <p:nvPr/>
+        </p:nvSpPr>
+        <p:spPr>
+          <a:xfrm>
+            <a:off x="405008" y="4429388"/>
+            <a:ext cx="1185797" cy="502978"/>
+          </a:xfrm>
+          <a:prstGeom prst="rect">
+            <a:avLst/>
+          </a:prstGeom>
+          <a:solidFill>
+            <a:schemeClr val="accent4"/>
+          </a:solidFill>
+          <a:ln>
+            <a:solidFill>
+              <a:schemeClr val="accent4"/>
+            </a:solidFill>
+          </a:ln>
+        </p:spPr>
+        <p:style>
+          <a:lnRef idx="2">
+            <a:schemeClr val="accent1">
+              <a:shade val="50000"/>
+            </a:schemeClr>
+          </a:lnRef>
+          <a:fillRef idx="1">
+            <a:schemeClr val="accent1"/>
+          </a:fillRef>
+          <a:effectRef idx="0">
+            <a:schemeClr val="accent1"/>
+          </a:effectRef>
+          <a:fontRef idx="minor">
+            <a:schemeClr val="lt1"/>
+          </a:fontRef>
+        </p:style>
+        <p:txBody>
+          <a:bodyPr rtlCol="0" anchor="ctr"/>
+          <a:lstStyle/>
+          <a:p>
+            <a:pPr algn="ctr"/>
+            <a:endParaRPr lang="ko-KR" altLang="en-US" dirty="0"/>
+          </a:p>
+        </p:txBody>
+      </p:sp>
+      <p:sp>
+        <p:nvSpPr>
+          <p:cNvPr id="4" name="내용 개체 틀 2"/>
+          <p:cNvSpPr txBox="1">
+            <a:spLocks/>
+          </p:cNvSpPr>
+          <p:nvPr/>
+        </p:nvSpPr>
+        <p:spPr>
+          <a:xfrm>
+            <a:off x="405008" y="3868606"/>
+            <a:ext cx="11786992" cy="1624542"/>
+          </a:xfrm>
+          <a:prstGeom prst="rect">
+            <a:avLst/>
+          </a:prstGeom>
+        </p:spPr>
+        <p:txBody>
+          <a:bodyPr vert="horz" lIns="91440" tIns="45720" rIns="91440" bIns="45720" rtlCol="0">
+            <a:normAutofit fontScale="77500" lnSpcReduction="20000"/>
+          </a:bodyPr>
+          <a:lstStyle>
+            <a:lvl1pPr marL="228600" indent="-228600" algn="l" defTabSz="914400" rtl="0" eaLnBrk="1" latinLnBrk="1" hangingPunct="1">
+              <a:lnSpc>
+                <a:spcPct val="150000"/>
+              </a:lnSpc>
+              <a:spcBef>
+                <a:spcPts val="1000"/>
+              </a:spcBef>
+              <a:buFont typeface="Arial" panose="020B0604020202020204" pitchFamily="34" charset="0"/>
+              <a:buChar char="•"/>
+              <a:defRPr sz="2800" kern="1200">
+                <a:solidFill>
+                  <a:schemeClr val="tx1"/>
+                </a:solidFill>
+                <a:latin typeface="애터미 Bold" panose="020B0803000000000000" pitchFamily="50" charset="-127"/>
+                <a:ea typeface="애터미 Bold" panose="020B0803000000000000" pitchFamily="50" charset="-127"/>
+                <a:cs typeface="+mn-cs"/>
+              </a:defRPr>
+            </a:lvl1pPr>
+            <a:lvl2pPr marL="685800" indent="-228600" algn="l" defTabSz="914400" rtl="0" eaLnBrk="1" latinLnBrk="1" hangingPunct="1">
+              <a:lnSpc>
+                <a:spcPct val="90000"/>
+              </a:lnSpc>
+              <a:spcBef>
+                <a:spcPts val="500"/>
+              </a:spcBef>
+              <a:buFont typeface="Arial" panose="020B0604020202020204" pitchFamily="34" charset="0"/>
+              <a:buChar char="•"/>
+              <a:defRPr sz="2400" kern="1200">
+                <a:solidFill>
+                  <a:schemeClr val="tx1"/>
+                </a:solidFill>
+                <a:latin typeface="애터미 Bold" panose="020B0803000000000000" pitchFamily="50" charset="-127"/>
+                <a:ea typeface="애터미 Bold" panose="020B0803000000000000" pitchFamily="50" charset="-127"/>
+                <a:cs typeface="+mn-cs"/>
+              </a:defRPr>
+            </a:lvl2pPr>
+            <a:lvl3pPr marL="1143000" indent="-228600" algn="l" defTabSz="914400" rtl="0" eaLnBrk="1" latinLnBrk="1" hangingPunct="1">
+              <a:lnSpc>
+                <a:spcPct val="90000"/>
+              </a:lnSpc>
+              <a:spcBef>
+                <a:spcPts val="500"/>
+              </a:spcBef>
+              <a:buFont typeface="Arial" panose="020B0604020202020204" pitchFamily="34" charset="0"/>
+              <a:buChar char="•"/>
+              <a:defRPr sz="2000" kern="1200">
+                <a:solidFill>
+                  <a:schemeClr val="tx1"/>
+                </a:solidFill>
+                <a:latin typeface="애터미 Bold" panose="020B0803000000000000" pitchFamily="50" charset="-127"/>
+                <a:ea typeface="애터미 Bold" panose="020B0803000000000000" pitchFamily="50" charset="-127"/>
+                <a:cs typeface="+mn-cs"/>
+              </a:defRPr>
+            </a:lvl3pPr>
+            <a:lvl4pPr marL="1600200" indent="-228600" algn="l" defTabSz="914400" rtl="0" eaLnBrk="1" latinLnBrk="1" hangingPunct="1">
+              <a:lnSpc>
+                <a:spcPct val="90000"/>
+              </a:lnSpc>
+              <a:spcBef>
+                <a:spcPts val="500"/>
+              </a:spcBef>
+              <a:buFont typeface="Arial" panose="020B0604020202020204" pitchFamily="34" charset="0"/>
+              <a:buChar char="•"/>
+              <a:defRPr sz="1800" kern="1200">
+                <a:solidFill>
+                  <a:schemeClr val="tx1"/>
+                </a:solidFill>
+                <a:latin typeface="애터미 Bold" panose="020B0803000000000000" pitchFamily="50" charset="-127"/>
+                <a:ea typeface="애터미 Bold" panose="020B0803000000000000" pitchFamily="50" charset="-127"/>
+                <a:cs typeface="+mn-cs"/>
+              </a:defRPr>
+            </a:lvl4pPr>
+            <a:lvl5pPr marL="2057400" indent="-228600" algn="l" defTabSz="914400" rtl="0" eaLnBrk="1" latinLnBrk="1" hangingPunct="1">
+              <a:lnSpc>
+                <a:spcPct val="90000"/>
+              </a:lnSpc>
+              <a:spcBef>
+                <a:spcPts val="500"/>
+              </a:spcBef>
+              <a:buFont typeface="Arial" panose="020B0604020202020204" pitchFamily="34" charset="0"/>
+              <a:buChar char="•"/>
+              <a:defRPr sz="1800" kern="1200">
+                <a:solidFill>
+                  <a:schemeClr val="tx1"/>
+                </a:solidFill>
+                <a:latin typeface="애터미 Bold" panose="020B0803000000000000" pitchFamily="50" charset="-127"/>
+                <a:ea typeface="애터미 Bold" panose="020B0803000000000000" pitchFamily="50" charset="-127"/>
+                <a:cs typeface="+mn-cs"/>
+              </a:defRPr>
+            </a:lvl5pPr>
+            <a:lvl6pPr marL="2514600" indent="-228600" algn="l" defTabSz="914400" rtl="0" eaLnBrk="1" latinLnBrk="1" hangingPunct="1">
+              <a:lnSpc>
+                <a:spcPct val="90000"/>
+              </a:lnSpc>
+              <a:spcBef>
+                <a:spcPts val="500"/>
+              </a:spcBef>
+              <a:buFont typeface="Arial" panose="020B0604020202020204" pitchFamily="34" charset="0"/>
+              <a:buChar char="•"/>
+              <a:defRPr sz="1800" kern="1200">
+                <a:solidFill>
+                  <a:schemeClr val="tx1"/>
+                </a:solidFill>
+                <a:latin typeface="+mn-lt"/>
+                <a:ea typeface="+mn-ea"/>
+                <a:cs typeface="+mn-cs"/>
+              </a:defRPr>
+            </a:lvl6pPr>
+            <a:lvl7pPr marL="2971800" indent="-228600" algn="l" defTabSz="914400" rtl="0" eaLnBrk="1" latinLnBrk="1" hangingPunct="1">
+              <a:lnSpc>
+                <a:spcPct val="90000"/>
+              </a:lnSpc>
+              <a:spcBef>
+                <a:spcPts val="500"/>
+              </a:spcBef>
+              <a:buFont typeface="Arial" panose="020B0604020202020204" pitchFamily="34" charset="0"/>
+              <a:buChar char="•"/>
+              <a:defRPr sz="1800" kern="1200">
+                <a:solidFill>
+                  <a:schemeClr val="tx1"/>
+                </a:solidFill>
+                <a:latin typeface="+mn-lt"/>
+                <a:ea typeface="+mn-ea"/>
+                <a:cs typeface="+mn-cs"/>
+              </a:defRPr>
+            </a:lvl7pPr>
+            <a:lvl8pPr marL="3429000" indent="-228600" algn="l" defTabSz="914400" rtl="0" eaLnBrk="1" latinLnBrk="1" hangingPunct="1">
+              <a:lnSpc>
+                <a:spcPct val="90000"/>
+              </a:lnSpc>
+              <a:spcBef>
+                <a:spcPts val="500"/>
+              </a:spcBef>
+              <a:buFont typeface="Arial" panose="020B0604020202020204" pitchFamily="34" charset="0"/>
+              <a:buChar char="•"/>
+              <a:defRPr sz="1800" kern="1200">
+                <a:solidFill>
+                  <a:schemeClr val="tx1"/>
+                </a:solidFill>
+                <a:latin typeface="+mn-lt"/>
+                <a:ea typeface="+mn-ea"/>
+                <a:cs typeface="+mn-cs"/>
+              </a:defRPr>
+            </a:lvl8pPr>
+            <a:lvl9pPr marL="3886200" indent="-228600" algn="l" defTabSz="914400" rtl="0" eaLnBrk="1" latinLnBrk="1" hangingPunct="1">
+              <a:lnSpc>
+                <a:spcPct val="90000"/>
+              </a:lnSpc>
+              <a:spcBef>
+                <a:spcPts val="500"/>
+              </a:spcBef>
+              <a:buFont typeface="Arial" panose="020B0604020202020204" pitchFamily="34" charset="0"/>
+              <a:buChar char="•"/>
+              <a:defRPr sz="1800" kern="1200">
+                <a:solidFill>
+                  <a:schemeClr val="tx1"/>
+                </a:solidFill>
+                <a:latin typeface="+mn-lt"/>
+                <a:ea typeface="+mn-ea"/>
+                <a:cs typeface="+mn-cs"/>
+              </a:defRPr>
+            </a:lvl9pPr>
+          </a:lstStyle>
+          <a:p>
+            <a:pPr marL="0" lvl="0" indent="0">
+              <a:buNone/>
+            </a:pPr>
+            <a:r>
+              <a:rPr lang="ko-KR" altLang="en-US" dirty="0" smtClean="0"/>
+              <a:t>기획배경</a:t>
+            </a:r>
+            <a:r>
+              <a:rPr lang="en-US" altLang="ko-KR" dirty="0"/>
+              <a:t> </a:t>
+            </a:r>
+            <a:r>
+              <a:rPr lang="en-US" altLang="ko-KR" dirty="0" smtClean="0"/>
+              <a:t>  </a:t>
+            </a:r>
+            <a:r>
+              <a:rPr lang="ko-KR" altLang="ko-KR" dirty="0" smtClean="0"/>
+              <a:t>낱장식권 사용으로 인한 분실 문제</a:t>
+            </a:r>
+            <a:r>
+              <a:rPr lang="en-US" altLang="ko-KR" dirty="0" smtClean="0"/>
+              <a:t>, </a:t>
+            </a:r>
+            <a:r>
+              <a:rPr lang="ko-KR" altLang="ko-KR" dirty="0" smtClean="0"/>
+              <a:t>식당과의 </a:t>
+            </a:r>
+            <a:r>
+              <a:rPr lang="ko-KR" altLang="en-US" dirty="0" smtClean="0"/>
+              <a:t>의사소통 부재 </a:t>
+            </a:r>
+            <a:endParaRPr lang="ko-KR" altLang="ko-KR" dirty="0" smtClean="0"/>
+          </a:p>
+          <a:p>
+            <a:pPr marL="0" lvl="0" indent="0">
+              <a:buNone/>
+            </a:pPr>
+            <a:r>
+              <a:rPr lang="ko-KR" altLang="ko-KR" dirty="0" smtClean="0"/>
+              <a:t>기획 의도</a:t>
+            </a:r>
+            <a:r>
+              <a:rPr lang="en-US" altLang="ko-KR" dirty="0" smtClean="0"/>
+              <a:t>  </a:t>
+            </a:r>
+            <a:r>
+              <a:rPr lang="ko-KR" altLang="ko-KR" dirty="0" smtClean="0"/>
+              <a:t>하루에서 제일 기다려지는 점심시간을 보내는 </a:t>
+            </a:r>
+            <a:r>
+              <a:rPr lang="en-US" altLang="ko-KR" dirty="0" smtClean="0"/>
+              <a:t>20</a:t>
+            </a:r>
+            <a:r>
+              <a:rPr lang="ko-KR" altLang="ko-KR" dirty="0" smtClean="0"/>
+              <a:t>층 식당을 </a:t>
+            </a:r>
+            <a:r>
+              <a:rPr lang="ko-KR" altLang="en-US" dirty="0" smtClean="0"/>
+              <a:t>사용경험을 풍부하게 한다</a:t>
+            </a:r>
+            <a:r>
+              <a:rPr lang="en-US" altLang="ko-KR" dirty="0" smtClean="0"/>
+              <a:t>.</a:t>
+            </a:r>
+            <a:endParaRPr lang="ko-KR" altLang="ko-KR" dirty="0" smtClean="0"/>
+          </a:p>
+          <a:p>
+            <a:endParaRPr lang="en-US" altLang="ko-KR" dirty="0" smtClean="0"/>
+          </a:p>
+          <a:p>
+            <a:endParaRPr lang="ko-KR" altLang="en-US" dirty="0"/>
           </a:p>
         </p:txBody>
       </p:sp>
     </p:spTree>
     <p:extLst>
       <p:ext uri="{BB962C8B-B14F-4D97-AF65-F5344CB8AC3E}">
-        <p14:creationId xmlns:p14="http://schemas.microsoft.com/office/powerpoint/2010/main" val="3677512066"/>
+        <p14:creationId xmlns:p14="http://schemas.microsoft.com/office/powerpoint/2010/main" val="881623955"/>
       </p:ext>
     </p:extLst>
   </p:cSld>
@@ -3310,464 +4573,162 @@
           <a:lstStyle/>
           <a:p>
             <a:r>
-              <a:rPr lang="ko-KR" altLang="en-US" dirty="0" smtClean="0"/>
-              <a:t>프로젝트 주제에 따른 기능 선정</a:t>
-            </a:r>
-            <a:r>
-              <a:rPr lang="en-US" altLang="ko-KR" dirty="0" smtClean="0"/>
-              <a:t>(crud</a:t>
-            </a:r>
-            <a:r>
-              <a:rPr lang="ko-KR" altLang="en-US" dirty="0" smtClean="0"/>
-              <a:t>기능 중심</a:t>
+              <a:rPr lang="en-US" altLang="ko-KR" dirty="0" smtClean="0"/>
+              <a:t> 02. </a:t>
+            </a:r>
+            <a:r>
+              <a:rPr lang="ko-KR" altLang="en-US" dirty="0" smtClean="0"/>
+              <a:t>프로젝트 주제에 따른 기능선정</a:t>
+            </a:r>
+            <a:endParaRPr lang="ko-KR" altLang="en-US" dirty="0"/>
+          </a:p>
+        </p:txBody>
+      </p:sp>
+      <p:sp>
+        <p:nvSpPr>
+          <p:cNvPr id="3" name="내용 개체 틀 2"/>
+          <p:cNvSpPr>
+            <a:spLocks noGrp="1"/>
+          </p:cNvSpPr>
+          <p:nvPr>
+            <p:ph idx="1"/>
+          </p:nvPr>
+        </p:nvSpPr>
+        <p:spPr/>
+        <p:txBody>
+          <a:bodyPr>
+            <a:normAutofit lnSpcReduction="10000"/>
+          </a:bodyPr>
+          <a:lstStyle/>
+          <a:p>
+            <a:pPr>
+              <a:lnSpc>
+                <a:spcPct val="150000"/>
+              </a:lnSpc>
+            </a:pPr>
+            <a:r>
+              <a:rPr lang="ko-KR" altLang="en-US" dirty="0" smtClean="0"/>
+              <a:t>로그인</a:t>
+            </a:r>
+            <a:r>
+              <a:rPr lang="en-US" altLang="ko-KR" dirty="0" smtClean="0"/>
+              <a:t>/</a:t>
+            </a:r>
+            <a:r>
+              <a:rPr lang="ko-KR" altLang="en-US" dirty="0" smtClean="0"/>
+              <a:t>로그아웃</a:t>
+            </a:r>
+            <a:endParaRPr lang="en-US" altLang="ko-KR" dirty="0" smtClean="0"/>
+          </a:p>
+          <a:p>
+            <a:pPr>
+              <a:lnSpc>
+                <a:spcPct val="150000"/>
+              </a:lnSpc>
+            </a:pPr>
+            <a:r>
+              <a:rPr lang="ko-KR" altLang="en-US" dirty="0" smtClean="0"/>
+              <a:t>회원가입</a:t>
+            </a:r>
+            <a:r>
+              <a:rPr lang="en-US" altLang="ko-KR" dirty="0" smtClean="0"/>
+              <a:t>-</a:t>
+            </a:r>
+            <a:r>
+              <a:rPr lang="ko-KR" altLang="en-US" dirty="0" smtClean="0"/>
+              <a:t>권한부여</a:t>
+            </a:r>
+            <a:r>
+              <a:rPr lang="en-US" altLang="ko-KR" dirty="0" smtClean="0"/>
+              <a:t>(</a:t>
+            </a:r>
+            <a:r>
+              <a:rPr lang="en-US" altLang="ko-KR" dirty="0" err="1" smtClean="0"/>
+              <a:t>user,admin</a:t>
             </a:r>
             <a:r>
               <a:rPr lang="en-US" altLang="ko-KR" dirty="0" smtClean="0"/>
               <a:t>)</a:t>
             </a:r>
+          </a:p>
+          <a:p>
+            <a:pPr>
+              <a:lnSpc>
+                <a:spcPct val="150000"/>
+              </a:lnSpc>
+            </a:pPr>
+            <a:r>
+              <a:rPr lang="ko-KR" altLang="en-US" dirty="0" smtClean="0"/>
+              <a:t>게시판</a:t>
+            </a:r>
+            <a:r>
+              <a:rPr lang="en-US" altLang="ko-KR" dirty="0" smtClean="0"/>
+              <a:t>-CRUD+</a:t>
+            </a:r>
+            <a:r>
+              <a:rPr lang="ko-KR" altLang="en-US" dirty="0" smtClean="0"/>
+              <a:t>검색</a:t>
+            </a:r>
+            <a:r>
+              <a:rPr lang="en-US" altLang="ko-KR" dirty="0" smtClean="0"/>
+              <a:t>,</a:t>
+            </a:r>
+            <a:r>
+              <a:rPr lang="ko-KR" altLang="en-US" dirty="0" err="1" smtClean="0"/>
+              <a:t>페이징처리</a:t>
+            </a:r>
+            <a:r>
+              <a:rPr lang="en-US" altLang="ko-KR" dirty="0" smtClean="0"/>
+              <a:t>,</a:t>
+            </a:r>
+            <a:r>
+              <a:rPr lang="ko-KR" altLang="en-US" dirty="0" smtClean="0"/>
+              <a:t>조회수</a:t>
+            </a:r>
+            <a:endParaRPr lang="en-US" altLang="ko-KR" dirty="0" smtClean="0"/>
+          </a:p>
+          <a:p>
+            <a:pPr>
+              <a:lnSpc>
+                <a:spcPct val="150000"/>
+              </a:lnSpc>
+            </a:pPr>
+            <a:r>
+              <a:rPr lang="ko-KR" altLang="en-US" dirty="0" smtClean="0"/>
+              <a:t>식권구입</a:t>
+            </a:r>
+            <a:endParaRPr lang="en-US" altLang="ko-KR" dirty="0" smtClean="0"/>
+          </a:p>
+          <a:p>
+            <a:pPr>
+              <a:lnSpc>
+                <a:spcPct val="150000"/>
+              </a:lnSpc>
+            </a:pPr>
+            <a:r>
+              <a:rPr lang="ko-KR" altLang="en-US" dirty="0" smtClean="0"/>
+              <a:t>식권사용</a:t>
+            </a:r>
+            <a:endParaRPr lang="en-US" altLang="ko-KR" dirty="0" smtClean="0"/>
+          </a:p>
+          <a:p>
+            <a:pPr>
+              <a:lnSpc>
+                <a:spcPct val="150000"/>
+              </a:lnSpc>
+            </a:pPr>
+            <a:r>
+              <a:rPr lang="ko-KR" altLang="en-US" dirty="0" smtClean="0"/>
+              <a:t>포인트충전</a:t>
+            </a:r>
             <a:endParaRPr lang="ko-KR" altLang="en-US" dirty="0"/>
-          </a:p>
-        </p:txBody>
-      </p:sp>
-      <p:sp>
-        <p:nvSpPr>
-          <p:cNvPr id="3" name="내용 개체 틀 2"/>
-          <p:cNvSpPr>
-            <a:spLocks noGrp="1"/>
-          </p:cNvSpPr>
-          <p:nvPr>
-            <p:ph idx="1"/>
-          </p:nvPr>
-        </p:nvSpPr>
-        <p:spPr/>
-        <p:txBody>
-          <a:bodyPr>
-            <a:normAutofit fontScale="85000" lnSpcReduction="20000"/>
-          </a:bodyPr>
-          <a:lstStyle/>
-          <a:p>
-            <a:r>
-              <a:rPr lang="en-US" altLang="ko-KR" dirty="0" smtClean="0"/>
-              <a:t>- </a:t>
-            </a:r>
-            <a:r>
-              <a:rPr lang="ko-KR" altLang="en-US" dirty="0" smtClean="0"/>
-              <a:t>로그인</a:t>
-            </a:r>
-            <a:r>
-              <a:rPr lang="en-US" altLang="ko-KR" dirty="0" smtClean="0"/>
-              <a:t>-</a:t>
-            </a:r>
-            <a:r>
-              <a:rPr lang="ko-KR" altLang="en-US" dirty="0" smtClean="0"/>
-              <a:t>아이디</a:t>
-            </a:r>
-            <a:r>
-              <a:rPr lang="en-US" altLang="ko-KR" dirty="0" smtClean="0"/>
-              <a:t>,</a:t>
-            </a:r>
-            <a:r>
-              <a:rPr lang="ko-KR" altLang="en-US" dirty="0" smtClean="0"/>
-              <a:t>비번</a:t>
-            </a:r>
-            <a:r>
-              <a:rPr lang="en-US" altLang="ko-KR" dirty="0" smtClean="0"/>
-              <a:t>,</a:t>
-            </a:r>
-          </a:p>
-          <a:p>
-            <a:r>
-              <a:rPr lang="en-US" altLang="ko-KR" dirty="0" smtClean="0"/>
-              <a:t>- </a:t>
-            </a:r>
-            <a:r>
-              <a:rPr lang="ko-KR" altLang="en-US" dirty="0" smtClean="0"/>
-              <a:t>회원가입</a:t>
-            </a:r>
-            <a:r>
-              <a:rPr lang="en-US" altLang="ko-KR" dirty="0" smtClean="0"/>
-              <a:t>- </a:t>
-            </a:r>
-            <a:r>
-              <a:rPr lang="ko-KR" altLang="en-US" dirty="0" smtClean="0"/>
-              <a:t>아이디</a:t>
-            </a:r>
-            <a:r>
-              <a:rPr lang="en-US" altLang="ko-KR" dirty="0" smtClean="0"/>
-              <a:t>,</a:t>
-            </a:r>
-            <a:r>
-              <a:rPr lang="ko-KR" altLang="en-US" dirty="0" smtClean="0"/>
-              <a:t>비번</a:t>
-            </a:r>
-            <a:r>
-              <a:rPr lang="en-US" altLang="ko-KR" dirty="0" smtClean="0"/>
-              <a:t>, </a:t>
-            </a:r>
-            <a:r>
-              <a:rPr lang="ko-KR" altLang="en-US" dirty="0" smtClean="0"/>
-              <a:t>이름</a:t>
-            </a:r>
-            <a:r>
-              <a:rPr lang="en-US" altLang="ko-KR" dirty="0" smtClean="0"/>
-              <a:t>, </a:t>
-            </a:r>
-            <a:r>
-              <a:rPr lang="ko-KR" altLang="en-US" dirty="0" smtClean="0"/>
-              <a:t>클래스넘버</a:t>
-            </a:r>
-          </a:p>
-          <a:p>
-            <a:r>
-              <a:rPr lang="en-US" altLang="ko-KR" dirty="0" smtClean="0"/>
-              <a:t>- </a:t>
-            </a:r>
-            <a:r>
-              <a:rPr lang="ko-KR" altLang="en-US" dirty="0" smtClean="0"/>
-              <a:t>게시판</a:t>
-            </a:r>
-          </a:p>
-          <a:p>
-            <a:r>
-              <a:rPr lang="ko-KR" altLang="en-US" dirty="0" smtClean="0"/>
-              <a:t>  </a:t>
-            </a:r>
-            <a:r>
-              <a:rPr lang="en-US" altLang="ko-KR" dirty="0" smtClean="0"/>
-              <a:t>- </a:t>
-            </a:r>
-            <a:r>
-              <a:rPr lang="ko-KR" altLang="en-US" dirty="0" smtClean="0"/>
-              <a:t>게시판</a:t>
-            </a:r>
-            <a:r>
-              <a:rPr lang="en-US" altLang="ko-KR" dirty="0" smtClean="0"/>
-              <a:t>1: </a:t>
-            </a:r>
-            <a:r>
-              <a:rPr lang="ko-KR" altLang="en-US" dirty="0" smtClean="0"/>
-              <a:t>식단리뷰</a:t>
-            </a:r>
-            <a:r>
-              <a:rPr lang="en-US" altLang="ko-KR" dirty="0" smtClean="0"/>
-              <a:t>-crud,</a:t>
-            </a:r>
-            <a:r>
-              <a:rPr lang="ko-KR" altLang="en-US" dirty="0" smtClean="0"/>
-              <a:t>사진</a:t>
-            </a:r>
-            <a:r>
-              <a:rPr lang="en-US" altLang="ko-KR" dirty="0" smtClean="0"/>
-              <a:t>,</a:t>
-            </a:r>
-            <a:r>
-              <a:rPr lang="ko-KR" altLang="en-US" dirty="0" err="1" smtClean="0"/>
-              <a:t>페이징</a:t>
-            </a:r>
-            <a:endParaRPr lang="ko-KR" altLang="en-US" dirty="0" smtClean="0"/>
-          </a:p>
-          <a:p>
-            <a:r>
-              <a:rPr lang="ko-KR" altLang="en-US" dirty="0" smtClean="0"/>
-              <a:t>  </a:t>
-            </a:r>
-            <a:r>
-              <a:rPr lang="en-US" altLang="ko-KR" dirty="0" smtClean="0"/>
-              <a:t>- </a:t>
-            </a:r>
-            <a:r>
-              <a:rPr lang="ko-KR" altLang="en-US" dirty="0" smtClean="0"/>
-              <a:t>게시판</a:t>
-            </a:r>
-            <a:r>
-              <a:rPr lang="en-US" altLang="ko-KR" dirty="0" smtClean="0"/>
-              <a:t>2: </a:t>
-            </a:r>
-            <a:r>
-              <a:rPr lang="ko-KR" altLang="en-US" dirty="0" smtClean="0"/>
-              <a:t>건의게시판 </a:t>
-            </a:r>
-            <a:r>
-              <a:rPr lang="en-US" altLang="ko-KR" dirty="0" smtClean="0"/>
-              <a:t>-crud,</a:t>
-            </a:r>
-            <a:r>
-              <a:rPr lang="ko-KR" altLang="en-US" dirty="0" smtClean="0"/>
-              <a:t>사진</a:t>
-            </a:r>
-            <a:r>
-              <a:rPr lang="en-US" altLang="ko-KR" dirty="0" smtClean="0"/>
-              <a:t>,</a:t>
-            </a:r>
-            <a:r>
-              <a:rPr lang="ko-KR" altLang="en-US" dirty="0" err="1" smtClean="0"/>
-              <a:t>페이징</a:t>
-            </a:r>
-            <a:endParaRPr lang="ko-KR" altLang="en-US" dirty="0" smtClean="0"/>
-          </a:p>
-          <a:p>
-            <a:r>
-              <a:rPr lang="ko-KR" altLang="en-US" dirty="0" smtClean="0"/>
-              <a:t>  </a:t>
-            </a:r>
-            <a:r>
-              <a:rPr lang="en-US" altLang="ko-KR" dirty="0" smtClean="0"/>
-              <a:t>- </a:t>
-            </a:r>
-            <a:r>
-              <a:rPr lang="ko-KR" altLang="en-US" dirty="0" smtClean="0"/>
-              <a:t>게시판</a:t>
-            </a:r>
-            <a:r>
-              <a:rPr lang="en-US" altLang="ko-KR" dirty="0" smtClean="0"/>
-              <a:t>3: </a:t>
-            </a:r>
-            <a:r>
-              <a:rPr lang="ko-KR" altLang="en-US" dirty="0" smtClean="0"/>
-              <a:t>외부식당리뷰</a:t>
-            </a:r>
-            <a:r>
-              <a:rPr lang="en-US" altLang="ko-KR" dirty="0" smtClean="0"/>
-              <a:t>-crud,</a:t>
-            </a:r>
-            <a:r>
-              <a:rPr lang="ko-KR" altLang="en-US" dirty="0" smtClean="0"/>
-              <a:t>사진</a:t>
-            </a:r>
-            <a:r>
-              <a:rPr lang="en-US" altLang="ko-KR" dirty="0" smtClean="0"/>
-              <a:t>,</a:t>
-            </a:r>
-            <a:r>
-              <a:rPr lang="ko-KR" altLang="en-US" dirty="0" err="1" smtClean="0"/>
-              <a:t>페이징</a:t>
-            </a:r>
-            <a:endParaRPr lang="ko-KR" altLang="en-US" dirty="0" smtClean="0"/>
-          </a:p>
-          <a:p>
-            <a:r>
-              <a:rPr lang="ko-KR" altLang="en-US" dirty="0" smtClean="0"/>
-              <a:t>  </a:t>
-            </a:r>
-            <a:r>
-              <a:rPr lang="en-US" altLang="ko-KR" dirty="0" smtClean="0"/>
-              <a:t>- </a:t>
-            </a:r>
-            <a:r>
-              <a:rPr lang="ko-KR" altLang="en-US" dirty="0" smtClean="0"/>
-              <a:t>관리자게시판</a:t>
-            </a:r>
-            <a:r>
-              <a:rPr lang="en-US" altLang="ko-KR" dirty="0" smtClean="0"/>
-              <a:t>: </a:t>
-            </a:r>
-            <a:r>
-              <a:rPr lang="ko-KR" altLang="en-US" dirty="0" err="1" smtClean="0"/>
-              <a:t>오늘의메뉴</a:t>
-            </a:r>
-            <a:r>
-              <a:rPr lang="en-US" altLang="ko-KR" dirty="0" smtClean="0"/>
-              <a:t>-</a:t>
-            </a:r>
-            <a:r>
-              <a:rPr lang="ko-KR" altLang="en-US" dirty="0" smtClean="0"/>
-              <a:t>관리자권한</a:t>
-            </a:r>
-            <a:r>
-              <a:rPr lang="en-US" altLang="ko-KR" dirty="0" smtClean="0"/>
-              <a:t>, crud,</a:t>
-            </a:r>
-            <a:r>
-              <a:rPr lang="ko-KR" altLang="en-US" dirty="0" smtClean="0"/>
-              <a:t>사진</a:t>
-            </a:r>
-          </a:p>
-          <a:p>
-            <a:r>
-              <a:rPr lang="en-US" altLang="ko-KR" dirty="0" smtClean="0"/>
-              <a:t>- </a:t>
-            </a:r>
-            <a:r>
-              <a:rPr lang="ko-KR" altLang="en-US" dirty="0" err="1" smtClean="0"/>
-              <a:t>메인페이지</a:t>
-            </a:r>
-            <a:endParaRPr lang="ko-KR" altLang="en-US" dirty="0" smtClean="0"/>
-          </a:p>
-          <a:p>
-            <a:r>
-              <a:rPr lang="ko-KR" altLang="en-US" dirty="0" smtClean="0"/>
-              <a:t>  </a:t>
-            </a:r>
-            <a:r>
-              <a:rPr lang="en-US" altLang="ko-KR" dirty="0" smtClean="0"/>
-              <a:t>- </a:t>
-            </a:r>
-            <a:r>
-              <a:rPr lang="ko-KR" altLang="en-US" dirty="0" smtClean="0"/>
-              <a:t>식권구입</a:t>
-            </a:r>
-            <a:r>
-              <a:rPr lang="en-US" altLang="ko-KR" dirty="0" smtClean="0"/>
-              <a:t>: </a:t>
-            </a:r>
-            <a:r>
-              <a:rPr lang="ko-KR" altLang="en-US" dirty="0" smtClean="0"/>
-              <a:t>포인트</a:t>
-            </a:r>
-            <a:r>
-              <a:rPr lang="en-US" altLang="ko-KR" dirty="0" smtClean="0"/>
-              <a:t>--, </a:t>
-            </a:r>
-            <a:r>
-              <a:rPr lang="ko-KR" altLang="en-US" dirty="0" smtClean="0"/>
-              <a:t>식권</a:t>
-            </a:r>
-            <a:r>
-              <a:rPr lang="en-US" altLang="ko-KR" dirty="0" smtClean="0"/>
-              <a:t>++</a:t>
-            </a:r>
-          </a:p>
-          <a:p>
-            <a:r>
-              <a:rPr lang="en-US" altLang="ko-KR" dirty="0" smtClean="0"/>
-              <a:t>  - </a:t>
-            </a:r>
-            <a:r>
-              <a:rPr lang="ko-KR" altLang="en-US" dirty="0" smtClean="0"/>
-              <a:t>사용</a:t>
-            </a:r>
-            <a:r>
-              <a:rPr lang="en-US" altLang="ko-KR" dirty="0" smtClean="0"/>
-              <a:t>: </a:t>
-            </a:r>
-            <a:r>
-              <a:rPr lang="ko-KR" altLang="en-US" dirty="0" smtClean="0"/>
-              <a:t>식권</a:t>
-            </a:r>
-            <a:r>
-              <a:rPr lang="en-US" altLang="ko-KR" dirty="0" smtClean="0"/>
-              <a:t>--, </a:t>
-            </a:r>
-            <a:r>
-              <a:rPr lang="ko-KR" altLang="en-US" dirty="0" smtClean="0"/>
-              <a:t>가짜 바코드</a:t>
-            </a:r>
-            <a:r>
-              <a:rPr lang="en-US" altLang="ko-KR" dirty="0" smtClean="0"/>
-              <a:t>, </a:t>
-            </a:r>
-            <a:r>
-              <a:rPr lang="ko-KR" altLang="en-US" dirty="0" smtClean="0"/>
-              <a:t>이용횟수</a:t>
-            </a:r>
-            <a:r>
-              <a:rPr lang="en-US" altLang="ko-KR" dirty="0" smtClean="0"/>
-              <a:t>++</a:t>
-            </a:r>
-          </a:p>
-          <a:p>
-            <a:r>
-              <a:rPr lang="en-US" altLang="ko-KR" dirty="0" smtClean="0"/>
-              <a:t>  - </a:t>
-            </a:r>
-            <a:r>
-              <a:rPr lang="ko-KR" altLang="en-US" dirty="0" smtClean="0"/>
-              <a:t>포인트충전</a:t>
-            </a:r>
-            <a:r>
-              <a:rPr lang="en-US" altLang="ko-KR" dirty="0" smtClean="0"/>
-              <a:t>: </a:t>
-            </a:r>
-            <a:r>
-              <a:rPr lang="ko-KR" altLang="en-US" dirty="0" smtClean="0"/>
-              <a:t>포인트</a:t>
-            </a:r>
-            <a:r>
-              <a:rPr lang="en-US" altLang="ko-KR" dirty="0" smtClean="0"/>
-              <a:t>++, </a:t>
-            </a:r>
-            <a:r>
-              <a:rPr lang="ko-KR" altLang="en-US" dirty="0" err="1" smtClean="0"/>
-              <a:t>몇포인트충전할지</a:t>
-            </a:r>
-            <a:r>
-              <a:rPr lang="ko-KR" altLang="en-US" dirty="0" smtClean="0"/>
-              <a:t> 선택</a:t>
-            </a:r>
-            <a:r>
-              <a:rPr lang="en-US" altLang="ko-KR" dirty="0" smtClean="0"/>
-              <a:t>(1000</a:t>
-            </a:r>
-            <a:r>
-              <a:rPr lang="ko-KR" altLang="en-US" dirty="0" smtClean="0"/>
-              <a:t>원</a:t>
-            </a:r>
-            <a:r>
-              <a:rPr lang="en-US" altLang="ko-KR" dirty="0" smtClean="0"/>
-              <a:t>=10p)</a:t>
-            </a:r>
-            <a:endParaRPr lang="ko-KR" altLang="en-US" dirty="0"/>
-          </a:p>
-        </p:txBody>
-      </p:sp>
-      <p:sp>
-        <p:nvSpPr>
-          <p:cNvPr id="4" name="직사각형 3"/>
-          <p:cNvSpPr/>
-          <p:nvPr/>
-        </p:nvSpPr>
-        <p:spPr>
-          <a:xfrm>
-            <a:off x="-112734" y="6501008"/>
-            <a:ext cx="12450871" cy="488515"/>
-          </a:xfrm>
-          <a:prstGeom prst="rect">
-            <a:avLst/>
-          </a:prstGeom>
-          <a:solidFill>
-            <a:schemeClr val="accent4">
-              <a:lumMod val="60000"/>
-              <a:lumOff val="40000"/>
-            </a:schemeClr>
-          </a:solidFill>
-          <a:ln>
-            <a:solidFill>
-              <a:schemeClr val="accent4">
-                <a:lumMod val="40000"/>
-                <a:lumOff val="60000"/>
-              </a:schemeClr>
-            </a:solidFill>
-          </a:ln>
-        </p:spPr>
-        <p:style>
-          <a:lnRef idx="2">
-            <a:schemeClr val="accent1">
-              <a:shade val="50000"/>
-            </a:schemeClr>
-          </a:lnRef>
-          <a:fillRef idx="1">
-            <a:schemeClr val="accent1"/>
-          </a:fillRef>
-          <a:effectRef idx="0">
-            <a:schemeClr val="accent1"/>
-          </a:effectRef>
-          <a:fontRef idx="minor">
-            <a:schemeClr val="lt1"/>
-          </a:fontRef>
-        </p:style>
-        <p:txBody>
-          <a:bodyPr rtlCol="0" anchor="ctr"/>
-          <a:lstStyle/>
-          <a:p>
-            <a:pPr algn="ctr"/>
-            <a:endParaRPr lang="ko-KR" altLang="en-US"/>
           </a:p>
         </p:txBody>
       </p:sp>
     </p:spTree>
     <p:extLst>
       <p:ext uri="{BB962C8B-B14F-4D97-AF65-F5344CB8AC3E}">
-        <p14:creationId xmlns:p14="http://schemas.microsoft.com/office/powerpoint/2010/main" val="2459629719"/>
+        <p14:creationId xmlns:p14="http://schemas.microsoft.com/office/powerpoint/2010/main" val="2570006759"/>
       </p:ext>
     </p:extLst>
   </p:cSld>
@@ -3818,7 +4779,7 @@
           <a:p>
             <a:r>
               <a:rPr lang="en-US" altLang="ko-KR" dirty="0" smtClean="0"/>
-              <a:t>3. </a:t>
+              <a:t> 03. </a:t>
             </a:r>
             <a:r>
               <a:rPr lang="ko-KR" altLang="en-US" dirty="0" smtClean="0"/>
@@ -3838,7 +4799,7 @@
       </p:sp>
       <p:pic>
         <p:nvPicPr>
-          <p:cNvPr id="8" name="내용 개체 틀 7"/>
+          <p:cNvPr id="6" name="내용 개체 틀 5"/>
           <p:cNvPicPr>
             <a:picLocks noGrp="1" noChangeAspect="1"/>
           </p:cNvPicPr>
@@ -3860,99 +4821,20 @@
         </p:blipFill>
         <p:spPr>
           <a:xfrm>
-            <a:off x="838200" y="1690688"/>
-            <a:ext cx="4836404" cy="4351338"/>
+            <a:off x="1082136" y="1565964"/>
+            <a:ext cx="9828034" cy="5191334"/>
           </a:xfrm>
-        </p:spPr>
-      </p:pic>
-      <p:sp>
-        <p:nvSpPr>
-          <p:cNvPr id="11" name="TextBox 10"/>
-          <p:cNvSpPr txBox="1"/>
-          <p:nvPr/>
-        </p:nvSpPr>
-        <p:spPr>
-          <a:xfrm>
-            <a:off x="6096000" y="1690688"/>
-            <a:ext cx="5257800" cy="646331"/>
-          </a:xfrm>
-          <a:prstGeom prst="rect">
-            <a:avLst/>
-          </a:prstGeom>
-          <a:noFill/>
-        </p:spPr>
-        <p:txBody>
-          <a:bodyPr wrap="square" rtlCol="0">
-            <a:spAutoFit/>
-          </a:bodyPr>
-          <a:lstStyle/>
-          <a:p>
-            <a:r>
-              <a:rPr lang="en-US" altLang="ko-KR" smtClean="0"/>
-              <a:t>class,  mcreviewboard, reviewboard, sugboard, users</a:t>
-            </a:r>
-            <a:endParaRPr lang="ko-KR" altLang="en-US" dirty="0"/>
-          </a:p>
-        </p:txBody>
-      </p:sp>
-      <p:sp>
-        <p:nvSpPr>
-          <p:cNvPr id="5" name="직사각형 4"/>
-          <p:cNvSpPr/>
-          <p:nvPr/>
-        </p:nvSpPr>
-        <p:spPr>
-          <a:xfrm>
-            <a:off x="-112734" y="6501008"/>
-            <a:ext cx="12450871" cy="488515"/>
-          </a:xfrm>
-          <a:prstGeom prst="rect">
-            <a:avLst/>
-          </a:prstGeom>
-          <a:solidFill>
-            <a:schemeClr val="accent4">
-              <a:lumMod val="60000"/>
-              <a:lumOff val="40000"/>
-            </a:schemeClr>
-          </a:solidFill>
-          <a:ln>
+          <a:ln w="28575">
             <a:solidFill>
-              <a:schemeClr val="accent4">
-                <a:lumMod val="40000"/>
-                <a:lumOff val="60000"/>
-              </a:schemeClr>
+              <a:schemeClr val="tx1"/>
             </a:solidFill>
           </a:ln>
         </p:spPr>
-        <p:style>
-          <a:lnRef idx="2">
-            <a:schemeClr val="accent1">
-              <a:shade val="50000"/>
-            </a:schemeClr>
-          </a:lnRef>
-          <a:fillRef idx="1">
-            <a:schemeClr val="accent1"/>
-          </a:fillRef>
-          <a:effectRef idx="0">
-            <a:schemeClr val="accent1"/>
-          </a:effectRef>
-          <a:fontRef idx="minor">
-            <a:schemeClr val="lt1"/>
-          </a:fontRef>
-        </p:style>
-        <p:txBody>
-          <a:bodyPr rtlCol="0" anchor="ctr"/>
-          <a:lstStyle/>
-          <a:p>
-            <a:pPr algn="ctr"/>
-            <a:endParaRPr lang="ko-KR" altLang="en-US"/>
-          </a:p>
-        </p:txBody>
-      </p:sp>
+      </p:pic>
     </p:spTree>
     <p:extLst>
       <p:ext uri="{BB962C8B-B14F-4D97-AF65-F5344CB8AC3E}">
-        <p14:creationId xmlns:p14="http://schemas.microsoft.com/office/powerpoint/2010/main" val="3163588848"/>
+        <p14:creationId xmlns:p14="http://schemas.microsoft.com/office/powerpoint/2010/main" val="2391121884"/>
       </p:ext>
     </p:extLst>
   </p:cSld>
@@ -4002,11 +4884,11 @@
           <a:lstStyle/>
           <a:p>
             <a:r>
-              <a:rPr lang="en-US" altLang="ko-KR" smtClean="0"/>
-              <a:t>4. </a:t>
-            </a:r>
-            <a:r>
-              <a:rPr lang="ko-KR" altLang="en-US" smtClean="0"/>
+              <a:rPr lang="en-US" altLang="ko-KR" dirty="0" smtClean="0"/>
+              <a:t> 04. </a:t>
+            </a:r>
+            <a:r>
+              <a:rPr lang="ko-KR" altLang="en-US" dirty="0" smtClean="0"/>
               <a:t>프로젝트 기능에 따른 화면설계</a:t>
             </a:r>
             <a:endParaRPr lang="ko-KR" altLang="en-US" dirty="0"/>
@@ -4015,81 +4897,233 @@
       </p:sp>
       <p:sp>
         <p:nvSpPr>
-          <p:cNvPr id="3" name="내용 개체 틀 2"/>
-          <p:cNvSpPr>
-            <a:spLocks noGrp="1"/>
-          </p:cNvSpPr>
-          <p:nvPr>
-            <p:ph idx="1"/>
-          </p:nvPr>
-        </p:nvSpPr>
-        <p:spPr/>
-        <p:txBody>
-          <a:bodyPr/>
-          <a:lstStyle/>
-          <a:p>
-            <a:endParaRPr lang="ko-KR" altLang="en-US"/>
-          </a:p>
-        </p:txBody>
-      </p:sp>
-      <p:sp>
-        <p:nvSpPr>
-          <p:cNvPr id="4" name="직사각형 3"/>
-          <p:cNvSpPr/>
+          <p:cNvPr id="7" name="내용 개체 틀 2"/>
+          <p:cNvSpPr txBox="1">
+            <a:spLocks/>
+          </p:cNvSpPr>
           <p:nvPr/>
         </p:nvSpPr>
         <p:spPr>
           <a:xfrm>
-            <a:off x="-112734" y="6501008"/>
-            <a:ext cx="12450871" cy="488515"/>
+            <a:off x="4697719" y="1377968"/>
+            <a:ext cx="5197843" cy="4960201"/>
           </a:xfrm>
           <a:prstGeom prst="rect">
             <a:avLst/>
           </a:prstGeom>
-          <a:solidFill>
-            <a:schemeClr val="accent4">
-              <a:lumMod val="60000"/>
-              <a:lumOff val="40000"/>
-            </a:schemeClr>
-          </a:solidFill>
-          <a:ln>
-            <a:solidFill>
-              <a:schemeClr val="accent4">
-                <a:lumMod val="40000"/>
-                <a:lumOff val="60000"/>
-              </a:schemeClr>
-            </a:solidFill>
-          </a:ln>
         </p:spPr>
-        <p:style>
-          <a:lnRef idx="2">
-            <a:schemeClr val="accent1">
-              <a:shade val="50000"/>
-            </a:schemeClr>
-          </a:lnRef>
-          <a:fillRef idx="1">
-            <a:schemeClr val="accent1"/>
-          </a:fillRef>
-          <a:effectRef idx="0">
-            <a:schemeClr val="accent1"/>
-          </a:effectRef>
-          <a:fontRef idx="minor">
-            <a:schemeClr val="lt1"/>
-          </a:fontRef>
-        </p:style>
-        <p:txBody>
-          <a:bodyPr rtlCol="0" anchor="ctr"/>
-          <a:lstStyle/>
-          <a:p>
-            <a:pPr algn="ctr"/>
-            <a:endParaRPr lang="ko-KR" altLang="en-US"/>
+        <p:txBody>
+          <a:bodyPr vert="horz" lIns="91440" tIns="45720" rIns="91440" bIns="45720" rtlCol="0">
+            <a:normAutofit/>
+          </a:bodyPr>
+          <a:lstStyle>
+            <a:lvl1pPr marL="228600" indent="-228600" algn="l" defTabSz="914400" rtl="0" eaLnBrk="1" latinLnBrk="1" hangingPunct="1">
+              <a:lnSpc>
+                <a:spcPct val="150000"/>
+              </a:lnSpc>
+              <a:spcBef>
+                <a:spcPts val="1000"/>
+              </a:spcBef>
+              <a:buFont typeface="Arial" panose="020B0604020202020204" pitchFamily="34" charset="0"/>
+              <a:buChar char="•"/>
+              <a:defRPr sz="2800" kern="1200">
+                <a:solidFill>
+                  <a:schemeClr val="tx1"/>
+                </a:solidFill>
+                <a:latin typeface="애터미 Bold" panose="020B0803000000000000" pitchFamily="50" charset="-127"/>
+                <a:ea typeface="애터미 Bold" panose="020B0803000000000000" pitchFamily="50" charset="-127"/>
+                <a:cs typeface="+mn-cs"/>
+              </a:defRPr>
+            </a:lvl1pPr>
+            <a:lvl2pPr marL="685800" indent="-228600" algn="l" defTabSz="914400" rtl="0" eaLnBrk="1" latinLnBrk="1" hangingPunct="1">
+              <a:lnSpc>
+                <a:spcPct val="90000"/>
+              </a:lnSpc>
+              <a:spcBef>
+                <a:spcPts val="500"/>
+              </a:spcBef>
+              <a:buFont typeface="Arial" panose="020B0604020202020204" pitchFamily="34" charset="0"/>
+              <a:buChar char="•"/>
+              <a:defRPr sz="2400" kern="1200">
+                <a:solidFill>
+                  <a:schemeClr val="tx1"/>
+                </a:solidFill>
+                <a:latin typeface="애터미 Bold" panose="020B0803000000000000" pitchFamily="50" charset="-127"/>
+                <a:ea typeface="애터미 Bold" panose="020B0803000000000000" pitchFamily="50" charset="-127"/>
+                <a:cs typeface="+mn-cs"/>
+              </a:defRPr>
+            </a:lvl2pPr>
+            <a:lvl3pPr marL="1143000" indent="-228600" algn="l" defTabSz="914400" rtl="0" eaLnBrk="1" latinLnBrk="1" hangingPunct="1">
+              <a:lnSpc>
+                <a:spcPct val="90000"/>
+              </a:lnSpc>
+              <a:spcBef>
+                <a:spcPts val="500"/>
+              </a:spcBef>
+              <a:buFont typeface="Arial" panose="020B0604020202020204" pitchFamily="34" charset="0"/>
+              <a:buChar char="•"/>
+              <a:defRPr sz="2000" kern="1200">
+                <a:solidFill>
+                  <a:schemeClr val="tx1"/>
+                </a:solidFill>
+                <a:latin typeface="애터미 Bold" panose="020B0803000000000000" pitchFamily="50" charset="-127"/>
+                <a:ea typeface="애터미 Bold" panose="020B0803000000000000" pitchFamily="50" charset="-127"/>
+                <a:cs typeface="+mn-cs"/>
+              </a:defRPr>
+            </a:lvl3pPr>
+            <a:lvl4pPr marL="1600200" indent="-228600" algn="l" defTabSz="914400" rtl="0" eaLnBrk="1" latinLnBrk="1" hangingPunct="1">
+              <a:lnSpc>
+                <a:spcPct val="90000"/>
+              </a:lnSpc>
+              <a:spcBef>
+                <a:spcPts val="500"/>
+              </a:spcBef>
+              <a:buFont typeface="Arial" panose="020B0604020202020204" pitchFamily="34" charset="0"/>
+              <a:buChar char="•"/>
+              <a:defRPr sz="1800" kern="1200">
+                <a:solidFill>
+                  <a:schemeClr val="tx1"/>
+                </a:solidFill>
+                <a:latin typeface="애터미 Bold" panose="020B0803000000000000" pitchFamily="50" charset="-127"/>
+                <a:ea typeface="애터미 Bold" panose="020B0803000000000000" pitchFamily="50" charset="-127"/>
+                <a:cs typeface="+mn-cs"/>
+              </a:defRPr>
+            </a:lvl4pPr>
+            <a:lvl5pPr marL="2057400" indent="-228600" algn="l" defTabSz="914400" rtl="0" eaLnBrk="1" latinLnBrk="1" hangingPunct="1">
+              <a:lnSpc>
+                <a:spcPct val="90000"/>
+              </a:lnSpc>
+              <a:spcBef>
+                <a:spcPts val="500"/>
+              </a:spcBef>
+              <a:buFont typeface="Arial" panose="020B0604020202020204" pitchFamily="34" charset="0"/>
+              <a:buChar char="•"/>
+              <a:defRPr sz="1800" kern="1200">
+                <a:solidFill>
+                  <a:schemeClr val="tx1"/>
+                </a:solidFill>
+                <a:latin typeface="애터미 Bold" panose="020B0803000000000000" pitchFamily="50" charset="-127"/>
+                <a:ea typeface="애터미 Bold" panose="020B0803000000000000" pitchFamily="50" charset="-127"/>
+                <a:cs typeface="+mn-cs"/>
+              </a:defRPr>
+            </a:lvl5pPr>
+            <a:lvl6pPr marL="2514600" indent="-228600" algn="l" defTabSz="914400" rtl="0" eaLnBrk="1" latinLnBrk="1" hangingPunct="1">
+              <a:lnSpc>
+                <a:spcPct val="90000"/>
+              </a:lnSpc>
+              <a:spcBef>
+                <a:spcPts val="500"/>
+              </a:spcBef>
+              <a:buFont typeface="Arial" panose="020B0604020202020204" pitchFamily="34" charset="0"/>
+              <a:buChar char="•"/>
+              <a:defRPr sz="1800" kern="1200">
+                <a:solidFill>
+                  <a:schemeClr val="tx1"/>
+                </a:solidFill>
+                <a:latin typeface="+mn-lt"/>
+                <a:ea typeface="+mn-ea"/>
+                <a:cs typeface="+mn-cs"/>
+              </a:defRPr>
+            </a:lvl6pPr>
+            <a:lvl7pPr marL="2971800" indent="-228600" algn="l" defTabSz="914400" rtl="0" eaLnBrk="1" latinLnBrk="1" hangingPunct="1">
+              <a:lnSpc>
+                <a:spcPct val="90000"/>
+              </a:lnSpc>
+              <a:spcBef>
+                <a:spcPts val="500"/>
+              </a:spcBef>
+              <a:buFont typeface="Arial" panose="020B0604020202020204" pitchFamily="34" charset="0"/>
+              <a:buChar char="•"/>
+              <a:defRPr sz="1800" kern="1200">
+                <a:solidFill>
+                  <a:schemeClr val="tx1"/>
+                </a:solidFill>
+                <a:latin typeface="+mn-lt"/>
+                <a:ea typeface="+mn-ea"/>
+                <a:cs typeface="+mn-cs"/>
+              </a:defRPr>
+            </a:lvl7pPr>
+            <a:lvl8pPr marL="3429000" indent="-228600" algn="l" defTabSz="914400" rtl="0" eaLnBrk="1" latinLnBrk="1" hangingPunct="1">
+              <a:lnSpc>
+                <a:spcPct val="90000"/>
+              </a:lnSpc>
+              <a:spcBef>
+                <a:spcPts val="500"/>
+              </a:spcBef>
+              <a:buFont typeface="Arial" panose="020B0604020202020204" pitchFamily="34" charset="0"/>
+              <a:buChar char="•"/>
+              <a:defRPr sz="1800" kern="1200">
+                <a:solidFill>
+                  <a:schemeClr val="tx1"/>
+                </a:solidFill>
+                <a:latin typeface="+mn-lt"/>
+                <a:ea typeface="+mn-ea"/>
+                <a:cs typeface="+mn-cs"/>
+              </a:defRPr>
+            </a:lvl8pPr>
+            <a:lvl9pPr marL="3886200" indent="-228600" algn="l" defTabSz="914400" rtl="0" eaLnBrk="1" latinLnBrk="1" hangingPunct="1">
+              <a:lnSpc>
+                <a:spcPct val="90000"/>
+              </a:lnSpc>
+              <a:spcBef>
+                <a:spcPts val="500"/>
+              </a:spcBef>
+              <a:buFont typeface="Arial" panose="020B0604020202020204" pitchFamily="34" charset="0"/>
+              <a:buChar char="•"/>
+              <a:defRPr sz="1800" kern="1200">
+                <a:solidFill>
+                  <a:schemeClr val="tx1"/>
+                </a:solidFill>
+                <a:latin typeface="+mn-lt"/>
+                <a:ea typeface="+mn-ea"/>
+                <a:cs typeface="+mn-cs"/>
+              </a:defRPr>
+            </a:lvl9pPr>
+          </a:lstStyle>
+          <a:p>
+            <a:r>
+              <a:rPr lang="ko-KR" altLang="en-US" dirty="0" smtClean="0"/>
+              <a:t>로그인</a:t>
+            </a:r>
+            <a:r>
+              <a:rPr lang="en-US" altLang="ko-KR" dirty="0" smtClean="0"/>
+              <a:t>/</a:t>
+            </a:r>
+            <a:r>
+              <a:rPr lang="ko-KR" altLang="en-US" dirty="0" smtClean="0"/>
+              <a:t>로그아웃</a:t>
+            </a:r>
+            <a:endParaRPr lang="en-US" altLang="ko-KR" dirty="0" smtClean="0"/>
+          </a:p>
+          <a:p>
+            <a:pPr lvl="1"/>
+            <a:r>
+              <a:rPr lang="ko-KR" altLang="en-US" dirty="0" smtClean="0"/>
+              <a:t>비밀번호 </a:t>
+            </a:r>
+            <a:r>
+              <a:rPr lang="en-US" altLang="ko-KR" dirty="0" smtClean="0"/>
+              <a:t>confirm</a:t>
+            </a:r>
+            <a:r>
+              <a:rPr lang="ko-KR" altLang="en-US" dirty="0" smtClean="0"/>
+              <a:t>검사</a:t>
+            </a:r>
+            <a:endParaRPr lang="en-US" altLang="ko-KR" dirty="0" smtClean="0"/>
+          </a:p>
+          <a:p>
+            <a:endParaRPr lang="en-US" altLang="ko-KR" dirty="0" smtClean="0"/>
+          </a:p>
+          <a:p>
+            <a:pPr lvl="1"/>
+            <a:endParaRPr lang="ko-KR" altLang="en-US" dirty="0"/>
           </a:p>
         </p:txBody>
       </p:sp>
     </p:spTree>
     <p:extLst>
       <p:ext uri="{BB962C8B-B14F-4D97-AF65-F5344CB8AC3E}">
-        <p14:creationId xmlns:p14="http://schemas.microsoft.com/office/powerpoint/2010/main" val="3863486442"/>
+        <p14:creationId xmlns:p14="http://schemas.microsoft.com/office/powerpoint/2010/main" val="1867859434"/>
       </p:ext>
     </p:extLst>
   </p:cSld>
@@ -4140,15 +5174,11 @@
           <a:p>
             <a:r>
               <a:rPr lang="en-US" altLang="ko-KR" dirty="0" smtClean="0"/>
-              <a:t>5.</a:t>
-            </a:r>
-            <a:r>
-              <a:rPr lang="ko-KR" altLang="en-US" dirty="0" err="1" smtClean="0"/>
-              <a:t>조원별</a:t>
-            </a:r>
-            <a:r>
-              <a:rPr lang="ko-KR" altLang="en-US" dirty="0" smtClean="0"/>
-              <a:t> 역할 분담</a:t>
+              <a:t> 04. </a:t>
+            </a:r>
+            <a:r>
+              <a:rPr lang="ko-KR" altLang="en-US" dirty="0" smtClean="0"/>
+              <a:t>프로젝트 기능에 따른 화면설계</a:t>
             </a:r>
             <a:endParaRPr lang="ko-KR" altLang="en-US" dirty="0"/>
           </a:p>
@@ -4170,251 +5200,50 @@
           <a:lstStyle/>
           <a:p>
             <a:r>
-              <a:rPr lang="ko-KR" altLang="en-US" dirty="0"/>
-              <a:t>게시판</a:t>
-            </a:r>
-          </a:p>
-          <a:p>
+              <a:rPr lang="ko-KR" altLang="en-US" dirty="0" smtClean="0"/>
+              <a:t>회원가입</a:t>
+            </a:r>
+            <a:endParaRPr lang="en-US" altLang="ko-KR" dirty="0" smtClean="0"/>
+          </a:p>
+          <a:p>
+            <a:pPr lvl="1"/>
+            <a:r>
+              <a:rPr lang="ko-KR" altLang="en-US" dirty="0" smtClean="0"/>
+              <a:t>아이디 중복체크 여부 검사</a:t>
+            </a:r>
+            <a:endParaRPr lang="en-US" altLang="ko-KR" dirty="0" smtClean="0"/>
+          </a:p>
+          <a:p>
+            <a:pPr lvl="1"/>
+            <a:r>
+              <a:rPr lang="ko-KR" altLang="en-US" dirty="0" smtClean="0"/>
+              <a:t>클래스 목록 선택</a:t>
+            </a:r>
+            <a:endParaRPr lang="en-US" altLang="ko-KR" dirty="0" smtClean="0"/>
+          </a:p>
+          <a:p>
+            <a:pPr lvl="1"/>
             <a:endParaRPr lang="ko-KR" altLang="en-US" dirty="0"/>
-          </a:p>
-          <a:p>
-            <a:r>
-              <a:rPr lang="en-US" altLang="ko-KR" dirty="0"/>
-              <a:t>- </a:t>
-            </a:r>
-            <a:r>
-              <a:rPr lang="ko-KR" altLang="en-US" dirty="0"/>
-              <a:t>게시판</a:t>
-            </a:r>
-            <a:r>
-              <a:rPr lang="en-US" altLang="ko-KR" dirty="0"/>
-              <a:t>1: </a:t>
-            </a:r>
-            <a:r>
-              <a:rPr lang="ko-KR" altLang="en-US" dirty="0"/>
-              <a:t>식단리뷰</a:t>
-            </a:r>
-            <a:r>
-              <a:rPr lang="en-US" altLang="ko-KR" dirty="0"/>
-              <a:t>-**</a:t>
-            </a:r>
-            <a:r>
-              <a:rPr lang="en-US" altLang="ko-KR" dirty="0" err="1"/>
-              <a:t>insertform</a:t>
-            </a:r>
-            <a:r>
-              <a:rPr lang="en-US" altLang="ko-KR" dirty="0"/>
-              <a:t>**(create),**detail**(read, </a:t>
-            </a:r>
-            <a:r>
-              <a:rPr lang="en-US" altLang="ko-KR" dirty="0" err="1"/>
-              <a:t>delete,update</a:t>
-            </a:r>
-            <a:r>
-              <a:rPr lang="en-US" altLang="ko-KR" dirty="0"/>
-              <a:t>),**list** `</a:t>
-            </a:r>
-            <a:r>
-              <a:rPr lang="en-US" altLang="ko-KR" dirty="0" err="1"/>
-              <a:t>jsp</a:t>
-            </a:r>
-            <a:r>
-              <a:rPr lang="en-US" altLang="ko-KR" dirty="0"/>
-              <a:t>`</a:t>
-            </a:r>
-          </a:p>
-          <a:p>
-            <a:r>
-              <a:rPr lang="en-US" altLang="ko-KR" dirty="0"/>
-              <a:t>- </a:t>
-            </a:r>
-            <a:r>
-              <a:rPr lang="ko-KR" altLang="en-US" dirty="0"/>
-              <a:t>게시판</a:t>
-            </a:r>
-            <a:r>
-              <a:rPr lang="en-US" altLang="ko-KR" dirty="0"/>
-              <a:t>2: </a:t>
-            </a:r>
-            <a:r>
-              <a:rPr lang="ko-KR" altLang="en-US" dirty="0"/>
-              <a:t>건의게시판 </a:t>
-            </a:r>
-            <a:r>
-              <a:rPr lang="en-US" altLang="ko-KR" dirty="0"/>
-              <a:t>--**</a:t>
-            </a:r>
-            <a:r>
-              <a:rPr lang="en-US" altLang="ko-KR" dirty="0" err="1"/>
-              <a:t>insertform</a:t>
-            </a:r>
-            <a:r>
-              <a:rPr lang="en-US" altLang="ko-KR" dirty="0"/>
-              <a:t>**(create),**detail**(read, </a:t>
-            </a:r>
-            <a:r>
-              <a:rPr lang="en-US" altLang="ko-KR" dirty="0" err="1"/>
-              <a:t>delete,update</a:t>
-            </a:r>
-            <a:r>
-              <a:rPr lang="en-US" altLang="ko-KR" dirty="0"/>
-              <a:t>),**list** `</a:t>
-            </a:r>
-            <a:r>
-              <a:rPr lang="en-US" altLang="ko-KR" dirty="0" err="1"/>
-              <a:t>jsp</a:t>
-            </a:r>
-            <a:r>
-              <a:rPr lang="en-US" altLang="ko-KR" dirty="0"/>
-              <a:t>`</a:t>
-            </a:r>
-          </a:p>
-          <a:p>
-            <a:r>
-              <a:rPr lang="en-US" altLang="ko-KR" dirty="0"/>
-              <a:t>- </a:t>
-            </a:r>
-            <a:r>
-              <a:rPr lang="ko-KR" altLang="en-US" dirty="0"/>
-              <a:t>게시판</a:t>
-            </a:r>
-            <a:r>
-              <a:rPr lang="en-US" altLang="ko-KR" dirty="0"/>
-              <a:t>3: </a:t>
-            </a:r>
-            <a:r>
-              <a:rPr lang="ko-KR" altLang="en-US" dirty="0"/>
-              <a:t>외부식당리뷰</a:t>
-            </a:r>
-            <a:r>
-              <a:rPr lang="en-US" altLang="ko-KR" dirty="0"/>
-              <a:t>--**</a:t>
-            </a:r>
-            <a:r>
-              <a:rPr lang="en-US" altLang="ko-KR" dirty="0" err="1"/>
-              <a:t>insertform</a:t>
-            </a:r>
-            <a:r>
-              <a:rPr lang="en-US" altLang="ko-KR" dirty="0"/>
-              <a:t>**(create),**detail**(read, </a:t>
-            </a:r>
-            <a:r>
-              <a:rPr lang="en-US" altLang="ko-KR" dirty="0" err="1"/>
-              <a:t>delete,update</a:t>
-            </a:r>
-            <a:r>
-              <a:rPr lang="en-US" altLang="ko-KR" dirty="0"/>
-              <a:t>),**list** `</a:t>
-            </a:r>
-            <a:r>
-              <a:rPr lang="en-US" altLang="ko-KR" dirty="0" err="1"/>
-              <a:t>jsp</a:t>
-            </a:r>
-            <a:r>
-              <a:rPr lang="en-US" altLang="ko-KR" dirty="0"/>
-              <a:t>`</a:t>
-            </a:r>
-          </a:p>
-          <a:p>
-            <a:r>
-              <a:rPr lang="en-US" altLang="ko-KR" dirty="0"/>
-              <a:t>- </a:t>
-            </a:r>
-            <a:r>
-              <a:rPr lang="ko-KR" altLang="en-US" dirty="0"/>
-              <a:t>관리자게시판</a:t>
-            </a:r>
-            <a:r>
-              <a:rPr lang="en-US" altLang="ko-KR" dirty="0"/>
-              <a:t>: </a:t>
-            </a:r>
-            <a:r>
-              <a:rPr lang="ko-KR" altLang="en-US" dirty="0" err="1"/>
-              <a:t>오늘의메뉴</a:t>
-            </a:r>
-            <a:r>
-              <a:rPr lang="en-US" altLang="ko-KR" dirty="0"/>
-              <a:t>-</a:t>
-            </a:r>
-            <a:r>
-              <a:rPr lang="ko-KR" altLang="en-US" dirty="0"/>
-              <a:t>관리자권한</a:t>
-            </a:r>
-            <a:r>
-              <a:rPr lang="en-US" altLang="ko-KR" dirty="0"/>
-              <a:t>, crud,</a:t>
-            </a:r>
-            <a:r>
-              <a:rPr lang="ko-KR" altLang="en-US" dirty="0"/>
-              <a:t>사진</a:t>
-            </a:r>
-          </a:p>
-        </p:txBody>
-      </p:sp>
-      <p:sp>
-        <p:nvSpPr>
-          <p:cNvPr id="4" name="직사각형 3"/>
-          <p:cNvSpPr/>
-          <p:nvPr/>
-        </p:nvSpPr>
-        <p:spPr>
-          <a:xfrm>
-            <a:off x="-112734" y="6501008"/>
-            <a:ext cx="12450871" cy="488515"/>
-          </a:xfrm>
-          <a:prstGeom prst="rect">
-            <a:avLst/>
-          </a:prstGeom>
-          <a:solidFill>
-            <a:schemeClr val="accent4">
-              <a:lumMod val="60000"/>
-              <a:lumOff val="40000"/>
-            </a:schemeClr>
-          </a:solidFill>
-          <a:ln>
-            <a:solidFill>
-              <a:schemeClr val="accent4">
-                <a:lumMod val="40000"/>
-                <a:lumOff val="60000"/>
-              </a:schemeClr>
-            </a:solidFill>
-          </a:ln>
-        </p:spPr>
-        <p:style>
-          <a:lnRef idx="2">
-            <a:schemeClr val="accent1">
-              <a:shade val="50000"/>
-            </a:schemeClr>
-          </a:lnRef>
-          <a:fillRef idx="1">
-            <a:schemeClr val="accent1"/>
-          </a:fillRef>
-          <a:effectRef idx="0">
-            <a:schemeClr val="accent1"/>
-          </a:effectRef>
-          <a:fontRef idx="minor">
-            <a:schemeClr val="lt1"/>
-          </a:fontRef>
-        </p:style>
-        <p:txBody>
-          <a:bodyPr rtlCol="0" anchor="ctr"/>
-          <a:lstStyle/>
-          <a:p>
-            <a:pPr algn="ctr"/>
-            <a:endParaRPr lang="ko-KR" altLang="en-US"/>
           </a:p>
         </p:txBody>
       </p:sp>
     </p:spTree>
     <p:extLst>
       <p:ext uri="{BB962C8B-B14F-4D97-AF65-F5344CB8AC3E}">
-        <p14:creationId xmlns:p14="http://schemas.microsoft.com/office/powerpoint/2010/main" val="3667099812"/>
+        <p14:creationId xmlns:p14="http://schemas.microsoft.com/office/powerpoint/2010/main" val="3965671905"/>
       </p:ext>
     </p:extLst>
   </p:cSld>
   <p:clrMapOvr>
     <a:masterClrMapping/>
   </p:clrMapOvr>
+  <p:timing>
+    <p:tnLst>
+      <p:par>
+        <p:cTn id="1" dur="indefinite" restart="never" nodeType="tmRoot"/>
+      </p:par>
+    </p:tnLst>
+  </p:timing>
 </p:sld>
 </file>
 
@@ -4452,19 +5281,11 @@
           <a:p>
             <a:r>
               <a:rPr lang="en-US" altLang="ko-KR" dirty="0" smtClean="0"/>
-              <a:t>6.</a:t>
-            </a:r>
-            <a:r>
-              <a:rPr lang="ko-KR" altLang="en-US" dirty="0" smtClean="0"/>
-              <a:t>각 </a:t>
-            </a:r>
-            <a:r>
-              <a:rPr lang="ko-KR" altLang="en-US" dirty="0" err="1" smtClean="0"/>
-              <a:t>조원별</a:t>
-            </a:r>
-            <a:r>
-              <a:rPr lang="ko-KR" altLang="en-US" dirty="0" smtClean="0"/>
-              <a:t> 분담한 역할대로 구현</a:t>
+              <a:t> 04. </a:t>
+            </a:r>
+            <a:r>
+              <a:rPr lang="ko-KR" altLang="en-US" dirty="0" smtClean="0"/>
+              <a:t>프로젝트 기능에 따른 화면설계</a:t>
             </a:r>
             <a:endParaRPr lang="ko-KR" altLang="en-US" dirty="0"/>
           </a:p>
@@ -4482,304 +5303,37 @@
         </p:nvSpPr>
         <p:spPr/>
         <p:txBody>
-          <a:bodyPr>
-            <a:normAutofit fontScale="92500" lnSpcReduction="10000"/>
-          </a:bodyPr>
-          <a:lstStyle/>
-          <a:p>
-            <a:r>
-              <a:rPr lang="ko-KR" altLang="en-US" dirty="0"/>
-              <a:t>각 조원끼리 </a:t>
-            </a:r>
-            <a:r>
-              <a:rPr lang="ko-KR" altLang="en-US" dirty="0" err="1"/>
-              <a:t>패키지명</a:t>
-            </a:r>
-            <a:r>
-              <a:rPr lang="en-US" altLang="ko-KR" dirty="0"/>
-              <a:t>, </a:t>
-            </a:r>
-            <a:r>
-              <a:rPr lang="ko-KR" altLang="en-US" dirty="0" err="1"/>
-              <a:t>클래스명</a:t>
-            </a:r>
-            <a:r>
-              <a:rPr lang="en-US" altLang="ko-KR" dirty="0"/>
-              <a:t>, </a:t>
-            </a:r>
-            <a:r>
-              <a:rPr lang="ko-KR" altLang="en-US" dirty="0" err="1"/>
-              <a:t>변수명</a:t>
-            </a:r>
-            <a:r>
-              <a:rPr lang="en-US" altLang="ko-KR" dirty="0"/>
-              <a:t>, </a:t>
-            </a:r>
-            <a:r>
-              <a:rPr lang="ko-KR" altLang="en-US" dirty="0"/>
-              <a:t>파일경로</a:t>
-            </a:r>
-            <a:r>
-              <a:rPr lang="en-US" altLang="ko-KR" dirty="0"/>
-              <a:t>, DB</a:t>
-            </a:r>
-            <a:r>
-              <a:rPr lang="ko-KR" altLang="en-US" dirty="0" err="1"/>
-              <a:t>테이블명</a:t>
-            </a:r>
-            <a:r>
-              <a:rPr lang="en-US" altLang="ko-KR" dirty="0"/>
-              <a:t>, </a:t>
-            </a:r>
-            <a:r>
-              <a:rPr lang="ko-KR" altLang="en-US" dirty="0" err="1"/>
-              <a:t>컬럼명</a:t>
-            </a:r>
-            <a:r>
-              <a:rPr lang="ko-KR" altLang="en-US" dirty="0"/>
-              <a:t> 등 약속</a:t>
-            </a:r>
-            <a:r>
-              <a:rPr lang="en-US" altLang="ko-KR" dirty="0"/>
-              <a:t>&amp;</a:t>
-            </a:r>
-            <a:r>
-              <a:rPr lang="ko-KR" altLang="en-US" dirty="0"/>
-              <a:t>공유</a:t>
-            </a:r>
-          </a:p>
-          <a:p>
-            <a:endParaRPr lang="ko-KR" altLang="en-US" dirty="0"/>
-          </a:p>
-          <a:p>
-            <a:r>
-              <a:rPr lang="en-US" altLang="ko-KR" dirty="0"/>
-              <a:t>- </a:t>
-            </a:r>
-            <a:r>
-              <a:rPr lang="ko-KR" altLang="en-US" dirty="0"/>
-              <a:t>로그인</a:t>
-            </a:r>
-            <a:r>
-              <a:rPr lang="en-US" altLang="ko-KR" dirty="0"/>
-              <a:t>-</a:t>
-            </a:r>
-            <a:r>
-              <a:rPr lang="ko-KR" altLang="en-US" dirty="0"/>
-              <a:t>유미선</a:t>
-            </a:r>
-          </a:p>
-          <a:p>
-            <a:r>
-              <a:rPr lang="en-US" altLang="ko-KR" dirty="0"/>
-              <a:t>- </a:t>
-            </a:r>
-            <a:r>
-              <a:rPr lang="ko-KR" altLang="en-US" dirty="0"/>
-              <a:t>회원가입</a:t>
-            </a:r>
-            <a:r>
-              <a:rPr lang="en-US" altLang="ko-KR" dirty="0"/>
-              <a:t>-?</a:t>
-            </a:r>
-          </a:p>
-          <a:p>
-            <a:r>
-              <a:rPr lang="en-US" altLang="ko-KR" dirty="0"/>
-              <a:t>- </a:t>
-            </a:r>
-            <a:r>
-              <a:rPr lang="ko-KR" altLang="en-US" dirty="0"/>
+          <a:bodyPr/>
+          <a:lstStyle/>
+          <a:p>
+            <a:r>
+              <a:rPr lang="ko-KR" altLang="en-US" dirty="0" smtClean="0"/>
               <a:t>게시판</a:t>
             </a:r>
             <a:r>
-              <a:rPr lang="en-US" altLang="ko-KR" dirty="0"/>
-              <a:t>1: </a:t>
-            </a:r>
-            <a:r>
-              <a:rPr lang="ko-KR" altLang="en-US" dirty="0"/>
-              <a:t>식단리뷰</a:t>
-            </a:r>
-            <a:r>
-              <a:rPr lang="en-US" altLang="ko-KR" dirty="0"/>
-              <a:t>-</a:t>
-            </a:r>
-            <a:r>
-              <a:rPr lang="ko-KR" altLang="en-US" dirty="0"/>
-              <a:t>정혜진</a:t>
-            </a:r>
-          </a:p>
-          <a:p>
-            <a:r>
-              <a:rPr lang="en-US" altLang="ko-KR" dirty="0"/>
-              <a:t>- </a:t>
-            </a:r>
-            <a:r>
-              <a:rPr lang="ko-KR" altLang="en-US" dirty="0"/>
-              <a:t>게시판</a:t>
-            </a:r>
-            <a:r>
-              <a:rPr lang="en-US" altLang="ko-KR" dirty="0"/>
-              <a:t>2: </a:t>
-            </a:r>
-            <a:r>
-              <a:rPr lang="ko-KR" altLang="en-US" dirty="0"/>
-              <a:t>건의게시판</a:t>
-            </a:r>
-            <a:r>
-              <a:rPr lang="en-US" altLang="ko-KR" dirty="0"/>
-              <a:t>-</a:t>
-            </a:r>
-            <a:r>
-              <a:rPr lang="ko-KR" altLang="en-US" dirty="0"/>
-              <a:t>최혜근</a:t>
-            </a:r>
-          </a:p>
-          <a:p>
-            <a:r>
-              <a:rPr lang="en-US" altLang="ko-KR" dirty="0"/>
-              <a:t>- </a:t>
-            </a:r>
-            <a:r>
-              <a:rPr lang="ko-KR" altLang="en-US" dirty="0"/>
-              <a:t>게시판</a:t>
-            </a:r>
-            <a:r>
-              <a:rPr lang="en-US" altLang="ko-KR" dirty="0"/>
-              <a:t>3: </a:t>
-            </a:r>
-            <a:r>
-              <a:rPr lang="ko-KR" altLang="en-US" dirty="0"/>
-              <a:t>외부식당리뷰</a:t>
-            </a:r>
-            <a:r>
-              <a:rPr lang="en-US" altLang="ko-KR" dirty="0"/>
-              <a:t>-</a:t>
-            </a:r>
-            <a:r>
-              <a:rPr lang="ko-KR" altLang="en-US" dirty="0"/>
-              <a:t>이효진</a:t>
-            </a:r>
-          </a:p>
-          <a:p>
-            <a:r>
-              <a:rPr lang="en-US" altLang="ko-KR" dirty="0"/>
-              <a:t>- </a:t>
-            </a:r>
-            <a:r>
-              <a:rPr lang="ko-KR" altLang="en-US" dirty="0"/>
-              <a:t>관리자게시판</a:t>
-            </a:r>
-            <a:r>
-              <a:rPr lang="en-US" altLang="ko-KR" dirty="0"/>
-              <a:t>: </a:t>
-            </a:r>
-            <a:r>
-              <a:rPr lang="ko-KR" altLang="en-US" dirty="0" err="1"/>
-              <a:t>오늘의메뉴</a:t>
-            </a:r>
-            <a:endParaRPr lang="ko-KR" altLang="en-US" dirty="0"/>
-          </a:p>
-          <a:p>
-            <a:r>
-              <a:rPr lang="en-US" altLang="ko-KR" dirty="0"/>
-              <a:t>- </a:t>
-            </a:r>
-            <a:r>
-              <a:rPr lang="ko-KR" altLang="en-US" dirty="0" err="1"/>
-              <a:t>메인페이지</a:t>
-            </a:r>
-            <a:r>
-              <a:rPr lang="en-US" altLang="ko-KR" dirty="0"/>
-              <a:t>: </a:t>
-            </a:r>
-            <a:r>
-              <a:rPr lang="ko-KR" altLang="en-US" dirty="0"/>
-              <a:t>식권구입</a:t>
-            </a:r>
-            <a:r>
-              <a:rPr lang="en-US" altLang="ko-KR" dirty="0"/>
-              <a:t>, </a:t>
-            </a:r>
-            <a:r>
-              <a:rPr lang="ko-KR" altLang="en-US" dirty="0"/>
-              <a:t>사용</a:t>
-            </a:r>
-            <a:r>
-              <a:rPr lang="en-US" altLang="ko-KR" dirty="0"/>
-              <a:t>, </a:t>
-            </a:r>
-            <a:r>
-              <a:rPr lang="ko-KR" altLang="en-US" dirty="0"/>
-              <a:t>포인트충전</a:t>
-            </a:r>
-          </a:p>
-        </p:txBody>
-      </p:sp>
-      <p:sp>
-        <p:nvSpPr>
-          <p:cNvPr id="4" name="직사각형 3"/>
-          <p:cNvSpPr/>
-          <p:nvPr/>
-        </p:nvSpPr>
-        <p:spPr>
-          <a:xfrm>
-            <a:off x="-112734" y="6501008"/>
-            <a:ext cx="12450871" cy="488515"/>
-          </a:xfrm>
-          <a:prstGeom prst="rect">
-            <a:avLst/>
-          </a:prstGeom>
-          <a:solidFill>
-            <a:schemeClr val="accent4">
-              <a:lumMod val="60000"/>
-              <a:lumOff val="40000"/>
-            </a:schemeClr>
-          </a:solidFill>
-          <a:ln>
-            <a:solidFill>
-              <a:schemeClr val="accent4">
-                <a:lumMod val="40000"/>
-                <a:lumOff val="60000"/>
-              </a:schemeClr>
-            </a:solidFill>
-          </a:ln>
-        </p:spPr>
-        <p:style>
-          <a:lnRef idx="2">
-            <a:schemeClr val="accent1">
-              <a:shade val="50000"/>
-            </a:schemeClr>
-          </a:lnRef>
-          <a:fillRef idx="1">
-            <a:schemeClr val="accent1"/>
-          </a:fillRef>
-          <a:effectRef idx="0">
-            <a:schemeClr val="accent1"/>
-          </a:effectRef>
-          <a:fontRef idx="minor">
-            <a:schemeClr val="lt1"/>
-          </a:fontRef>
-        </p:style>
-        <p:txBody>
-          <a:bodyPr rtlCol="0" anchor="ctr"/>
-          <a:lstStyle/>
-          <a:p>
-            <a:pPr algn="ctr"/>
-            <a:endParaRPr lang="ko-KR" altLang="en-US"/>
+              <a:rPr lang="en-US" altLang="ko-KR" dirty="0" smtClean="0"/>
+              <a:t>(list)</a:t>
+            </a:r>
           </a:p>
         </p:txBody>
       </p:sp>
     </p:spTree>
     <p:extLst>
       <p:ext uri="{BB962C8B-B14F-4D97-AF65-F5344CB8AC3E}">
-        <p14:creationId xmlns:p14="http://schemas.microsoft.com/office/powerpoint/2010/main" val="833129371"/>
+        <p14:creationId xmlns:p14="http://schemas.microsoft.com/office/powerpoint/2010/main" val="2966427717"/>
       </p:ext>
     </p:extLst>
   </p:cSld>
   <p:clrMapOvr>
     <a:masterClrMapping/>
   </p:clrMapOvr>
+  <p:timing>
+    <p:tnLst>
+      <p:par>
+        <p:cTn id="1" dur="indefinite" restart="never" nodeType="tmRoot"/>
+      </p:par>
+    </p:tnLst>
+  </p:timing>
 </p:sld>
 </file>
 
@@ -4815,7 +5369,15 @@
           <a:bodyPr/>
           <a:lstStyle/>
           <a:p>
-            <a:endParaRPr lang="ko-KR" altLang="en-US"/>
+            <a:r>
+              <a:rPr lang="en-US" altLang="ko-KR" dirty="0" smtClean="0"/>
+              <a:t> 04. </a:t>
+            </a:r>
+            <a:r>
+              <a:rPr lang="ko-KR" altLang="en-US" dirty="0" smtClean="0"/>
+              <a:t>프로젝트 기능에 따른 화면설계</a:t>
+            </a:r>
+            <a:endParaRPr lang="ko-KR" altLang="en-US" dirty="0"/>
           </a:p>
         </p:txBody>
       </p:sp>
@@ -4835,125 +5397,133 @@
           <a:lstStyle/>
           <a:p>
             <a:r>
-              <a:rPr lang="ko-KR" altLang="en-US" dirty="0"/>
-              <a:t>한 조원이 </a:t>
-            </a:r>
-            <a:r>
-              <a:rPr lang="en-US" altLang="ko-KR" dirty="0"/>
-              <a:t>1</a:t>
-            </a:r>
-            <a:r>
-              <a:rPr lang="ko-KR" altLang="en-US" dirty="0"/>
-              <a:t>개의 기능 담당</a:t>
-            </a:r>
-            <a:r>
-              <a:rPr lang="en-US" altLang="ko-KR" dirty="0"/>
-              <a:t>(</a:t>
-            </a:r>
-            <a:r>
-              <a:rPr lang="ko-KR" altLang="en-US" dirty="0"/>
-              <a:t>모든 기능</a:t>
-            </a:r>
-            <a:r>
-              <a:rPr lang="en-US" altLang="ko-KR" dirty="0"/>
-              <a:t>)</a:t>
-            </a:r>
-          </a:p>
-          <a:p>
-            <a:endParaRPr lang="en-US" altLang="ko-KR" dirty="0"/>
-          </a:p>
-          <a:p>
-            <a:r>
-              <a:rPr lang="en-US" altLang="ko-KR" dirty="0"/>
-              <a:t>DB</a:t>
-            </a:r>
-            <a:r>
-              <a:rPr lang="ko-KR" altLang="en-US" dirty="0"/>
-              <a:t>설계</a:t>
-            </a:r>
-            <a:r>
-              <a:rPr lang="en-US" altLang="ko-KR" dirty="0"/>
-              <a:t>-</a:t>
-            </a:r>
-            <a:r>
-              <a:rPr lang="ko-KR" altLang="en-US" dirty="0"/>
-              <a:t>화면설계</a:t>
-            </a:r>
-            <a:r>
-              <a:rPr lang="en-US" altLang="ko-KR" dirty="0"/>
-              <a:t>-MVC</a:t>
-            </a:r>
-            <a:r>
-              <a:rPr lang="ko-KR" altLang="en-US" dirty="0"/>
-              <a:t>구현 등 모두 해볼 수 있도록 구성</a:t>
-            </a:r>
-          </a:p>
-        </p:txBody>
-      </p:sp>
-      <p:sp>
-        <p:nvSpPr>
-          <p:cNvPr id="5" name="직사각형 4"/>
-          <p:cNvSpPr/>
-          <p:nvPr/>
-        </p:nvSpPr>
-        <p:spPr>
-          <a:xfrm>
-            <a:off x="-112734" y="6501008"/>
-            <a:ext cx="12450871" cy="488515"/>
-          </a:xfrm>
-          <a:prstGeom prst="rect">
-            <a:avLst/>
-          </a:prstGeom>
-          <a:solidFill>
-            <a:schemeClr val="accent4">
-              <a:lumMod val="60000"/>
-              <a:lumOff val="40000"/>
-            </a:schemeClr>
-          </a:solidFill>
-          <a:ln>
-            <a:solidFill>
-              <a:schemeClr val="accent4">
-                <a:lumMod val="40000"/>
-                <a:lumOff val="60000"/>
-              </a:schemeClr>
-            </a:solidFill>
-          </a:ln>
-        </p:spPr>
-        <p:style>
-          <a:lnRef idx="2">
-            <a:schemeClr val="accent1">
-              <a:shade val="50000"/>
-            </a:schemeClr>
-          </a:lnRef>
-          <a:fillRef idx="1">
-            <a:schemeClr val="accent1"/>
-          </a:fillRef>
-          <a:effectRef idx="0">
-            <a:schemeClr val="accent1"/>
-          </a:effectRef>
-          <a:fontRef idx="minor">
-            <a:schemeClr val="lt1"/>
-          </a:fontRef>
-        </p:style>
-        <p:txBody>
-          <a:bodyPr rtlCol="0" anchor="ctr"/>
-          <a:lstStyle/>
-          <a:p>
-            <a:pPr algn="ctr"/>
-            <a:endParaRPr lang="ko-KR" altLang="en-US"/>
+              <a:rPr lang="ko-KR" altLang="en-US" dirty="0" smtClean="0"/>
+              <a:t>게시판</a:t>
+            </a:r>
+            <a:r>
+              <a:rPr lang="en-US" altLang="ko-KR" dirty="0" smtClean="0"/>
+              <a:t>(detail)</a:t>
+            </a:r>
+            <a:endParaRPr lang="ko-KR" altLang="en-US" dirty="0"/>
           </a:p>
         </p:txBody>
       </p:sp>
     </p:spTree>
     <p:extLst>
       <p:ext uri="{BB962C8B-B14F-4D97-AF65-F5344CB8AC3E}">
-        <p14:creationId xmlns:p14="http://schemas.microsoft.com/office/powerpoint/2010/main" val="642810714"/>
+        <p14:creationId xmlns:p14="http://schemas.microsoft.com/office/powerpoint/2010/main" val="341339630"/>
       </p:ext>
     </p:extLst>
   </p:cSld>
   <p:clrMapOvr>
     <a:masterClrMapping/>
   </p:clrMapOvr>
+  <p:timing>
+    <p:tnLst>
+      <p:par>
+        <p:cTn id="1" dur="indefinite" restart="never" nodeType="tmRoot"/>
+      </p:par>
+    </p:tnLst>
+  </p:timing>
+</p:sld>
+</file>
+
+<file path=ppt/slides/slide9.xml><?xml version="1.0" encoding="utf-8"?>
+<p:sld xmlns:a="http://schemas.openxmlformats.org/drawingml/2006/main" xmlns:r="http://schemas.openxmlformats.org/officeDocument/2006/relationships" xmlns:p="http://schemas.openxmlformats.org/presentationml/2006/main">
+  <p:cSld>
+    <p:spTree>
+      <p:nvGrpSpPr>
+        <p:cNvPr id="1" name=""/>
+        <p:cNvGrpSpPr/>
+        <p:nvPr/>
+      </p:nvGrpSpPr>
+      <p:grpSpPr>
+        <a:xfrm>
+          <a:off x="0" y="0"/>
+          <a:ext cx="0" cy="0"/>
+          <a:chOff x="0" y="0"/>
+          <a:chExt cx="0" cy="0"/>
+        </a:xfrm>
+      </p:grpSpPr>
+      <p:sp>
+        <p:nvSpPr>
+          <p:cNvPr id="2" name="제목 1"/>
+          <p:cNvSpPr>
+            <a:spLocks noGrp="1"/>
+          </p:cNvSpPr>
+          <p:nvPr>
+            <p:ph type="title"/>
+          </p:nvPr>
+        </p:nvSpPr>
+        <p:spPr/>
+        <p:txBody>
+          <a:bodyPr/>
+          <a:lstStyle/>
+          <a:p>
+            <a:r>
+              <a:rPr lang="en-US" altLang="ko-KR" dirty="0" smtClean="0"/>
+              <a:t> 04. </a:t>
+            </a:r>
+            <a:r>
+              <a:rPr lang="ko-KR" altLang="en-US" dirty="0" smtClean="0"/>
+              <a:t>프로젝트 기능에 따른 화면설계</a:t>
+            </a:r>
+            <a:endParaRPr lang="ko-KR" altLang="en-US" dirty="0"/>
+          </a:p>
+        </p:txBody>
+      </p:sp>
+      <p:sp>
+        <p:nvSpPr>
+          <p:cNvPr id="3" name="내용 개체 틀 2"/>
+          <p:cNvSpPr>
+            <a:spLocks noGrp="1"/>
+          </p:cNvSpPr>
+          <p:nvPr>
+            <p:ph idx="1"/>
+          </p:nvPr>
+        </p:nvSpPr>
+        <p:spPr/>
+        <p:txBody>
+          <a:bodyPr/>
+          <a:lstStyle/>
+          <a:p>
+            <a:r>
+              <a:rPr lang="ko-KR" altLang="en-US" dirty="0" smtClean="0"/>
+              <a:t>게시판</a:t>
+            </a:r>
+            <a:r>
+              <a:rPr lang="en-US" altLang="ko-KR" dirty="0" smtClean="0"/>
+              <a:t>(</a:t>
+            </a:r>
+            <a:r>
+              <a:rPr lang="en-US" altLang="ko-KR" dirty="0" err="1" smtClean="0"/>
+              <a:t>insertform</a:t>
+            </a:r>
+            <a:r>
+              <a:rPr lang="en-US" altLang="ko-KR" dirty="0" smtClean="0"/>
+              <a:t>)</a:t>
+            </a:r>
+            <a:endParaRPr lang="ko-KR" altLang="en-US" dirty="0"/>
+          </a:p>
+        </p:txBody>
+      </p:sp>
+    </p:spTree>
+    <p:extLst>
+      <p:ext uri="{BB962C8B-B14F-4D97-AF65-F5344CB8AC3E}">
+        <p14:creationId xmlns:p14="http://schemas.microsoft.com/office/powerpoint/2010/main" val="2879896481"/>
+      </p:ext>
+    </p:extLst>
+  </p:cSld>
+  <p:clrMapOvr>
+    <a:masterClrMapping/>
+  </p:clrMapOvr>
+  <p:timing>
+    <p:tnLst>
+      <p:par>
+        <p:cTn id="1" dur="indefinite" restart="never" nodeType="tmRoot"/>
+      </p:par>
+    </p:tnLst>
+  </p:timing>
 </p:sld>
 </file>
 
